--- a/docs/source/figures/Selfpaced.pptx
+++ b/docs/source/figures/Selfpaced.pptx
@@ -258,7 +258,7 @@
       </p15:sldGuideLst>
     </p:ext>
     <p:ext uri="http://customooxmlschemas.google.com/">
-      <go:slidesCustomData xmlns="" xmlns:mc="http://schemas.openxmlformats.org/markup-compatibility/2006" xmlns:mv="urn:schemas-microsoft-com:mac:vml" xmlns:c="http://schemas.openxmlformats.org/drawingml/2006/chart" xmlns:dgm="http://schemas.openxmlformats.org/drawingml/2006/diagram" xmlns:o="urn:schemas-microsoft-com:office:office" xmlns:v="urn:schemas-microsoft-com:vml" xmlns:pvml="urn:schemas-microsoft-com:office:powerpoint" xmlns:com="http://schemas.openxmlformats.org/drawingml/2006/compatibility" xmlns:p14="http://schemas.microsoft.com/office/powerpoint/2010/main" xmlns:p15="http://schemas.microsoft.com/office/powerpoint/2012/main" xmlns:ahyp="http://schemas.microsoft.com/office/drawing/2018/hyperlinkcolor" xmlns:go="http://customooxmlschemas.google.com/" r:id="rId26" roundtripDataSignature="AMtx7miPKdK3hc+Ivw12D7XUHB6W5dT9gA=="/>
+      <go:slidesCustomData xmlns:go="http://customooxmlschemas.google.com/" xmlns:ahyp="http://schemas.microsoft.com/office/drawing/2018/hyperlinkcolor" xmlns:p15="http://schemas.microsoft.com/office/powerpoint/2012/main" xmlns:p14="http://schemas.microsoft.com/office/powerpoint/2010/main" xmlns:com="http://schemas.openxmlformats.org/drawingml/2006/compatibility" xmlns:pvml="urn:schemas-microsoft-com:office:powerpoint" xmlns:v="urn:schemas-microsoft-com:vml" xmlns:o="urn:schemas-microsoft-com:office:office" xmlns:dgm="http://schemas.openxmlformats.org/drawingml/2006/diagram" xmlns:c="http://schemas.openxmlformats.org/drawingml/2006/chart" xmlns:mv="urn:schemas-microsoft-com:mac:vml" xmlns:mc="http://schemas.openxmlformats.org/markup-compatibility/2006" xmlns="" r:id="rId26" roundtripDataSignature="AMtx7miPKdK3hc+Ivw12D7XUHB6W5dT9gA=="/>
     </p:ext>
   </p:extLst>
 </p:presentation>
@@ -8335,103 +8335,839 @@
           <a:chExt cx="0" cy="0"/>
         </a:xfrm>
       </p:grpSpPr>
-      <p:grpSp>
-        <p:nvGrpSpPr>
-          <p:cNvPr id="51" name="Group 50">
+      <p:sp>
+        <p:nvSpPr>
+          <p:cNvPr id="90" name="Google Shape;90;p4"/>
+          <p:cNvSpPr/>
+          <p:nvPr/>
+        </p:nvSpPr>
+        <p:spPr>
+          <a:xfrm>
+            <a:off x="132225" y="571175"/>
+            <a:ext cx="969900" cy="497400"/>
+          </a:xfrm>
+          <a:prstGeom prst="roundRect">
+            <a:avLst>
+              <a:gd name="adj" fmla="val 16667"/>
+            </a:avLst>
+          </a:prstGeom>
+          <a:solidFill>
+            <a:schemeClr val="lt2"/>
+          </a:solidFill>
+          <a:ln w="9525" cap="flat" cmpd="sng">
+            <a:solidFill>
+              <a:schemeClr val="dk2"/>
+            </a:solidFill>
+            <a:prstDash val="solid"/>
+            <a:round/>
+            <a:headEnd type="none" w="sm" len="sm"/>
+            <a:tailEnd type="none" w="sm" len="sm"/>
+          </a:ln>
+        </p:spPr>
+        <p:txBody>
+          <a:bodyPr spcFirstLastPara="1" wrap="square" lIns="91425" tIns="91425" rIns="91425" bIns="91425" anchor="ctr" anchorCtr="0">
+            <a:noAutofit/>
+          </a:bodyPr>
+          <a:lstStyle/>
+          <a:p>
+            <a:pPr marL="0" marR="0" lvl="0" indent="0" algn="l" rtl="0">
+              <a:lnSpc>
+                <a:spcPct val="100000"/>
+              </a:lnSpc>
+              <a:spcBef>
+                <a:spcPts val="0"/>
+              </a:spcBef>
+              <a:spcAft>
+                <a:spcPts val="0"/>
+              </a:spcAft>
+              <a:buClr>
+                <a:srgbClr val="000000"/>
+              </a:buClr>
+              <a:buSzPts val="1400"/>
+              <a:buFont typeface="Arial"/>
+              <a:buNone/>
+            </a:pPr>
+            <a:r>
+              <a:rPr lang="en-US" sz="1400" b="0" i="0" u="none" strike="noStrike" cap="none" dirty="0" err="1">
+                <a:solidFill>
+                  <a:srgbClr val="000000"/>
+                </a:solidFill>
+                <a:latin typeface="Arial"/>
+                <a:ea typeface="Arial"/>
+                <a:cs typeface="Arial"/>
+                <a:sym typeface="Arial"/>
+              </a:rPr>
+              <a:t>WaitStart</a:t>
+            </a:r>
+            <a:r>
+              <a:rPr lang="en-US" sz="1400" b="0" i="0" u="none" strike="noStrike" cap="none" dirty="0">
+                <a:solidFill>
+                  <a:srgbClr val="000000"/>
+                </a:solidFill>
+                <a:latin typeface="Arial"/>
+                <a:ea typeface="Arial"/>
+                <a:cs typeface="Arial"/>
+                <a:sym typeface="Arial"/>
+              </a:rPr>
+              <a:t> </a:t>
+            </a:r>
+            <a:endParaRPr sz="1400" b="0" i="0" u="none" strike="noStrike" cap="none" dirty="0">
+              <a:solidFill>
+                <a:srgbClr val="000000"/>
+              </a:solidFill>
+              <a:latin typeface="Arial"/>
+              <a:ea typeface="Arial"/>
+              <a:cs typeface="Arial"/>
+              <a:sym typeface="Arial"/>
+            </a:endParaRPr>
+          </a:p>
+          <a:p>
+            <a:pPr marL="0" marR="0" lvl="0" indent="0" algn="l" rtl="0">
+              <a:lnSpc>
+                <a:spcPct val="100000"/>
+              </a:lnSpc>
+              <a:spcBef>
+                <a:spcPts val="0"/>
+              </a:spcBef>
+              <a:spcAft>
+                <a:spcPts val="0"/>
+              </a:spcAft>
+              <a:buClr>
+                <a:srgbClr val="000000"/>
+              </a:buClr>
+              <a:buSzPts val="1400"/>
+              <a:buFont typeface="Arial"/>
+              <a:buNone/>
+            </a:pPr>
+            <a:r>
+              <a:rPr lang="en-US" sz="1400" b="0" i="0" u="none" strike="noStrike" cap="none" dirty="0">
+                <a:solidFill>
+                  <a:srgbClr val="000000"/>
+                </a:solidFill>
+                <a:latin typeface="Arial"/>
+                <a:ea typeface="Arial"/>
+                <a:cs typeface="Arial"/>
+                <a:sym typeface="Arial"/>
+              </a:rPr>
+              <a:t>Interface</a:t>
+            </a:r>
+            <a:endParaRPr sz="1400" b="0" i="0" u="none" strike="noStrike" cap="none" dirty="0">
+              <a:solidFill>
+                <a:srgbClr val="000000"/>
+              </a:solidFill>
+              <a:latin typeface="Arial"/>
+              <a:ea typeface="Arial"/>
+              <a:cs typeface="Arial"/>
+              <a:sym typeface="Arial"/>
+            </a:endParaRPr>
+          </a:p>
+        </p:txBody>
+      </p:sp>
+      <p:sp>
+        <p:nvSpPr>
+          <p:cNvPr id="92" name="Google Shape;92;p4"/>
+          <p:cNvSpPr/>
+          <p:nvPr/>
+        </p:nvSpPr>
+        <p:spPr>
+          <a:xfrm>
+            <a:off x="1454300" y="595950"/>
+            <a:ext cx="2106100" cy="447850"/>
+          </a:xfrm>
+          <a:prstGeom prst="flowChartDecision">
+            <a:avLst/>
+          </a:prstGeom>
+          <a:solidFill>
+            <a:schemeClr val="lt1"/>
+          </a:solidFill>
+          <a:ln w="9525" cap="flat" cmpd="sng">
+            <a:solidFill>
+              <a:schemeClr val="dk2"/>
+            </a:solidFill>
+            <a:prstDash val="solid"/>
+            <a:round/>
+            <a:headEnd type="none" w="sm" len="sm"/>
+            <a:tailEnd type="none" w="sm" len="sm"/>
+          </a:ln>
+        </p:spPr>
+        <p:txBody>
+          <a:bodyPr spcFirstLastPara="1" wrap="square" lIns="91425" tIns="91425" rIns="91425" bIns="91425" anchor="ctr" anchorCtr="0">
+            <a:noAutofit/>
+          </a:bodyPr>
+          <a:lstStyle/>
+          <a:p>
+            <a:pPr marL="0" marR="0" lvl="0" indent="0" algn="l" rtl="0">
+              <a:lnSpc>
+                <a:spcPct val="100000"/>
+              </a:lnSpc>
+              <a:spcBef>
+                <a:spcPts val="0"/>
+              </a:spcBef>
+              <a:spcAft>
+                <a:spcPts val="0"/>
+              </a:spcAft>
+              <a:buClr>
+                <a:srgbClr val="000000"/>
+              </a:buClr>
+              <a:buSzPts val="1200"/>
+              <a:buFont typeface="Arial"/>
+              <a:buNone/>
+            </a:pPr>
+            <a:r>
+              <a:rPr lang="en-US" sz="1200" b="1" i="0" u="none" strike="noStrike" cap="none" dirty="0">
+                <a:solidFill>
+                  <a:srgbClr val="000000"/>
+                </a:solidFill>
+                <a:latin typeface="Arial"/>
+                <a:ea typeface="Arial"/>
+                <a:cs typeface="Arial"/>
+                <a:sym typeface="Arial"/>
+              </a:rPr>
+              <a:t>Touched </a:t>
+            </a:r>
+            <a:r>
+              <a:rPr lang="en-US" sz="1200" b="1" i="0" u="none" strike="noStrike" cap="none" dirty="0" err="1">
+                <a:solidFill>
+                  <a:srgbClr val="000000"/>
+                </a:solidFill>
+                <a:latin typeface="Arial"/>
+                <a:ea typeface="Arial"/>
+                <a:cs typeface="Arial"/>
+                <a:sym typeface="Arial"/>
+              </a:rPr>
+              <a:t>Startpad</a:t>
+            </a:r>
+            <a:endParaRPr sz="1200" b="1" i="0" u="none" strike="noStrike" cap="none" dirty="0">
+              <a:solidFill>
+                <a:srgbClr val="000000"/>
+              </a:solidFill>
+              <a:latin typeface="Arial"/>
+              <a:ea typeface="Arial"/>
+              <a:cs typeface="Arial"/>
+              <a:sym typeface="Arial"/>
+            </a:endParaRPr>
+          </a:p>
+        </p:txBody>
+      </p:sp>
+      <p:cxnSp>
+        <p:nvCxnSpPr>
+          <p:cNvPr id="93" name="Google Shape;93;p4"/>
+          <p:cNvCxnSpPr>
+            <a:cxnSpLocks/>
+            <a:stCxn id="90" idx="3"/>
+          </p:cNvCxnSpPr>
+          <p:nvPr/>
+        </p:nvCxnSpPr>
+        <p:spPr>
+          <a:xfrm>
+            <a:off x="1102125" y="819875"/>
+            <a:ext cx="333700" cy="0"/>
+          </a:xfrm>
+          <a:prstGeom prst="straightConnector1">
+            <a:avLst/>
+          </a:prstGeom>
+          <a:noFill/>
+          <a:ln w="9525" cap="flat" cmpd="sng">
+            <a:solidFill>
+              <a:schemeClr val="dk2"/>
+            </a:solidFill>
+            <a:prstDash val="solid"/>
+            <a:round/>
+            <a:headEnd type="none" w="sm" len="sm"/>
+            <a:tailEnd type="triangle" w="med" len="med"/>
+          </a:ln>
+        </p:spPr>
+      </p:cxnSp>
+      <p:cxnSp>
+        <p:nvCxnSpPr>
+          <p:cNvPr id="94" name="Google Shape;94;p4"/>
+          <p:cNvCxnSpPr>
+            <a:cxnSpLocks/>
+            <a:stCxn id="92" idx="3"/>
+            <a:endCxn id="37" idx="1"/>
+          </p:cNvCxnSpPr>
+          <p:nvPr/>
+        </p:nvCxnSpPr>
+        <p:spPr>
+          <a:xfrm flipV="1">
+            <a:off x="3560400" y="808649"/>
+            <a:ext cx="526475" cy="11226"/>
+          </a:xfrm>
+          <a:prstGeom prst="straightConnector1">
+            <a:avLst/>
+          </a:prstGeom>
+          <a:noFill/>
+          <a:ln w="9525" cap="flat" cmpd="sng">
+            <a:solidFill>
+              <a:schemeClr val="dk2"/>
+            </a:solidFill>
+            <a:prstDash val="solid"/>
+            <a:round/>
+            <a:headEnd type="none" w="sm" len="sm"/>
+            <a:tailEnd type="triangle" w="med" len="med"/>
+          </a:ln>
+        </p:spPr>
+      </p:cxnSp>
+      <p:sp>
+        <p:nvSpPr>
+          <p:cNvPr id="95" name="Google Shape;95;p4"/>
+          <p:cNvSpPr txBox="1"/>
+          <p:nvPr/>
+        </p:nvSpPr>
+        <p:spPr>
+          <a:xfrm>
+            <a:off x="3560400" y="518975"/>
+            <a:ext cx="650700" cy="300900"/>
+          </a:xfrm>
+          <a:prstGeom prst="rect">
+            <a:avLst/>
+          </a:prstGeom>
+          <a:noFill/>
+          <a:ln>
+            <a:noFill/>
+          </a:ln>
+        </p:spPr>
+        <p:txBody>
+          <a:bodyPr spcFirstLastPara="1" wrap="square" lIns="91425" tIns="91425" rIns="91425" bIns="91425" anchor="t" anchorCtr="0">
+            <a:noAutofit/>
+          </a:bodyPr>
+          <a:lstStyle/>
+          <a:p>
+            <a:pPr marL="0" marR="0" lvl="0" indent="0" algn="l" rtl="0">
+              <a:lnSpc>
+                <a:spcPct val="100000"/>
+              </a:lnSpc>
+              <a:spcBef>
+                <a:spcPts val="0"/>
+              </a:spcBef>
+              <a:spcAft>
+                <a:spcPts val="0"/>
+              </a:spcAft>
+              <a:buClr>
+                <a:srgbClr val="000000"/>
+              </a:buClr>
+              <a:buSzPts val="1400"/>
+              <a:buFont typeface="Arial"/>
+              <a:buNone/>
+            </a:pPr>
+            <a:r>
+              <a:rPr lang="en-US" sz="1200" i="0" u="none" strike="noStrike" cap="none" dirty="0">
+                <a:solidFill>
+                  <a:srgbClr val="000000"/>
+                </a:solidFill>
+                <a:latin typeface="Arial"/>
+                <a:ea typeface="Arial"/>
+                <a:cs typeface="Arial"/>
+                <a:sym typeface="Arial"/>
+              </a:rPr>
+              <a:t>YES</a:t>
+            </a:r>
+            <a:endParaRPr sz="1200" i="0" u="none" strike="noStrike" cap="none" dirty="0">
+              <a:solidFill>
+                <a:srgbClr val="000000"/>
+              </a:solidFill>
+              <a:latin typeface="Arial"/>
+              <a:ea typeface="Arial"/>
+              <a:cs typeface="Arial"/>
+              <a:sym typeface="Arial"/>
+            </a:endParaRPr>
+          </a:p>
+        </p:txBody>
+      </p:sp>
+      <p:cxnSp>
+        <p:nvCxnSpPr>
+          <p:cNvPr id="96" name="Google Shape;96;p4"/>
+          <p:cNvCxnSpPr>
+            <a:endCxn id="90" idx="0"/>
+          </p:cNvCxnSpPr>
+          <p:nvPr/>
+        </p:nvCxnSpPr>
+        <p:spPr>
+          <a:xfrm flipH="1">
+            <a:off x="617175" y="332975"/>
+            <a:ext cx="12000" cy="238200"/>
+          </a:xfrm>
+          <a:prstGeom prst="straightConnector1">
+            <a:avLst/>
+          </a:prstGeom>
+          <a:noFill/>
+          <a:ln w="9525" cap="flat" cmpd="sng">
+            <a:solidFill>
+              <a:schemeClr val="dk2"/>
+            </a:solidFill>
+            <a:prstDash val="solid"/>
+            <a:round/>
+            <a:headEnd type="none" w="sm" len="sm"/>
+            <a:tailEnd type="triangle" w="med" len="med"/>
+          </a:ln>
+        </p:spPr>
+      </p:cxnSp>
+      <p:cxnSp>
+        <p:nvCxnSpPr>
+          <p:cNvPr id="97" name="Google Shape;97;p4"/>
+          <p:cNvCxnSpPr>
+            <a:cxnSpLocks/>
+            <a:stCxn id="92" idx="0"/>
+            <a:endCxn id="90" idx="0"/>
+          </p:cNvCxnSpPr>
+          <p:nvPr/>
+        </p:nvCxnSpPr>
+        <p:spPr>
+          <a:xfrm rot="16200000" flipV="1">
+            <a:off x="1549876" y="-361525"/>
+            <a:ext cx="24775" cy="1890175"/>
+          </a:xfrm>
+          <a:prstGeom prst="bentConnector3">
+            <a:avLst>
+              <a:gd name="adj1" fmla="val 1022704"/>
+            </a:avLst>
+          </a:prstGeom>
+          <a:noFill/>
+          <a:ln w="9525" cap="flat" cmpd="sng">
+            <a:solidFill>
+              <a:schemeClr val="dk2"/>
+            </a:solidFill>
+            <a:prstDash val="solid"/>
+            <a:round/>
+            <a:headEnd type="none" w="sm" len="sm"/>
+            <a:tailEnd type="none" w="sm" len="sm"/>
+          </a:ln>
+        </p:spPr>
+      </p:cxnSp>
+      <p:sp>
+        <p:nvSpPr>
+          <p:cNvPr id="98" name="Google Shape;98;p4"/>
+          <p:cNvSpPr txBox="1"/>
+          <p:nvPr/>
+        </p:nvSpPr>
+        <p:spPr>
+          <a:xfrm>
+            <a:off x="1242913" y="46349"/>
+            <a:ext cx="650700" cy="300900"/>
+          </a:xfrm>
+          <a:prstGeom prst="rect">
+            <a:avLst/>
+          </a:prstGeom>
+          <a:noFill/>
+          <a:ln>
+            <a:noFill/>
+          </a:ln>
+        </p:spPr>
+        <p:txBody>
+          <a:bodyPr spcFirstLastPara="1" wrap="square" lIns="91425" tIns="91425" rIns="91425" bIns="91425" anchor="t" anchorCtr="0">
+            <a:noAutofit/>
+          </a:bodyPr>
+          <a:lstStyle/>
+          <a:p>
+            <a:pPr marL="0" marR="0" lvl="0" indent="0" algn="l" rtl="0">
+              <a:lnSpc>
+                <a:spcPct val="100000"/>
+              </a:lnSpc>
+              <a:spcBef>
+                <a:spcPts val="0"/>
+              </a:spcBef>
+              <a:spcAft>
+                <a:spcPts val="0"/>
+              </a:spcAft>
+              <a:buClr>
+                <a:srgbClr val="000000"/>
+              </a:buClr>
+              <a:buSzPts val="1400"/>
+              <a:buFont typeface="Arial"/>
+              <a:buNone/>
+            </a:pPr>
+            <a:r>
+              <a:rPr lang="en-US" sz="1200" b="0" i="0" u="none" strike="noStrike" cap="none" dirty="0">
+                <a:solidFill>
+                  <a:srgbClr val="000000"/>
+                </a:solidFill>
+                <a:latin typeface="Arial"/>
+                <a:ea typeface="Arial"/>
+                <a:cs typeface="Arial"/>
+                <a:sym typeface="Arial"/>
+              </a:rPr>
+              <a:t>NO</a:t>
+            </a:r>
+            <a:endParaRPr sz="1200" b="0" i="0" u="none" strike="noStrike" cap="none" dirty="0">
+              <a:solidFill>
+                <a:srgbClr val="000000"/>
+              </a:solidFill>
+              <a:latin typeface="Arial"/>
+              <a:ea typeface="Arial"/>
+              <a:cs typeface="Arial"/>
+              <a:sym typeface="Arial"/>
+            </a:endParaRPr>
+          </a:p>
+        </p:txBody>
+      </p:sp>
+      <p:sp>
+        <p:nvSpPr>
+          <p:cNvPr id="99" name="Google Shape;99;p4"/>
+          <p:cNvSpPr/>
+          <p:nvPr/>
+        </p:nvSpPr>
+        <p:spPr>
+          <a:xfrm>
+            <a:off x="5492101" y="514148"/>
+            <a:ext cx="1829823" cy="614425"/>
+          </a:xfrm>
+          <a:prstGeom prst="flowChartDecision">
+            <a:avLst/>
+          </a:prstGeom>
+          <a:solidFill>
+            <a:schemeClr val="lt1"/>
+          </a:solidFill>
+          <a:ln w="9525" cap="flat" cmpd="sng">
+            <a:solidFill>
+              <a:schemeClr val="dk2"/>
+            </a:solidFill>
+            <a:prstDash val="solid"/>
+            <a:round/>
+            <a:headEnd type="none" w="sm" len="sm"/>
+            <a:tailEnd type="none" w="sm" len="sm"/>
+          </a:ln>
+        </p:spPr>
+        <p:txBody>
+          <a:bodyPr spcFirstLastPara="1" wrap="square" lIns="91425" tIns="91425" rIns="91425" bIns="91425" anchor="ctr" anchorCtr="0">
+            <a:noAutofit/>
+          </a:bodyPr>
+          <a:lstStyle/>
+          <a:p>
+            <a:pPr marL="0" marR="0" lvl="0" indent="0" algn="l" rtl="0">
+              <a:lnSpc>
+                <a:spcPct val="100000"/>
+              </a:lnSpc>
+              <a:spcBef>
+                <a:spcPts val="0"/>
+              </a:spcBef>
+              <a:spcAft>
+                <a:spcPts val="0"/>
+              </a:spcAft>
+              <a:buClr>
+                <a:srgbClr val="000000"/>
+              </a:buClr>
+              <a:buSzPts val="1200"/>
+              <a:buFont typeface="Arial"/>
+              <a:buNone/>
+            </a:pPr>
+            <a:r>
+              <a:rPr lang="en-US" sz="1200" i="0" u="none" strike="noStrike" cap="none" dirty="0">
+                <a:solidFill>
+                  <a:srgbClr val="000000"/>
+                </a:solidFill>
+                <a:latin typeface="Arial"/>
+                <a:ea typeface="Arial"/>
+                <a:cs typeface="Arial"/>
+                <a:sym typeface="Arial"/>
+              </a:rPr>
+              <a:t>Not </a:t>
+            </a:r>
+            <a:r>
+              <a:rPr lang="en-US" sz="1200" dirty="0"/>
+              <a:t>Enough Hold </a:t>
+            </a:r>
+            <a:r>
+              <a:rPr lang="en-US" sz="1200" i="0" u="none" strike="noStrike" cap="none" dirty="0">
+                <a:solidFill>
+                  <a:srgbClr val="000000"/>
+                </a:solidFill>
+                <a:latin typeface="Arial"/>
+                <a:ea typeface="Arial"/>
+                <a:cs typeface="Arial"/>
+                <a:sym typeface="Arial"/>
+              </a:rPr>
+              <a:t>Time</a:t>
+            </a:r>
+            <a:endParaRPr sz="1200" i="0" u="none" strike="noStrike" cap="none" dirty="0">
+              <a:solidFill>
+                <a:srgbClr val="000000"/>
+              </a:solidFill>
+              <a:latin typeface="Arial"/>
+              <a:ea typeface="Arial"/>
+              <a:cs typeface="Arial"/>
+              <a:sym typeface="Arial"/>
+            </a:endParaRPr>
+          </a:p>
+        </p:txBody>
+      </p:sp>
+      <p:cxnSp>
+        <p:nvCxnSpPr>
+          <p:cNvPr id="100" name="Google Shape;100;p4"/>
+          <p:cNvCxnSpPr>
+            <a:cxnSpLocks/>
+            <a:stCxn id="37" idx="3"/>
+            <a:endCxn id="99" idx="1"/>
+          </p:cNvCxnSpPr>
+          <p:nvPr/>
+        </p:nvCxnSpPr>
+        <p:spPr>
+          <a:xfrm>
+            <a:off x="5056775" y="808649"/>
+            <a:ext cx="435326" cy="12712"/>
+          </a:xfrm>
+          <a:prstGeom prst="straightConnector1">
+            <a:avLst/>
+          </a:prstGeom>
+          <a:noFill/>
+          <a:ln w="9525" cap="flat" cmpd="sng">
+            <a:solidFill>
+              <a:schemeClr val="dk2"/>
+            </a:solidFill>
+            <a:prstDash val="solid"/>
+            <a:round/>
+            <a:headEnd type="none" w="sm" len="sm"/>
+            <a:tailEnd type="triangle" w="med" len="med"/>
+          </a:ln>
+        </p:spPr>
+      </p:cxnSp>
+      <p:sp>
+        <p:nvSpPr>
+          <p:cNvPr id="104" name="Google Shape;104;p4"/>
+          <p:cNvSpPr txBox="1"/>
+          <p:nvPr/>
+        </p:nvSpPr>
+        <p:spPr>
+          <a:xfrm>
+            <a:off x="7316849" y="-21811"/>
+            <a:ext cx="650700" cy="300900"/>
+          </a:xfrm>
+          <a:prstGeom prst="rect">
+            <a:avLst/>
+          </a:prstGeom>
+          <a:noFill/>
+          <a:ln>
+            <a:noFill/>
+          </a:ln>
+        </p:spPr>
+        <p:txBody>
+          <a:bodyPr spcFirstLastPara="1" wrap="square" lIns="91425" tIns="91425" rIns="91425" bIns="91425" anchor="t" anchorCtr="0">
+            <a:noAutofit/>
+          </a:bodyPr>
+          <a:lstStyle/>
+          <a:p>
+            <a:pPr marL="0" marR="0" lvl="0" indent="0" algn="l" rtl="0">
+              <a:lnSpc>
+                <a:spcPct val="100000"/>
+              </a:lnSpc>
+              <a:spcBef>
+                <a:spcPts val="0"/>
+              </a:spcBef>
+              <a:spcAft>
+                <a:spcPts val="0"/>
+              </a:spcAft>
+              <a:buClr>
+                <a:srgbClr val="000000"/>
+              </a:buClr>
+              <a:buSzPts val="1400"/>
+              <a:buFont typeface="Arial"/>
+              <a:buNone/>
+            </a:pPr>
+            <a:r>
+              <a:rPr lang="en-US" sz="1400" b="0" i="0" u="none" strike="noStrike" cap="none" dirty="0">
+                <a:solidFill>
+                  <a:srgbClr val="000000"/>
+                </a:solidFill>
+                <a:latin typeface="Arial"/>
+                <a:ea typeface="Arial"/>
+                <a:cs typeface="Arial"/>
+                <a:sym typeface="Arial"/>
+              </a:rPr>
+              <a:t>YES</a:t>
+            </a:r>
+            <a:endParaRPr sz="1400" b="0" i="0" u="none" strike="noStrike" cap="none" dirty="0">
+              <a:solidFill>
+                <a:srgbClr val="000000"/>
+              </a:solidFill>
+              <a:latin typeface="Arial"/>
+              <a:ea typeface="Arial"/>
+              <a:cs typeface="Arial"/>
+              <a:sym typeface="Arial"/>
+            </a:endParaRPr>
+          </a:p>
+        </p:txBody>
+      </p:sp>
+      <p:sp>
+        <p:nvSpPr>
+          <p:cNvPr id="37" name="Google Shape;90;p4">
             <a:extLst>
               <a:ext uri="{FF2B5EF4-FFF2-40B4-BE49-F238E27FC236}">
-                <a16:creationId xmlns:a16="http://schemas.microsoft.com/office/drawing/2014/main" id="{8D214E0C-5D1F-4212-9C31-C69ADF918D46}"/>
+                <a16:creationId xmlns:a16="http://schemas.microsoft.com/office/drawing/2014/main" id="{0AFA4C06-D341-434D-A5B7-97C283E48D43}"/>
               </a:ext>
             </a:extLst>
           </p:cNvPr>
-          <p:cNvGrpSpPr/>
+          <p:cNvSpPr/>
           <p:nvPr/>
-        </p:nvGrpSpPr>
-        <p:grpSpPr>
+        </p:nvSpPr>
+        <p:spPr>
           <a:xfrm>
-            <a:off x="132225" y="-21811"/>
-            <a:ext cx="8955650" cy="2285273"/>
-            <a:chOff x="132225" y="-21811"/>
-            <a:chExt cx="8955650" cy="2285273"/>
+            <a:off x="4086875" y="559949"/>
+            <a:ext cx="969900" cy="497400"/>
           </a:xfrm>
-        </p:grpSpPr>
-        <p:sp>
-          <p:nvSpPr>
-            <p:cNvPr id="90" name="Google Shape;90;p4"/>
-            <p:cNvSpPr/>
-            <p:nvPr/>
-          </p:nvSpPr>
-          <p:spPr>
-            <a:xfrm>
-              <a:off x="132225" y="571175"/>
-              <a:ext cx="969900" cy="497400"/>
-            </a:xfrm>
-            <a:prstGeom prst="roundRect">
-              <a:avLst>
-                <a:gd name="adj" fmla="val 16667"/>
-              </a:avLst>
-            </a:prstGeom>
+          <a:prstGeom prst="roundRect">
+            <a:avLst>
+              <a:gd name="adj" fmla="val 16667"/>
+            </a:avLst>
+          </a:prstGeom>
+          <a:solidFill>
+            <a:schemeClr val="lt2"/>
+          </a:solidFill>
+          <a:ln w="9525" cap="flat" cmpd="sng">
             <a:solidFill>
-              <a:schemeClr val="lt2"/>
+              <a:schemeClr val="dk2"/>
             </a:solidFill>
-            <a:ln w="9525" cap="flat" cmpd="sng">
+            <a:prstDash val="solid"/>
+            <a:round/>
+            <a:headEnd type="none" w="sm" len="sm"/>
+            <a:tailEnd type="none" w="sm" len="sm"/>
+          </a:ln>
+        </p:spPr>
+        <p:txBody>
+          <a:bodyPr spcFirstLastPara="1" wrap="square" lIns="91425" tIns="91425" rIns="91425" bIns="91425" anchor="ctr" anchorCtr="0">
+            <a:noAutofit/>
+          </a:bodyPr>
+          <a:lstStyle/>
+          <a:p>
+            <a:pPr marL="0" marR="0" lvl="0" indent="0" algn="l" rtl="0">
+              <a:lnSpc>
+                <a:spcPct val="100000"/>
+              </a:lnSpc>
+              <a:spcBef>
+                <a:spcPts val="0"/>
+              </a:spcBef>
+              <a:spcAft>
+                <a:spcPts val="0"/>
+              </a:spcAft>
+              <a:buClr>
+                <a:srgbClr val="000000"/>
+              </a:buClr>
+              <a:buSzPts val="1400"/>
+              <a:buFont typeface="Arial"/>
+              <a:buNone/>
+            </a:pPr>
+            <a:r>
+              <a:rPr lang="en-US" sz="1400" b="0" i="0" u="none" strike="noStrike" cap="none" dirty="0">
+                <a:solidFill>
+                  <a:srgbClr val="000000"/>
+                </a:solidFill>
+                <a:latin typeface="Arial"/>
+                <a:ea typeface="Arial"/>
+                <a:cs typeface="Arial"/>
+                <a:sym typeface="Arial"/>
+              </a:rPr>
+              <a:t>Ready</a:t>
+            </a:r>
+            <a:endParaRPr sz="1400" b="0" i="0" u="none" strike="noStrike" cap="none" dirty="0">
               <a:solidFill>
-                <a:schemeClr val="dk2"/>
+                <a:srgbClr val="000000"/>
               </a:solidFill>
-              <a:prstDash val="solid"/>
-              <a:round/>
-              <a:headEnd type="none" w="sm" len="sm"/>
-              <a:tailEnd type="none" w="sm" len="sm"/>
-            </a:ln>
-          </p:spPr>
-          <p:txBody>
-            <a:bodyPr spcFirstLastPara="1" wrap="square" lIns="91425" tIns="91425" rIns="91425" bIns="91425" anchor="ctr" anchorCtr="0">
-              <a:noAutofit/>
-            </a:bodyPr>
-            <a:lstStyle/>
-            <a:p>
-              <a:pPr marL="0" marR="0" lvl="0" indent="0" algn="l" rtl="0">
-                <a:lnSpc>
-                  <a:spcPct val="100000"/>
-                </a:lnSpc>
-                <a:spcBef>
-                  <a:spcPts val="0"/>
-                </a:spcBef>
-                <a:spcAft>
-                  <a:spcPts val="0"/>
-                </a:spcAft>
-                <a:buClr>
+              <a:latin typeface="Arial"/>
+              <a:ea typeface="Arial"/>
+              <a:cs typeface="Arial"/>
+              <a:sym typeface="Arial"/>
+            </a:endParaRPr>
+          </a:p>
+          <a:p>
+            <a:pPr marL="0" marR="0" lvl="0" indent="0" algn="l" rtl="0">
+              <a:lnSpc>
+                <a:spcPct val="100000"/>
+              </a:lnSpc>
+              <a:spcBef>
+                <a:spcPts val="0"/>
+              </a:spcBef>
+              <a:spcAft>
+                <a:spcPts val="0"/>
+              </a:spcAft>
+              <a:buClr>
+                <a:srgbClr val="000000"/>
+              </a:buClr>
+              <a:buSzPts val="1400"/>
+              <a:buFont typeface="Arial"/>
+              <a:buNone/>
+            </a:pPr>
+            <a:r>
+              <a:rPr lang="en-US" sz="1400" b="0" i="0" u="none" strike="noStrike" cap="none" dirty="0">
+                <a:solidFill>
                   <a:srgbClr val="000000"/>
-                </a:buClr>
-                <a:buSzPts val="1400"/>
-                <a:buFont typeface="Arial"/>
-                <a:buNone/>
-              </a:pPr>
-              <a:r>
-                <a:rPr lang="en-US" sz="1400" b="0" i="0" u="none" strike="noStrike" cap="none" dirty="0" err="1">
-                  <a:solidFill>
-                    <a:srgbClr val="000000"/>
-                  </a:solidFill>
-                  <a:latin typeface="Arial"/>
-                  <a:ea typeface="Arial"/>
-                  <a:cs typeface="Arial"/>
-                  <a:sym typeface="Arial"/>
-                </a:rPr>
-                <a:t>WaitStart</a:t>
-              </a:r>
-              <a:r>
-                <a:rPr lang="en-US" sz="1400" b="0" i="0" u="none" strike="noStrike" cap="none" dirty="0">
-                  <a:solidFill>
-                    <a:srgbClr val="000000"/>
-                  </a:solidFill>
-                  <a:latin typeface="Arial"/>
-                  <a:ea typeface="Arial"/>
-                  <a:cs typeface="Arial"/>
-                  <a:sym typeface="Arial"/>
-                </a:rPr>
-                <a:t> </a:t>
-              </a:r>
-              <a:endParaRPr sz="1400" b="0" i="0" u="none" strike="noStrike" cap="none" dirty="0">
+                </a:solidFill>
+                <a:latin typeface="Arial"/>
+                <a:ea typeface="Arial"/>
+                <a:cs typeface="Arial"/>
+                <a:sym typeface="Arial"/>
+              </a:rPr>
+              <a:t>Interface</a:t>
+            </a:r>
+            <a:endParaRPr sz="1400" b="0" i="0" u="none" strike="noStrike" cap="none" dirty="0">
+              <a:solidFill>
+                <a:srgbClr val="000000"/>
+              </a:solidFill>
+              <a:latin typeface="Arial"/>
+              <a:ea typeface="Arial"/>
+              <a:cs typeface="Arial"/>
+              <a:sym typeface="Arial"/>
+            </a:endParaRPr>
+          </a:p>
+        </p:txBody>
+      </p:sp>
+      <p:sp>
+        <p:nvSpPr>
+          <p:cNvPr id="55" name="Google Shape;90;p4">
+            <a:extLst>
+              <a:ext uri="{FF2B5EF4-FFF2-40B4-BE49-F238E27FC236}">
+                <a16:creationId xmlns:a16="http://schemas.microsoft.com/office/drawing/2014/main" id="{004B3840-3A13-4018-BA14-C47829323125}"/>
+              </a:ext>
+            </a:extLst>
+          </p:cNvPr>
+          <p:cNvSpPr/>
+          <p:nvPr/>
+        </p:nvSpPr>
+        <p:spPr>
+          <a:xfrm>
+            <a:off x="8117975" y="1455509"/>
+            <a:ext cx="969900" cy="497400"/>
+          </a:xfrm>
+          <a:prstGeom prst="roundRect">
+            <a:avLst>
+              <a:gd name="adj" fmla="val 16667"/>
+            </a:avLst>
+          </a:prstGeom>
+          <a:solidFill>
+            <a:srgbClr val="FFC000"/>
+          </a:solidFill>
+          <a:ln w="9525" cap="flat" cmpd="sng">
+            <a:solidFill>
+              <a:schemeClr val="dk2"/>
+            </a:solidFill>
+            <a:prstDash val="solid"/>
+            <a:round/>
+            <a:headEnd type="none" w="sm" len="sm"/>
+            <a:tailEnd type="none" w="sm" len="sm"/>
+          </a:ln>
+        </p:spPr>
+        <p:txBody>
+          <a:bodyPr spcFirstLastPara="1" wrap="square" lIns="91425" tIns="91425" rIns="91425" bIns="91425" anchor="ctr" anchorCtr="0">
+            <a:noAutofit/>
+          </a:bodyPr>
+          <a:lstStyle/>
+          <a:p>
+            <a:pPr marL="0" marR="0" lvl="0" indent="0" algn="l" rtl="0">
+              <a:lnSpc>
+                <a:spcPct val="100000"/>
+              </a:lnSpc>
+              <a:spcBef>
+                <a:spcPts val="0"/>
+              </a:spcBef>
+              <a:spcAft>
+                <a:spcPts val="0"/>
+              </a:spcAft>
+              <a:buClr>
+                <a:srgbClr val="000000"/>
+              </a:buClr>
+              <a:buSzPts val="1400"/>
+              <a:buFont typeface="Arial"/>
+              <a:buNone/>
+            </a:pPr>
+            <a:r>
+              <a:rPr lang="en-US" sz="1400" b="0" i="0" u="none" strike="noStrike" cap="none" dirty="0">
                 <a:solidFill>
                   <a:srgbClr val="000000"/>
                 </a:solidFill>
@@ -8439,39 +9175,163 @@
                 <a:ea typeface="Arial"/>
                 <a:cs typeface="Arial"/>
                 <a:sym typeface="Arial"/>
-              </a:endParaRPr>
-            </a:p>
-            <a:p>
-              <a:pPr marL="0" marR="0" lvl="0" indent="0" algn="l" rtl="0">
-                <a:lnSpc>
-                  <a:spcPct val="100000"/>
-                </a:lnSpc>
-                <a:spcBef>
-                  <a:spcPts val="0"/>
-                </a:spcBef>
-                <a:spcAft>
-                  <a:spcPts val="0"/>
-                </a:spcAft>
-                <a:buClr>
+              </a:rPr>
+              <a:t>Error</a:t>
+            </a:r>
+            <a:endParaRPr sz="1400" b="0" i="0" u="none" strike="noStrike" cap="none" dirty="0">
+              <a:solidFill>
+                <a:srgbClr val="000000"/>
+              </a:solidFill>
+              <a:latin typeface="Arial"/>
+              <a:ea typeface="Arial"/>
+              <a:cs typeface="Arial"/>
+              <a:sym typeface="Arial"/>
+            </a:endParaRPr>
+          </a:p>
+          <a:p>
+            <a:pPr marL="0" marR="0" lvl="0" indent="0" algn="l" rtl="0">
+              <a:lnSpc>
+                <a:spcPct val="100000"/>
+              </a:lnSpc>
+              <a:spcBef>
+                <a:spcPts val="0"/>
+              </a:spcBef>
+              <a:spcAft>
+                <a:spcPts val="0"/>
+              </a:spcAft>
+              <a:buClr>
+                <a:srgbClr val="000000"/>
+              </a:buClr>
+              <a:buSzPts val="1400"/>
+              <a:buFont typeface="Arial"/>
+              <a:buNone/>
+            </a:pPr>
+            <a:r>
+              <a:rPr lang="en-US" sz="1400" b="0" i="0" u="none" strike="noStrike" cap="none" dirty="0">
+                <a:solidFill>
                   <a:srgbClr val="000000"/>
-                </a:buClr>
-                <a:buSzPts val="1400"/>
-                <a:buFont typeface="Arial"/>
-                <a:buNone/>
-              </a:pPr>
-              <a:r>
-                <a:rPr lang="en-US" sz="1400" b="0" i="0" u="none" strike="noStrike" cap="none" dirty="0">
-                  <a:solidFill>
-                    <a:srgbClr val="000000"/>
-                  </a:solidFill>
-                  <a:latin typeface="Arial"/>
-                  <a:ea typeface="Arial"/>
-                  <a:cs typeface="Arial"/>
-                  <a:sym typeface="Arial"/>
-                </a:rPr>
-                <a:t>Interface</a:t>
-              </a:r>
-              <a:endParaRPr sz="1400" b="0" i="0" u="none" strike="noStrike" cap="none" dirty="0">
+                </a:solidFill>
+                <a:latin typeface="Arial"/>
+                <a:ea typeface="Arial"/>
+                <a:cs typeface="Arial"/>
+                <a:sym typeface="Arial"/>
+              </a:rPr>
+              <a:t>Interface</a:t>
+            </a:r>
+            <a:endParaRPr sz="1400" b="0" i="0" u="none" strike="noStrike" cap="none" dirty="0">
+              <a:solidFill>
+                <a:srgbClr val="000000"/>
+              </a:solidFill>
+              <a:latin typeface="Arial"/>
+              <a:ea typeface="Arial"/>
+              <a:cs typeface="Arial"/>
+              <a:sym typeface="Arial"/>
+            </a:endParaRPr>
+          </a:p>
+        </p:txBody>
+      </p:sp>
+      <p:cxnSp>
+        <p:nvCxnSpPr>
+          <p:cNvPr id="32" name="Connector: Elbow 31">
+            <a:extLst>
+              <a:ext uri="{FF2B5EF4-FFF2-40B4-BE49-F238E27FC236}">
+                <a16:creationId xmlns:a16="http://schemas.microsoft.com/office/drawing/2014/main" id="{3B7AD163-412E-4AA9-9B17-5E208DE15A65}"/>
+              </a:ext>
+            </a:extLst>
+          </p:cNvPr>
+          <p:cNvCxnSpPr>
+            <a:stCxn id="99" idx="0"/>
+            <a:endCxn id="55" idx="0"/>
+          </p:cNvCxnSpPr>
+          <p:nvPr/>
+        </p:nvCxnSpPr>
+        <p:spPr>
+          <a:xfrm rot="16200000" flipH="1">
+            <a:off x="7034288" y="-113128"/>
+            <a:ext cx="941361" cy="2195912"/>
+          </a:xfrm>
+          <a:prstGeom prst="bentConnector3">
+            <a:avLst>
+              <a:gd name="adj1" fmla="val -24284"/>
+            </a:avLst>
+          </a:prstGeom>
+          <a:ln>
+            <a:tailEnd type="triangle"/>
+          </a:ln>
+        </p:spPr>
+        <p:style>
+          <a:lnRef idx="1">
+            <a:schemeClr val="dk1"/>
+          </a:lnRef>
+          <a:fillRef idx="0">
+            <a:schemeClr val="dk1"/>
+          </a:fillRef>
+          <a:effectRef idx="0">
+            <a:schemeClr val="dk1"/>
+          </a:effectRef>
+          <a:fontRef idx="minor">
+            <a:schemeClr val="tx1"/>
+          </a:fontRef>
+        </p:style>
+      </p:cxnSp>
+      <p:sp>
+        <p:nvSpPr>
+          <p:cNvPr id="63" name="Google Shape;99;p4">
+            <a:extLst>
+              <a:ext uri="{FF2B5EF4-FFF2-40B4-BE49-F238E27FC236}">
+                <a16:creationId xmlns:a16="http://schemas.microsoft.com/office/drawing/2014/main" id="{12F9CA5A-6375-4895-847A-B480813EA95D}"/>
+              </a:ext>
+            </a:extLst>
+          </p:cNvPr>
+          <p:cNvSpPr/>
+          <p:nvPr/>
+        </p:nvSpPr>
+        <p:spPr>
+          <a:xfrm>
+            <a:off x="5515788" y="2763730"/>
+            <a:ext cx="1829823" cy="614425"/>
+          </a:xfrm>
+          <a:prstGeom prst="flowChartDecision">
+            <a:avLst/>
+          </a:prstGeom>
+          <a:solidFill>
+            <a:schemeClr val="lt1"/>
+          </a:solidFill>
+          <a:ln w="9525" cap="flat" cmpd="sng">
+            <a:solidFill>
+              <a:schemeClr val="dk2"/>
+            </a:solidFill>
+            <a:prstDash val="solid"/>
+            <a:round/>
+            <a:headEnd type="none" w="sm" len="sm"/>
+            <a:tailEnd type="none" w="sm" len="sm"/>
+          </a:ln>
+        </p:spPr>
+        <p:txBody>
+          <a:bodyPr spcFirstLastPara="1" wrap="square" lIns="91425" tIns="91425" rIns="91425" bIns="91425" anchor="ctr" anchorCtr="0">
+            <a:noAutofit/>
+          </a:bodyPr>
+          <a:lstStyle/>
+          <a:p>
+            <a:pPr marL="0" marR="0" lvl="0" indent="0" algn="l" rtl="0">
+              <a:lnSpc>
+                <a:spcPct val="100000"/>
+              </a:lnSpc>
+              <a:spcBef>
+                <a:spcPts val="0"/>
+              </a:spcBef>
+              <a:spcAft>
+                <a:spcPts val="0"/>
+              </a:spcAft>
+              <a:buClr>
+                <a:srgbClr val="000000"/>
+              </a:buClr>
+              <a:buSzPts val="1200"/>
+              <a:buFont typeface="Arial"/>
+              <a:buNone/>
+            </a:pPr>
+            <a:r>
+              <a:rPr lang="en-US" sz="1200" i="0" u="none" strike="noStrike" cap="none" dirty="0">
                 <a:solidFill>
                   <a:srgbClr val="000000"/>
                 </a:solidFill>
@@ -8479,85 +9339,546 @@
                 <a:ea typeface="Arial"/>
                 <a:cs typeface="Arial"/>
                 <a:sym typeface="Arial"/>
-              </a:endParaRPr>
-            </a:p>
-          </p:txBody>
-        </p:sp>
-        <p:sp>
-          <p:nvSpPr>
-            <p:cNvPr id="92" name="Google Shape;92;p4"/>
-            <p:cNvSpPr/>
-            <p:nvPr/>
-          </p:nvSpPr>
-          <p:spPr>
-            <a:xfrm>
-              <a:off x="1454300" y="595950"/>
-              <a:ext cx="2106100" cy="447850"/>
-            </a:xfrm>
-            <a:prstGeom prst="flowChartDecision">
-              <a:avLst/>
-            </a:prstGeom>
+              </a:rPr>
+              <a:t>Overdue Reach Time</a:t>
+            </a:r>
+            <a:endParaRPr sz="1200" i="0" u="none" strike="noStrike" cap="none" dirty="0">
+              <a:solidFill>
+                <a:srgbClr val="000000"/>
+              </a:solidFill>
+              <a:latin typeface="Arial"/>
+              <a:ea typeface="Arial"/>
+              <a:cs typeface="Arial"/>
+              <a:sym typeface="Arial"/>
+            </a:endParaRPr>
+          </a:p>
+        </p:txBody>
+      </p:sp>
+      <p:cxnSp>
+        <p:nvCxnSpPr>
+          <p:cNvPr id="34" name="Straight Arrow Connector 33">
+            <a:extLst>
+              <a:ext uri="{FF2B5EF4-FFF2-40B4-BE49-F238E27FC236}">
+                <a16:creationId xmlns:a16="http://schemas.microsoft.com/office/drawing/2014/main" id="{DFFCA59B-C6AE-42E7-91BE-7D19060098D7}"/>
+              </a:ext>
+            </a:extLst>
+          </p:cNvPr>
+          <p:cNvCxnSpPr>
+            <a:cxnSpLocks/>
+            <a:stCxn id="99" idx="2"/>
+          </p:cNvCxnSpPr>
+          <p:nvPr/>
+        </p:nvCxnSpPr>
+        <p:spPr>
+          <a:xfrm>
+            <a:off x="6407013" y="1128573"/>
+            <a:ext cx="22521" cy="503158"/>
+          </a:xfrm>
+          <a:prstGeom prst="straightConnector1">
+            <a:avLst/>
+          </a:prstGeom>
+          <a:ln>
+            <a:tailEnd type="triangle"/>
+          </a:ln>
+        </p:spPr>
+        <p:style>
+          <a:lnRef idx="1">
+            <a:schemeClr val="dk1"/>
+          </a:lnRef>
+          <a:fillRef idx="0">
+            <a:schemeClr val="dk1"/>
+          </a:fillRef>
+          <a:effectRef idx="0">
+            <a:schemeClr val="dk1"/>
+          </a:effectRef>
+          <a:fontRef idx="minor">
+            <a:schemeClr val="tx1"/>
+          </a:fontRef>
+        </p:style>
+      </p:cxnSp>
+      <p:sp>
+        <p:nvSpPr>
+          <p:cNvPr id="67" name="Google Shape;98;p4">
+            <a:extLst>
+              <a:ext uri="{FF2B5EF4-FFF2-40B4-BE49-F238E27FC236}">
+                <a16:creationId xmlns:a16="http://schemas.microsoft.com/office/drawing/2014/main" id="{1F1AB223-0B39-4BAF-8D27-35F7688C1F0F}"/>
+              </a:ext>
+            </a:extLst>
+          </p:cNvPr>
+          <p:cNvSpPr txBox="1"/>
+          <p:nvPr/>
+        </p:nvSpPr>
+        <p:spPr>
+          <a:xfrm>
+            <a:off x="6370095" y="1129325"/>
+            <a:ext cx="650700" cy="300900"/>
+          </a:xfrm>
+          <a:prstGeom prst="rect">
+            <a:avLst/>
+          </a:prstGeom>
+          <a:noFill/>
+          <a:ln>
+            <a:noFill/>
+          </a:ln>
+        </p:spPr>
+        <p:txBody>
+          <a:bodyPr spcFirstLastPara="1" wrap="square" lIns="91425" tIns="91425" rIns="91425" bIns="91425" anchor="t" anchorCtr="0">
+            <a:noAutofit/>
+          </a:bodyPr>
+          <a:lstStyle/>
+          <a:p>
+            <a:pPr marL="0" marR="0" lvl="0" indent="0" algn="l" rtl="0">
+              <a:lnSpc>
+                <a:spcPct val="100000"/>
+              </a:lnSpc>
+              <a:spcBef>
+                <a:spcPts val="0"/>
+              </a:spcBef>
+              <a:spcAft>
+                <a:spcPts val="0"/>
+              </a:spcAft>
+              <a:buClr>
+                <a:srgbClr val="000000"/>
+              </a:buClr>
+              <a:buSzPts val="1400"/>
+              <a:buFont typeface="Arial"/>
+              <a:buNone/>
+            </a:pPr>
+            <a:r>
+              <a:rPr lang="en-US" sz="1200" b="0" i="0" u="none" strike="noStrike" cap="none" dirty="0">
+                <a:solidFill>
+                  <a:srgbClr val="000000"/>
+                </a:solidFill>
+                <a:latin typeface="Arial"/>
+                <a:ea typeface="Arial"/>
+                <a:cs typeface="Arial"/>
+                <a:sym typeface="Arial"/>
+              </a:rPr>
+              <a:t>NO</a:t>
+            </a:r>
+            <a:endParaRPr sz="1200" b="0" i="0" u="none" strike="noStrike" cap="none" dirty="0">
+              <a:solidFill>
+                <a:srgbClr val="000000"/>
+              </a:solidFill>
+              <a:latin typeface="Arial"/>
+              <a:ea typeface="Arial"/>
+              <a:cs typeface="Arial"/>
+              <a:sym typeface="Arial"/>
+            </a:endParaRPr>
+          </a:p>
+        </p:txBody>
+      </p:sp>
+      <p:cxnSp>
+        <p:nvCxnSpPr>
+          <p:cNvPr id="40" name="Connector: Elbow 39">
+            <a:extLst>
+              <a:ext uri="{FF2B5EF4-FFF2-40B4-BE49-F238E27FC236}">
+                <a16:creationId xmlns:a16="http://schemas.microsoft.com/office/drawing/2014/main" id="{C85D66A8-2B1B-4230-8FD6-3021401860EF}"/>
+              </a:ext>
+            </a:extLst>
+          </p:cNvPr>
+          <p:cNvCxnSpPr>
+            <a:cxnSpLocks/>
+            <a:stCxn id="63" idx="3"/>
+            <a:endCxn id="55" idx="2"/>
+          </p:cNvCxnSpPr>
+          <p:nvPr/>
+        </p:nvCxnSpPr>
+        <p:spPr>
+          <a:xfrm flipV="1">
+            <a:off x="7345611" y="1952909"/>
+            <a:ext cx="1257314" cy="1118034"/>
+          </a:xfrm>
+          <a:prstGeom prst="bentConnector2">
+            <a:avLst/>
+          </a:prstGeom>
+          <a:ln>
+            <a:tailEnd type="triangle"/>
+          </a:ln>
+        </p:spPr>
+        <p:style>
+          <a:lnRef idx="1">
+            <a:schemeClr val="dk1"/>
+          </a:lnRef>
+          <a:fillRef idx="0">
+            <a:schemeClr val="dk1"/>
+          </a:fillRef>
+          <a:effectRef idx="0">
+            <a:schemeClr val="dk1"/>
+          </a:effectRef>
+          <a:fontRef idx="minor">
+            <a:schemeClr val="tx1"/>
+          </a:fontRef>
+        </p:style>
+      </p:cxnSp>
+      <p:sp>
+        <p:nvSpPr>
+          <p:cNvPr id="72" name="Google Shape;104;p4">
+            <a:extLst>
+              <a:ext uri="{FF2B5EF4-FFF2-40B4-BE49-F238E27FC236}">
+                <a16:creationId xmlns:a16="http://schemas.microsoft.com/office/drawing/2014/main" id="{FEEAB3F4-1E7A-4CA5-A8F2-72972013B863}"/>
+              </a:ext>
+            </a:extLst>
+          </p:cNvPr>
+          <p:cNvSpPr txBox="1"/>
+          <p:nvPr/>
+        </p:nvSpPr>
+        <p:spPr>
+          <a:xfrm>
+            <a:off x="7287553" y="2752865"/>
+            <a:ext cx="650700" cy="300900"/>
+          </a:xfrm>
+          <a:prstGeom prst="rect">
+            <a:avLst/>
+          </a:prstGeom>
+          <a:noFill/>
+          <a:ln>
+            <a:noFill/>
+          </a:ln>
+        </p:spPr>
+        <p:txBody>
+          <a:bodyPr spcFirstLastPara="1" wrap="square" lIns="91425" tIns="91425" rIns="91425" bIns="91425" anchor="t" anchorCtr="0">
+            <a:noAutofit/>
+          </a:bodyPr>
+          <a:lstStyle/>
+          <a:p>
+            <a:pPr marL="0" marR="0" lvl="0" indent="0" algn="l" rtl="0">
+              <a:lnSpc>
+                <a:spcPct val="100000"/>
+              </a:lnSpc>
+              <a:spcBef>
+                <a:spcPts val="0"/>
+              </a:spcBef>
+              <a:spcAft>
+                <a:spcPts val="0"/>
+              </a:spcAft>
+              <a:buClr>
+                <a:srgbClr val="000000"/>
+              </a:buClr>
+              <a:buSzPts val="1400"/>
+              <a:buFont typeface="Arial"/>
+              <a:buNone/>
+            </a:pPr>
+            <a:r>
+              <a:rPr lang="en-US" sz="1400" b="0" i="0" u="none" strike="noStrike" cap="none" dirty="0">
+                <a:solidFill>
+                  <a:srgbClr val="000000"/>
+                </a:solidFill>
+                <a:latin typeface="Arial"/>
+                <a:ea typeface="Arial"/>
+                <a:cs typeface="Arial"/>
+                <a:sym typeface="Arial"/>
+              </a:rPr>
+              <a:t>YES</a:t>
+            </a:r>
+            <a:endParaRPr sz="1400" b="0" i="0" u="none" strike="noStrike" cap="none" dirty="0">
+              <a:solidFill>
+                <a:srgbClr val="000000"/>
+              </a:solidFill>
+              <a:latin typeface="Arial"/>
+              <a:ea typeface="Arial"/>
+              <a:cs typeface="Arial"/>
+              <a:sym typeface="Arial"/>
+            </a:endParaRPr>
+          </a:p>
+        </p:txBody>
+      </p:sp>
+      <p:sp>
+        <p:nvSpPr>
+          <p:cNvPr id="73" name="Google Shape;98;p4">
+            <a:extLst>
+              <a:ext uri="{FF2B5EF4-FFF2-40B4-BE49-F238E27FC236}">
+                <a16:creationId xmlns:a16="http://schemas.microsoft.com/office/drawing/2014/main" id="{A7836F35-7606-4ED9-B652-A8559DC65BC0}"/>
+              </a:ext>
+            </a:extLst>
+          </p:cNvPr>
+          <p:cNvSpPr txBox="1"/>
+          <p:nvPr/>
+        </p:nvSpPr>
+        <p:spPr>
+          <a:xfrm>
+            <a:off x="5004685" y="2752865"/>
+            <a:ext cx="650700" cy="300900"/>
+          </a:xfrm>
+          <a:prstGeom prst="rect">
+            <a:avLst/>
+          </a:prstGeom>
+          <a:noFill/>
+          <a:ln>
+            <a:noFill/>
+          </a:ln>
+        </p:spPr>
+        <p:txBody>
+          <a:bodyPr spcFirstLastPara="1" wrap="square" lIns="91425" tIns="91425" rIns="91425" bIns="91425" anchor="t" anchorCtr="0">
+            <a:noAutofit/>
+          </a:bodyPr>
+          <a:lstStyle/>
+          <a:p>
+            <a:pPr marL="0" marR="0" lvl="0" indent="0" algn="l" rtl="0">
+              <a:lnSpc>
+                <a:spcPct val="100000"/>
+              </a:lnSpc>
+              <a:spcBef>
+                <a:spcPts val="0"/>
+              </a:spcBef>
+              <a:spcAft>
+                <a:spcPts val="0"/>
+              </a:spcAft>
+              <a:buClr>
+                <a:srgbClr val="000000"/>
+              </a:buClr>
+              <a:buSzPts val="1400"/>
+              <a:buFont typeface="Arial"/>
+              <a:buNone/>
+            </a:pPr>
+            <a:r>
+              <a:rPr lang="en-US" sz="1200" b="0" i="0" u="none" strike="noStrike" cap="none" dirty="0">
+                <a:solidFill>
+                  <a:srgbClr val="000000"/>
+                </a:solidFill>
+                <a:latin typeface="Arial"/>
+                <a:ea typeface="Arial"/>
+                <a:cs typeface="Arial"/>
+                <a:sym typeface="Arial"/>
+              </a:rPr>
+              <a:t>NO</a:t>
+            </a:r>
+            <a:endParaRPr sz="1200" b="0" i="0" u="none" strike="noStrike" cap="none" dirty="0">
+              <a:solidFill>
+                <a:srgbClr val="000000"/>
+              </a:solidFill>
+              <a:latin typeface="Arial"/>
+              <a:ea typeface="Arial"/>
+              <a:cs typeface="Arial"/>
+              <a:sym typeface="Arial"/>
+            </a:endParaRPr>
+          </a:p>
+        </p:txBody>
+      </p:sp>
+      <p:sp>
+        <p:nvSpPr>
+          <p:cNvPr id="74" name="Google Shape;90;p4">
+            <a:extLst>
+              <a:ext uri="{FF2B5EF4-FFF2-40B4-BE49-F238E27FC236}">
+                <a16:creationId xmlns:a16="http://schemas.microsoft.com/office/drawing/2014/main" id="{88412EEC-0113-45AC-98C6-4AF2B03844A8}"/>
+              </a:ext>
+            </a:extLst>
+          </p:cNvPr>
+          <p:cNvSpPr/>
+          <p:nvPr/>
+        </p:nvSpPr>
+        <p:spPr>
+          <a:xfrm>
+            <a:off x="3824010" y="2822243"/>
+            <a:ext cx="969900" cy="497400"/>
+          </a:xfrm>
+          <a:prstGeom prst="roundRect">
+            <a:avLst>
+              <a:gd name="adj" fmla="val 16667"/>
+            </a:avLst>
+          </a:prstGeom>
+          <a:solidFill>
+            <a:srgbClr val="92D050"/>
+          </a:solidFill>
+          <a:ln w="9525" cap="flat" cmpd="sng">
             <a:solidFill>
-              <a:schemeClr val="lt1"/>
+              <a:schemeClr val="dk2"/>
             </a:solidFill>
-            <a:ln w="9525" cap="flat" cmpd="sng">
+            <a:prstDash val="solid"/>
+            <a:round/>
+            <a:headEnd type="none" w="sm" len="sm"/>
+            <a:tailEnd type="none" w="sm" len="sm"/>
+          </a:ln>
+        </p:spPr>
+        <p:txBody>
+          <a:bodyPr spcFirstLastPara="1" wrap="square" lIns="91425" tIns="91425" rIns="91425" bIns="91425" anchor="ctr" anchorCtr="0">
+            <a:noAutofit/>
+          </a:bodyPr>
+          <a:lstStyle/>
+          <a:p>
+            <a:pPr marL="0" marR="0" lvl="0" indent="0" algn="l" rtl="0">
+              <a:lnSpc>
+                <a:spcPct val="100000"/>
+              </a:lnSpc>
+              <a:spcBef>
+                <a:spcPts val="0"/>
+              </a:spcBef>
+              <a:spcAft>
+                <a:spcPts val="0"/>
+              </a:spcAft>
+              <a:buClr>
+                <a:srgbClr val="000000"/>
+              </a:buClr>
+              <a:buSzPts val="1400"/>
+              <a:buFont typeface="Arial"/>
+              <a:buNone/>
+            </a:pPr>
+            <a:r>
+              <a:rPr lang="en-US" sz="1400" b="0" i="0" u="none" strike="noStrike" cap="none" dirty="0">
+                <a:solidFill>
+                  <a:srgbClr val="000000"/>
+                </a:solidFill>
+                <a:latin typeface="Arial"/>
+                <a:ea typeface="Arial"/>
+                <a:cs typeface="Arial"/>
+                <a:sym typeface="Arial"/>
+              </a:rPr>
+              <a:t>Correct</a:t>
+            </a:r>
+            <a:endParaRPr sz="1400" b="0" i="0" u="none" strike="noStrike" cap="none" dirty="0">
               <a:solidFill>
-                <a:schemeClr val="dk2"/>
+                <a:srgbClr val="000000"/>
               </a:solidFill>
-              <a:prstDash val="solid"/>
-              <a:round/>
-              <a:headEnd type="none" w="sm" len="sm"/>
-              <a:tailEnd type="none" w="sm" len="sm"/>
-            </a:ln>
-          </p:spPr>
-          <p:txBody>
-            <a:bodyPr spcFirstLastPara="1" wrap="square" lIns="91425" tIns="91425" rIns="91425" bIns="91425" anchor="ctr" anchorCtr="0">
-              <a:noAutofit/>
-            </a:bodyPr>
-            <a:lstStyle/>
-            <a:p>
-              <a:pPr marL="0" marR="0" lvl="0" indent="0" algn="l" rtl="0">
-                <a:lnSpc>
-                  <a:spcPct val="100000"/>
-                </a:lnSpc>
-                <a:spcBef>
-                  <a:spcPts val="0"/>
-                </a:spcBef>
-                <a:spcAft>
-                  <a:spcPts val="0"/>
-                </a:spcAft>
-                <a:buClr>
+              <a:latin typeface="Arial"/>
+              <a:ea typeface="Arial"/>
+              <a:cs typeface="Arial"/>
+              <a:sym typeface="Arial"/>
+            </a:endParaRPr>
+          </a:p>
+          <a:p>
+            <a:pPr marL="0" marR="0" lvl="0" indent="0" algn="l" rtl="0">
+              <a:lnSpc>
+                <a:spcPct val="100000"/>
+              </a:lnSpc>
+              <a:spcBef>
+                <a:spcPts val="0"/>
+              </a:spcBef>
+              <a:spcAft>
+                <a:spcPts val="0"/>
+              </a:spcAft>
+              <a:buClr>
+                <a:srgbClr val="000000"/>
+              </a:buClr>
+              <a:buSzPts val="1400"/>
+              <a:buFont typeface="Arial"/>
+              <a:buNone/>
+            </a:pPr>
+            <a:r>
+              <a:rPr lang="en-US" sz="1400" b="0" i="0" u="none" strike="noStrike" cap="none" dirty="0">
+                <a:solidFill>
                   <a:srgbClr val="000000"/>
-                </a:buClr>
-                <a:buSzPts val="1200"/>
-                <a:buFont typeface="Arial"/>
-                <a:buNone/>
-              </a:pPr>
-              <a:r>
-                <a:rPr lang="en-US" sz="1200" b="1" i="0" u="none" strike="noStrike" cap="none" dirty="0">
-                  <a:solidFill>
-                    <a:srgbClr val="000000"/>
-                  </a:solidFill>
-                  <a:latin typeface="Arial"/>
-                  <a:ea typeface="Arial"/>
-                  <a:cs typeface="Arial"/>
-                  <a:sym typeface="Arial"/>
-                </a:rPr>
-                <a:t>Touched </a:t>
-              </a:r>
-              <a:r>
-                <a:rPr lang="en-US" sz="1200" b="1" i="0" u="none" strike="noStrike" cap="none" dirty="0" err="1">
-                  <a:solidFill>
-                    <a:srgbClr val="000000"/>
-                  </a:solidFill>
-                  <a:latin typeface="Arial"/>
-                  <a:ea typeface="Arial"/>
-                  <a:cs typeface="Arial"/>
-                  <a:sym typeface="Arial"/>
-                </a:rPr>
-                <a:t>Startpad</a:t>
-              </a:r>
-              <a:endParaRPr sz="1200" b="1" i="0" u="none" strike="noStrike" cap="none" dirty="0">
+                </a:solidFill>
+                <a:latin typeface="Arial"/>
+                <a:ea typeface="Arial"/>
+                <a:cs typeface="Arial"/>
+                <a:sym typeface="Arial"/>
+              </a:rPr>
+              <a:t>Interface</a:t>
+            </a:r>
+            <a:endParaRPr sz="1400" b="0" i="0" u="none" strike="noStrike" cap="none" dirty="0">
+              <a:solidFill>
+                <a:srgbClr val="000000"/>
+              </a:solidFill>
+              <a:latin typeface="Arial"/>
+              <a:ea typeface="Arial"/>
+              <a:cs typeface="Arial"/>
+              <a:sym typeface="Arial"/>
+            </a:endParaRPr>
+          </a:p>
+        </p:txBody>
+      </p:sp>
+      <p:cxnSp>
+        <p:nvCxnSpPr>
+          <p:cNvPr id="42" name="Straight Arrow Connector 41">
+            <a:extLst>
+              <a:ext uri="{FF2B5EF4-FFF2-40B4-BE49-F238E27FC236}">
+                <a16:creationId xmlns:a16="http://schemas.microsoft.com/office/drawing/2014/main" id="{9378E09A-B249-46CE-BE5E-E60C2DCCF4D2}"/>
+              </a:ext>
+            </a:extLst>
+          </p:cNvPr>
+          <p:cNvCxnSpPr>
+            <a:stCxn id="63" idx="1"/>
+            <a:endCxn id="74" idx="3"/>
+          </p:cNvCxnSpPr>
+          <p:nvPr/>
+        </p:nvCxnSpPr>
+        <p:spPr>
+          <a:xfrm flipH="1">
+            <a:off x="4793910" y="3070943"/>
+            <a:ext cx="721878" cy="0"/>
+          </a:xfrm>
+          <a:prstGeom prst="straightConnector1">
+            <a:avLst/>
+          </a:prstGeom>
+          <a:ln>
+            <a:tailEnd type="triangle"/>
+          </a:ln>
+        </p:spPr>
+        <p:style>
+          <a:lnRef idx="1">
+            <a:schemeClr val="dk1"/>
+          </a:lnRef>
+          <a:fillRef idx="0">
+            <a:schemeClr val="dk1"/>
+          </a:fillRef>
+          <a:effectRef idx="0">
+            <a:schemeClr val="dk1"/>
+          </a:effectRef>
+          <a:fontRef idx="minor">
+            <a:schemeClr val="tx1"/>
+          </a:fontRef>
+        </p:style>
+      </p:cxnSp>
+      <p:sp>
+        <p:nvSpPr>
+          <p:cNvPr id="77" name="Google Shape;90;p4">
+            <a:extLst>
+              <a:ext uri="{FF2B5EF4-FFF2-40B4-BE49-F238E27FC236}">
+                <a16:creationId xmlns:a16="http://schemas.microsoft.com/office/drawing/2014/main" id="{C1B35D53-B603-4A29-BFAE-9BEB1C1DBCA5}"/>
+              </a:ext>
+            </a:extLst>
+          </p:cNvPr>
+          <p:cNvSpPr/>
+          <p:nvPr/>
+        </p:nvSpPr>
+        <p:spPr>
+          <a:xfrm>
+            <a:off x="1836648" y="2825746"/>
+            <a:ext cx="1180621" cy="497400"/>
+          </a:xfrm>
+          <a:prstGeom prst="roundRect">
+            <a:avLst>
+              <a:gd name="adj" fmla="val 16667"/>
+            </a:avLst>
+          </a:prstGeom>
+          <a:solidFill>
+            <a:schemeClr val="lt2"/>
+          </a:solidFill>
+          <a:ln w="9525" cap="flat" cmpd="sng">
+            <a:solidFill>
+              <a:schemeClr val="dk2"/>
+            </a:solidFill>
+            <a:prstDash val="solid"/>
+            <a:round/>
+            <a:headEnd type="none" w="sm" len="sm"/>
+            <a:tailEnd type="none" w="sm" len="sm"/>
+          </a:ln>
+        </p:spPr>
+        <p:txBody>
+          <a:bodyPr spcFirstLastPara="1" wrap="square" lIns="91425" tIns="91425" rIns="91425" bIns="91425" anchor="ctr" anchorCtr="0">
+            <a:noAutofit/>
+          </a:bodyPr>
+          <a:lstStyle/>
+          <a:p>
+            <a:pPr marL="0" marR="0" lvl="0" indent="0" algn="l" rtl="0">
+              <a:lnSpc>
+                <a:spcPct val="100000"/>
+              </a:lnSpc>
+              <a:spcBef>
+                <a:spcPts val="0"/>
+              </a:spcBef>
+              <a:spcAft>
+                <a:spcPts val="0"/>
+              </a:spcAft>
+              <a:buClr>
+                <a:srgbClr val="000000"/>
+              </a:buClr>
+              <a:buSzPts val="1400"/>
+              <a:buFont typeface="Arial"/>
+              <a:buNone/>
+            </a:pPr>
+            <a:r>
+              <a:rPr lang="en-US" sz="1400" b="0" i="0" u="none" strike="noStrike" cap="none" dirty="0">
                 <a:solidFill>
                   <a:srgbClr val="000000"/>
                 </a:solidFill>
@@ -8565,1442 +9886,453 @@
                 <a:ea typeface="Arial"/>
                 <a:cs typeface="Arial"/>
                 <a:sym typeface="Arial"/>
-              </a:endParaRPr>
-            </a:p>
-          </p:txBody>
-        </p:sp>
-        <p:cxnSp>
-          <p:nvCxnSpPr>
-            <p:cNvPr id="93" name="Google Shape;93;p4"/>
-            <p:cNvCxnSpPr>
-              <a:cxnSpLocks/>
-              <a:stCxn id="90" idx="3"/>
-            </p:cNvCxnSpPr>
-            <p:nvPr/>
-          </p:nvCxnSpPr>
-          <p:spPr>
-            <a:xfrm>
-              <a:off x="1102125" y="819875"/>
-              <a:ext cx="333700" cy="0"/>
-            </a:xfrm>
-            <a:prstGeom prst="straightConnector1">
-              <a:avLst/>
-            </a:prstGeom>
+              </a:rPr>
+              <a:t>Wait </a:t>
+            </a:r>
+            <a:r>
+              <a:rPr lang="en-US" sz="1400" b="0" i="0" u="none" strike="noStrike" cap="none" dirty="0" err="1">
+                <a:solidFill>
+                  <a:srgbClr val="000000"/>
+                </a:solidFill>
+                <a:latin typeface="Arial"/>
+                <a:ea typeface="Arial"/>
+                <a:cs typeface="Arial"/>
+                <a:sym typeface="Arial"/>
+              </a:rPr>
+              <a:t>t_interTrial</a:t>
+            </a:r>
+            <a:endParaRPr sz="1400" b="0" i="0" u="none" strike="noStrike" cap="none" dirty="0">
+              <a:solidFill>
+                <a:srgbClr val="000000"/>
+              </a:solidFill>
+              <a:latin typeface="Arial"/>
+              <a:ea typeface="Arial"/>
+              <a:cs typeface="Arial"/>
+              <a:sym typeface="Arial"/>
+            </a:endParaRPr>
+          </a:p>
+        </p:txBody>
+      </p:sp>
+      <p:cxnSp>
+        <p:nvCxnSpPr>
+          <p:cNvPr id="46" name="Connector: Elbow 45">
+            <a:extLst>
+              <a:ext uri="{FF2B5EF4-FFF2-40B4-BE49-F238E27FC236}">
+                <a16:creationId xmlns:a16="http://schemas.microsoft.com/office/drawing/2014/main" id="{A7B6C56C-0C2F-46E6-B55C-8BF3B168B312}"/>
+              </a:ext>
+            </a:extLst>
+          </p:cNvPr>
+          <p:cNvCxnSpPr>
+            <a:cxnSpLocks/>
+            <a:stCxn id="77" idx="1"/>
+            <a:endCxn id="90" idx="2"/>
+          </p:cNvCxnSpPr>
+          <p:nvPr/>
+        </p:nvCxnSpPr>
+        <p:spPr>
+          <a:xfrm rot="10800000">
+            <a:off x="617176" y="1068576"/>
+            <a:ext cx="1219473" cy="2005871"/>
+          </a:xfrm>
+          <a:prstGeom prst="bentConnector2">
+            <a:avLst/>
+          </a:prstGeom>
+          <a:ln>
+            <a:tailEnd type="triangle"/>
+          </a:ln>
+        </p:spPr>
+        <p:style>
+          <a:lnRef idx="1">
+            <a:schemeClr val="dk1"/>
+          </a:lnRef>
+          <a:fillRef idx="0">
+            <a:schemeClr val="dk1"/>
+          </a:fillRef>
+          <a:effectRef idx="0">
+            <a:schemeClr val="dk1"/>
+          </a:effectRef>
+          <a:fontRef idx="minor">
+            <a:schemeClr val="tx1"/>
+          </a:fontRef>
+        </p:style>
+      </p:cxnSp>
+      <p:cxnSp>
+        <p:nvCxnSpPr>
+          <p:cNvPr id="48" name="Straight Arrow Connector 47">
+            <a:extLst>
+              <a:ext uri="{FF2B5EF4-FFF2-40B4-BE49-F238E27FC236}">
+                <a16:creationId xmlns:a16="http://schemas.microsoft.com/office/drawing/2014/main" id="{A6DC4E46-8BFB-4490-9A35-8193CE3CE425}"/>
+              </a:ext>
+            </a:extLst>
+          </p:cNvPr>
+          <p:cNvCxnSpPr>
+            <a:stCxn id="74" idx="1"/>
+            <a:endCxn id="77" idx="3"/>
+          </p:cNvCxnSpPr>
+          <p:nvPr/>
+        </p:nvCxnSpPr>
+        <p:spPr>
+          <a:xfrm flipH="1">
+            <a:off x="3017269" y="3070943"/>
+            <a:ext cx="806741" cy="3503"/>
+          </a:xfrm>
+          <a:prstGeom prst="straightConnector1">
+            <a:avLst/>
+          </a:prstGeom>
+          <a:ln>
+            <a:tailEnd type="triangle"/>
+          </a:ln>
+        </p:spPr>
+        <p:style>
+          <a:lnRef idx="1">
+            <a:schemeClr val="dk1"/>
+          </a:lnRef>
+          <a:fillRef idx="0">
+            <a:schemeClr val="dk1"/>
+          </a:fillRef>
+          <a:effectRef idx="0">
+            <a:schemeClr val="dk1"/>
+          </a:effectRef>
+          <a:fontRef idx="minor">
+            <a:schemeClr val="tx1"/>
+          </a:fontRef>
+        </p:style>
+      </p:cxnSp>
+      <p:sp>
+        <p:nvSpPr>
+          <p:cNvPr id="38" name="Google Shape;99;p4">
+            <a:extLst>
+              <a:ext uri="{FF2B5EF4-FFF2-40B4-BE49-F238E27FC236}">
+                <a16:creationId xmlns:a16="http://schemas.microsoft.com/office/drawing/2014/main" id="{B01713AF-C188-41A4-8DD5-BA145BE630F8}"/>
+              </a:ext>
+            </a:extLst>
+          </p:cNvPr>
+          <p:cNvSpPr/>
+          <p:nvPr/>
+        </p:nvSpPr>
+        <p:spPr>
+          <a:xfrm>
+            <a:off x="5514622" y="1634511"/>
+            <a:ext cx="1829823" cy="614425"/>
+          </a:xfrm>
+          <a:prstGeom prst="flowChartDecision">
+            <a:avLst/>
+          </a:prstGeom>
+          <a:solidFill>
+            <a:schemeClr val="lt1"/>
+          </a:solidFill>
+          <a:ln w="9525" cap="flat" cmpd="sng">
+            <a:solidFill>
+              <a:schemeClr val="dk2"/>
+            </a:solidFill>
+            <a:prstDash val="solid"/>
+            <a:round/>
+            <a:headEnd type="none" w="sm" len="sm"/>
+            <a:tailEnd type="none" w="sm" len="sm"/>
+          </a:ln>
+        </p:spPr>
+        <p:txBody>
+          <a:bodyPr spcFirstLastPara="1" wrap="square" lIns="91425" tIns="91425" rIns="91425" bIns="91425" anchor="ctr" anchorCtr="0">
+            <a:noAutofit/>
+          </a:bodyPr>
+          <a:lstStyle/>
+          <a:p>
+            <a:pPr marL="0" marR="0" lvl="0" indent="0" algn="l" rtl="0">
+              <a:lnSpc>
+                <a:spcPct val="100000"/>
+              </a:lnSpc>
+              <a:spcBef>
+                <a:spcPts val="0"/>
+              </a:spcBef>
+              <a:spcAft>
+                <a:spcPts val="0"/>
+              </a:spcAft>
+              <a:buClr>
+                <a:srgbClr val="000000"/>
+              </a:buClr>
+              <a:buSzPts val="1200"/>
+              <a:buFont typeface="Arial"/>
+              <a:buNone/>
+            </a:pPr>
+            <a:r>
+              <a:rPr lang="en-US" sz="1200" i="0" u="none" strike="noStrike" cap="none" dirty="0">
+                <a:solidFill>
+                  <a:srgbClr val="000000"/>
+                </a:solidFill>
+                <a:latin typeface="Arial"/>
+                <a:ea typeface="Arial"/>
+                <a:cs typeface="Arial"/>
+                <a:sym typeface="Arial"/>
+              </a:rPr>
+              <a:t>Leave </a:t>
+            </a:r>
+            <a:r>
+              <a:rPr lang="en-US" sz="1200" i="0" u="none" strike="noStrike" cap="none" dirty="0" err="1">
+                <a:solidFill>
+                  <a:srgbClr val="000000"/>
+                </a:solidFill>
+                <a:latin typeface="Arial"/>
+                <a:ea typeface="Arial"/>
+                <a:cs typeface="Arial"/>
+                <a:sym typeface="Arial"/>
+              </a:rPr>
+              <a:t>Startpad</a:t>
+            </a:r>
+            <a:r>
+              <a:rPr lang="en-US" sz="1200" i="0" u="none" strike="noStrike" cap="none" dirty="0">
+                <a:solidFill>
+                  <a:srgbClr val="000000"/>
+                </a:solidFill>
+                <a:latin typeface="Arial"/>
+                <a:ea typeface="Arial"/>
+                <a:cs typeface="Arial"/>
+                <a:sym typeface="Arial"/>
+              </a:rPr>
+              <a:t> </a:t>
+            </a:r>
+            <a:endParaRPr sz="1200" i="0" u="none" strike="noStrike" cap="none" dirty="0">
+              <a:solidFill>
+                <a:srgbClr val="000000"/>
+              </a:solidFill>
+              <a:latin typeface="Arial"/>
+              <a:ea typeface="Arial"/>
+              <a:cs typeface="Arial"/>
+              <a:sym typeface="Arial"/>
+            </a:endParaRPr>
+          </a:p>
+        </p:txBody>
+      </p:sp>
+      <p:cxnSp>
+        <p:nvCxnSpPr>
+          <p:cNvPr id="39" name="Straight Arrow Connector 38">
+            <a:extLst>
+              <a:ext uri="{FF2B5EF4-FFF2-40B4-BE49-F238E27FC236}">
+                <a16:creationId xmlns:a16="http://schemas.microsoft.com/office/drawing/2014/main" id="{CEE4A9D2-340A-4984-A6CC-4A8F90706F94}"/>
+              </a:ext>
+            </a:extLst>
+          </p:cNvPr>
+          <p:cNvCxnSpPr>
+            <a:cxnSpLocks/>
+            <a:stCxn id="38" idx="2"/>
+            <a:endCxn id="63" idx="0"/>
+          </p:cNvCxnSpPr>
+          <p:nvPr/>
+        </p:nvCxnSpPr>
+        <p:spPr>
+          <a:xfrm>
+            <a:off x="6429534" y="2248936"/>
+            <a:ext cx="1166" cy="514794"/>
+          </a:xfrm>
+          <a:prstGeom prst="straightConnector1">
+            <a:avLst/>
+          </a:prstGeom>
+          <a:ln>
+            <a:tailEnd type="triangle"/>
+          </a:ln>
+        </p:spPr>
+        <p:style>
+          <a:lnRef idx="1">
+            <a:schemeClr val="dk1"/>
+          </a:lnRef>
+          <a:fillRef idx="0">
+            <a:schemeClr val="dk1"/>
+          </a:fillRef>
+          <a:effectRef idx="0">
+            <a:schemeClr val="dk1"/>
+          </a:effectRef>
+          <a:fontRef idx="minor">
+            <a:schemeClr val="tx1"/>
+          </a:fontRef>
+        </p:style>
+      </p:cxnSp>
+      <p:sp>
+        <p:nvSpPr>
+          <p:cNvPr id="56" name="Google Shape;104;p4">
+            <a:extLst>
+              <a:ext uri="{FF2B5EF4-FFF2-40B4-BE49-F238E27FC236}">
+                <a16:creationId xmlns:a16="http://schemas.microsoft.com/office/drawing/2014/main" id="{37336FC4-CD19-4906-B55D-7E6BD713CCF0}"/>
+              </a:ext>
+            </a:extLst>
+          </p:cNvPr>
+          <p:cNvSpPr txBox="1"/>
+          <p:nvPr/>
+        </p:nvSpPr>
+        <p:spPr>
+          <a:xfrm>
+            <a:off x="6368978" y="2259663"/>
+            <a:ext cx="650700" cy="300900"/>
+          </a:xfrm>
+          <a:prstGeom prst="rect">
+            <a:avLst/>
+          </a:prstGeom>
+          <a:noFill/>
+          <a:ln>
             <a:noFill/>
-            <a:ln w="9525" cap="flat" cmpd="sng">
+          </a:ln>
+        </p:spPr>
+        <p:txBody>
+          <a:bodyPr spcFirstLastPara="1" wrap="square" lIns="91425" tIns="91425" rIns="91425" bIns="91425" anchor="t" anchorCtr="0">
+            <a:noAutofit/>
+          </a:bodyPr>
+          <a:lstStyle/>
+          <a:p>
+            <a:pPr marL="0" marR="0" lvl="0" indent="0" algn="l" rtl="0">
+              <a:lnSpc>
+                <a:spcPct val="100000"/>
+              </a:lnSpc>
+              <a:spcBef>
+                <a:spcPts val="0"/>
+              </a:spcBef>
+              <a:spcAft>
+                <a:spcPts val="0"/>
+              </a:spcAft>
+              <a:buClr>
+                <a:srgbClr val="000000"/>
+              </a:buClr>
+              <a:buSzPts val="1400"/>
+              <a:buFont typeface="Arial"/>
+              <a:buNone/>
+            </a:pPr>
+            <a:r>
+              <a:rPr lang="en-US" sz="1400" b="0" i="0" u="none" strike="noStrike" cap="none" dirty="0">
+                <a:solidFill>
+                  <a:srgbClr val="000000"/>
+                </a:solidFill>
+                <a:latin typeface="Arial"/>
+                <a:ea typeface="Arial"/>
+                <a:cs typeface="Arial"/>
+                <a:sym typeface="Arial"/>
+              </a:rPr>
+              <a:t>YES</a:t>
+            </a:r>
+            <a:endParaRPr sz="1400" b="0" i="0" u="none" strike="noStrike" cap="none" dirty="0">
               <a:solidFill>
-                <a:schemeClr val="dk2"/>
+                <a:srgbClr val="000000"/>
               </a:solidFill>
-              <a:prstDash val="solid"/>
-              <a:round/>
-              <a:headEnd type="none" w="sm" len="sm"/>
-              <a:tailEnd type="triangle" w="med" len="med"/>
-            </a:ln>
-          </p:spPr>
-        </p:cxnSp>
-        <p:cxnSp>
-          <p:nvCxnSpPr>
-            <p:cNvPr id="94" name="Google Shape;94;p4"/>
-            <p:cNvCxnSpPr>
-              <a:cxnSpLocks/>
-              <a:stCxn id="92" idx="3"/>
-              <a:endCxn id="37" idx="1"/>
-            </p:cNvCxnSpPr>
-            <p:nvPr/>
-          </p:nvCxnSpPr>
-          <p:spPr>
-            <a:xfrm flipV="1">
-              <a:off x="3560400" y="808649"/>
-              <a:ext cx="526475" cy="11226"/>
-            </a:xfrm>
-            <a:prstGeom prst="straightConnector1">
-              <a:avLst/>
-            </a:prstGeom>
+              <a:latin typeface="Arial"/>
+              <a:ea typeface="Arial"/>
+              <a:cs typeface="Arial"/>
+              <a:sym typeface="Arial"/>
+            </a:endParaRPr>
+          </a:p>
+        </p:txBody>
+      </p:sp>
+      <p:sp>
+        <p:nvSpPr>
+          <p:cNvPr id="57" name="Google Shape;104;p4">
+            <a:extLst>
+              <a:ext uri="{FF2B5EF4-FFF2-40B4-BE49-F238E27FC236}">
+                <a16:creationId xmlns:a16="http://schemas.microsoft.com/office/drawing/2014/main" id="{8D893643-A25A-4586-838B-DDAA99F87AF3}"/>
+              </a:ext>
+            </a:extLst>
+          </p:cNvPr>
+          <p:cNvSpPr txBox="1"/>
+          <p:nvPr/>
+        </p:nvSpPr>
+        <p:spPr>
+          <a:xfrm>
+            <a:off x="7260821" y="1485143"/>
+            <a:ext cx="650700" cy="300900"/>
+          </a:xfrm>
+          <a:prstGeom prst="rect">
+            <a:avLst/>
+          </a:prstGeom>
+          <a:noFill/>
+          <a:ln>
             <a:noFill/>
-            <a:ln w="9525" cap="flat" cmpd="sng">
+          </a:ln>
+        </p:spPr>
+        <p:txBody>
+          <a:bodyPr spcFirstLastPara="1" wrap="square" lIns="91425" tIns="91425" rIns="91425" bIns="91425" anchor="t" anchorCtr="0">
+            <a:noAutofit/>
+          </a:bodyPr>
+          <a:lstStyle/>
+          <a:p>
+            <a:pPr marL="0" marR="0" lvl="0" indent="0" algn="l" rtl="0">
+              <a:lnSpc>
+                <a:spcPct val="100000"/>
+              </a:lnSpc>
+              <a:spcBef>
+                <a:spcPts val="0"/>
+              </a:spcBef>
+              <a:spcAft>
+                <a:spcPts val="0"/>
+              </a:spcAft>
+              <a:buClr>
+                <a:srgbClr val="000000"/>
+              </a:buClr>
+              <a:buSzPts val="1400"/>
+              <a:buFont typeface="Arial"/>
+              <a:buNone/>
+            </a:pPr>
+            <a:r>
+              <a:rPr lang="en-US" sz="1400" b="0" i="0" u="none" strike="noStrike" cap="none" dirty="0">
+                <a:solidFill>
+                  <a:srgbClr val="000000"/>
+                </a:solidFill>
+                <a:latin typeface="Arial"/>
+                <a:ea typeface="Arial"/>
+                <a:cs typeface="Arial"/>
+                <a:sym typeface="Arial"/>
+              </a:rPr>
+              <a:t>No</a:t>
+            </a:r>
+            <a:endParaRPr sz="1400" b="0" i="0" u="none" strike="noStrike" cap="none" dirty="0">
               <a:solidFill>
-                <a:schemeClr val="dk2"/>
+                <a:srgbClr val="000000"/>
               </a:solidFill>
-              <a:prstDash val="solid"/>
-              <a:round/>
-              <a:headEnd type="none" w="sm" len="sm"/>
-              <a:tailEnd type="triangle" w="med" len="med"/>
-            </a:ln>
-          </p:spPr>
-        </p:cxnSp>
-        <p:sp>
-          <p:nvSpPr>
-            <p:cNvPr id="95" name="Google Shape;95;p4"/>
-            <p:cNvSpPr txBox="1"/>
-            <p:nvPr/>
-          </p:nvSpPr>
-          <p:spPr>
-            <a:xfrm>
-              <a:off x="3560400" y="518975"/>
-              <a:ext cx="650700" cy="300900"/>
-            </a:xfrm>
-            <a:prstGeom prst="rect">
-              <a:avLst/>
-            </a:prstGeom>
-            <a:noFill/>
-            <a:ln>
-              <a:noFill/>
-            </a:ln>
-          </p:spPr>
-          <p:txBody>
-            <a:bodyPr spcFirstLastPara="1" wrap="square" lIns="91425" tIns="91425" rIns="91425" bIns="91425" anchor="t" anchorCtr="0">
-              <a:noAutofit/>
-            </a:bodyPr>
-            <a:lstStyle/>
-            <a:p>
-              <a:pPr marL="0" marR="0" lvl="0" indent="0" algn="l" rtl="0">
-                <a:lnSpc>
-                  <a:spcPct val="100000"/>
-                </a:lnSpc>
-                <a:spcBef>
-                  <a:spcPts val="0"/>
-                </a:spcBef>
-                <a:spcAft>
-                  <a:spcPts val="0"/>
-                </a:spcAft>
-                <a:buClr>
-                  <a:srgbClr val="000000"/>
-                </a:buClr>
-                <a:buSzPts val="1400"/>
-                <a:buFont typeface="Arial"/>
-                <a:buNone/>
-              </a:pPr>
-              <a:r>
-                <a:rPr lang="en-US" sz="1200" i="0" u="none" strike="noStrike" cap="none" dirty="0">
-                  <a:solidFill>
-                    <a:srgbClr val="000000"/>
-                  </a:solidFill>
-                  <a:latin typeface="Arial"/>
-                  <a:ea typeface="Arial"/>
-                  <a:cs typeface="Arial"/>
-                  <a:sym typeface="Arial"/>
-                </a:rPr>
-                <a:t>YES</a:t>
-              </a:r>
-              <a:endParaRPr sz="1200" i="0" u="none" strike="noStrike" cap="none" dirty="0">
-                <a:solidFill>
-                  <a:srgbClr val="000000"/>
-                </a:solidFill>
-                <a:latin typeface="Arial"/>
-                <a:ea typeface="Arial"/>
-                <a:cs typeface="Arial"/>
-                <a:sym typeface="Arial"/>
-              </a:endParaRPr>
-            </a:p>
-          </p:txBody>
-        </p:sp>
-        <p:cxnSp>
-          <p:nvCxnSpPr>
-            <p:cNvPr id="96" name="Google Shape;96;p4"/>
-            <p:cNvCxnSpPr>
-              <a:endCxn id="90" idx="0"/>
-            </p:cNvCxnSpPr>
-            <p:nvPr/>
-          </p:nvCxnSpPr>
-          <p:spPr>
-            <a:xfrm flipH="1">
-              <a:off x="617175" y="332975"/>
-              <a:ext cx="12000" cy="238200"/>
-            </a:xfrm>
-            <a:prstGeom prst="straightConnector1">
-              <a:avLst/>
-            </a:prstGeom>
-            <a:noFill/>
-            <a:ln w="9525" cap="flat" cmpd="sng">
-              <a:solidFill>
-                <a:schemeClr val="dk2"/>
-              </a:solidFill>
-              <a:prstDash val="solid"/>
-              <a:round/>
-              <a:headEnd type="none" w="sm" len="sm"/>
-              <a:tailEnd type="triangle" w="med" len="med"/>
-            </a:ln>
-          </p:spPr>
-        </p:cxnSp>
-        <p:cxnSp>
-          <p:nvCxnSpPr>
-            <p:cNvPr id="97" name="Google Shape;97;p4"/>
-            <p:cNvCxnSpPr>
-              <a:cxnSpLocks/>
-              <a:stCxn id="92" idx="0"/>
-              <a:endCxn id="90" idx="0"/>
-            </p:cNvCxnSpPr>
-            <p:nvPr/>
-          </p:nvCxnSpPr>
-          <p:spPr>
-            <a:xfrm rot="16200000" flipV="1">
-              <a:off x="1549876" y="-361525"/>
-              <a:ext cx="24775" cy="1890175"/>
-            </a:xfrm>
-            <a:prstGeom prst="bentConnector3">
-              <a:avLst>
-                <a:gd name="adj1" fmla="val 1022704"/>
-              </a:avLst>
-            </a:prstGeom>
-            <a:noFill/>
-            <a:ln w="9525" cap="flat" cmpd="sng">
-              <a:solidFill>
-                <a:schemeClr val="dk2"/>
-              </a:solidFill>
-              <a:prstDash val="solid"/>
-              <a:round/>
-              <a:headEnd type="none" w="sm" len="sm"/>
-              <a:tailEnd type="none" w="sm" len="sm"/>
-            </a:ln>
-          </p:spPr>
-        </p:cxnSp>
-        <p:sp>
-          <p:nvSpPr>
-            <p:cNvPr id="98" name="Google Shape;98;p4"/>
-            <p:cNvSpPr txBox="1"/>
-            <p:nvPr/>
-          </p:nvSpPr>
-          <p:spPr>
-            <a:xfrm>
-              <a:off x="1242913" y="46349"/>
-              <a:ext cx="650700" cy="300900"/>
-            </a:xfrm>
-            <a:prstGeom prst="rect">
-              <a:avLst/>
-            </a:prstGeom>
-            <a:noFill/>
-            <a:ln>
-              <a:noFill/>
-            </a:ln>
-          </p:spPr>
-          <p:txBody>
-            <a:bodyPr spcFirstLastPara="1" wrap="square" lIns="91425" tIns="91425" rIns="91425" bIns="91425" anchor="t" anchorCtr="0">
-              <a:noAutofit/>
-            </a:bodyPr>
-            <a:lstStyle/>
-            <a:p>
-              <a:pPr marL="0" marR="0" lvl="0" indent="0" algn="l" rtl="0">
-                <a:lnSpc>
-                  <a:spcPct val="100000"/>
-                </a:lnSpc>
-                <a:spcBef>
-                  <a:spcPts val="0"/>
-                </a:spcBef>
-                <a:spcAft>
-                  <a:spcPts val="0"/>
-                </a:spcAft>
-                <a:buClr>
-                  <a:srgbClr val="000000"/>
-                </a:buClr>
-                <a:buSzPts val="1400"/>
-                <a:buFont typeface="Arial"/>
-                <a:buNone/>
-              </a:pPr>
-              <a:r>
-                <a:rPr lang="en-US" sz="1200" b="0" i="0" u="none" strike="noStrike" cap="none" dirty="0">
-                  <a:solidFill>
-                    <a:srgbClr val="000000"/>
-                  </a:solidFill>
-                  <a:latin typeface="Arial"/>
-                  <a:ea typeface="Arial"/>
-                  <a:cs typeface="Arial"/>
-                  <a:sym typeface="Arial"/>
-                </a:rPr>
-                <a:t>NO</a:t>
-              </a:r>
-              <a:endParaRPr sz="1200" b="0" i="0" u="none" strike="noStrike" cap="none" dirty="0">
-                <a:solidFill>
-                  <a:srgbClr val="000000"/>
-                </a:solidFill>
-                <a:latin typeface="Arial"/>
-                <a:ea typeface="Arial"/>
-                <a:cs typeface="Arial"/>
-                <a:sym typeface="Arial"/>
-              </a:endParaRPr>
-            </a:p>
-          </p:txBody>
-        </p:sp>
-        <p:sp>
-          <p:nvSpPr>
-            <p:cNvPr id="99" name="Google Shape;99;p4"/>
-            <p:cNvSpPr/>
-            <p:nvPr/>
-          </p:nvSpPr>
-          <p:spPr>
-            <a:xfrm>
-              <a:off x="5492101" y="514148"/>
-              <a:ext cx="1829823" cy="614425"/>
-            </a:xfrm>
-            <a:prstGeom prst="flowChartDecision">
-              <a:avLst/>
-            </a:prstGeom>
-            <a:solidFill>
-              <a:schemeClr val="lt1"/>
-            </a:solidFill>
-            <a:ln w="9525" cap="flat" cmpd="sng">
-              <a:solidFill>
-                <a:schemeClr val="dk2"/>
-              </a:solidFill>
-              <a:prstDash val="solid"/>
-              <a:round/>
-              <a:headEnd type="none" w="sm" len="sm"/>
-              <a:tailEnd type="none" w="sm" len="sm"/>
-            </a:ln>
-          </p:spPr>
-          <p:txBody>
-            <a:bodyPr spcFirstLastPara="1" wrap="square" lIns="91425" tIns="91425" rIns="91425" bIns="91425" anchor="ctr" anchorCtr="0">
-              <a:noAutofit/>
-            </a:bodyPr>
-            <a:lstStyle/>
-            <a:p>
-              <a:pPr marL="0" marR="0" lvl="0" indent="0" algn="l" rtl="0">
-                <a:lnSpc>
-                  <a:spcPct val="100000"/>
-                </a:lnSpc>
-                <a:spcBef>
-                  <a:spcPts val="0"/>
-                </a:spcBef>
-                <a:spcAft>
-                  <a:spcPts val="0"/>
-                </a:spcAft>
-                <a:buClr>
-                  <a:srgbClr val="000000"/>
-                </a:buClr>
-                <a:buSzPts val="1200"/>
-                <a:buFont typeface="Arial"/>
-                <a:buNone/>
-              </a:pPr>
-              <a:r>
-                <a:rPr lang="en-US" sz="1200" i="0" u="none" strike="noStrike" cap="none" dirty="0">
-                  <a:solidFill>
-                    <a:srgbClr val="000000"/>
-                  </a:solidFill>
-                  <a:latin typeface="Arial"/>
-                  <a:ea typeface="Arial"/>
-                  <a:cs typeface="Arial"/>
-                  <a:sym typeface="Arial"/>
-                </a:rPr>
-                <a:t>Overdue Reaction Time</a:t>
-              </a:r>
-              <a:endParaRPr sz="1200" i="0" u="none" strike="noStrike" cap="none" dirty="0">
-                <a:solidFill>
-                  <a:srgbClr val="000000"/>
-                </a:solidFill>
-                <a:latin typeface="Arial"/>
-                <a:ea typeface="Arial"/>
-                <a:cs typeface="Arial"/>
-                <a:sym typeface="Arial"/>
-              </a:endParaRPr>
-            </a:p>
-          </p:txBody>
-        </p:sp>
-        <p:cxnSp>
-          <p:nvCxnSpPr>
-            <p:cNvPr id="100" name="Google Shape;100;p4"/>
-            <p:cNvCxnSpPr>
-              <a:cxnSpLocks/>
-              <a:stCxn id="37" idx="3"/>
-              <a:endCxn id="99" idx="1"/>
-            </p:cNvCxnSpPr>
-            <p:nvPr/>
-          </p:nvCxnSpPr>
-          <p:spPr>
-            <a:xfrm>
-              <a:off x="5056775" y="808649"/>
-              <a:ext cx="435326" cy="12712"/>
-            </a:xfrm>
-            <a:prstGeom prst="straightConnector1">
-              <a:avLst/>
-            </a:prstGeom>
-            <a:noFill/>
-            <a:ln w="9525" cap="flat" cmpd="sng">
-              <a:solidFill>
-                <a:schemeClr val="dk2"/>
-              </a:solidFill>
-              <a:prstDash val="solid"/>
-              <a:round/>
-              <a:headEnd type="none" w="sm" len="sm"/>
-              <a:tailEnd type="triangle" w="med" len="med"/>
-            </a:ln>
-          </p:spPr>
-        </p:cxnSp>
-        <p:sp>
-          <p:nvSpPr>
-            <p:cNvPr id="104" name="Google Shape;104;p4"/>
-            <p:cNvSpPr txBox="1"/>
-            <p:nvPr/>
-          </p:nvSpPr>
-          <p:spPr>
-            <a:xfrm>
-              <a:off x="7316849" y="-21811"/>
-              <a:ext cx="650700" cy="300900"/>
-            </a:xfrm>
-            <a:prstGeom prst="rect">
-              <a:avLst/>
-            </a:prstGeom>
-            <a:noFill/>
-            <a:ln>
-              <a:noFill/>
-            </a:ln>
-          </p:spPr>
-          <p:txBody>
-            <a:bodyPr spcFirstLastPara="1" wrap="square" lIns="91425" tIns="91425" rIns="91425" bIns="91425" anchor="t" anchorCtr="0">
-              <a:noAutofit/>
-            </a:bodyPr>
-            <a:lstStyle/>
-            <a:p>
-              <a:pPr marL="0" marR="0" lvl="0" indent="0" algn="l" rtl="0">
-                <a:lnSpc>
-                  <a:spcPct val="100000"/>
-                </a:lnSpc>
-                <a:spcBef>
-                  <a:spcPts val="0"/>
-                </a:spcBef>
-                <a:spcAft>
-                  <a:spcPts val="0"/>
-                </a:spcAft>
-                <a:buClr>
-                  <a:srgbClr val="000000"/>
-                </a:buClr>
-                <a:buSzPts val="1400"/>
-                <a:buFont typeface="Arial"/>
-                <a:buNone/>
-              </a:pPr>
-              <a:r>
-                <a:rPr lang="en-US" sz="1400" b="0" i="0" u="none" strike="noStrike" cap="none" dirty="0">
-                  <a:solidFill>
-                    <a:srgbClr val="000000"/>
-                  </a:solidFill>
-                  <a:latin typeface="Arial"/>
-                  <a:ea typeface="Arial"/>
-                  <a:cs typeface="Arial"/>
-                  <a:sym typeface="Arial"/>
-                </a:rPr>
-                <a:t>YES</a:t>
-              </a:r>
-              <a:endParaRPr sz="1400" b="0" i="0" u="none" strike="noStrike" cap="none" dirty="0">
-                <a:solidFill>
-                  <a:srgbClr val="000000"/>
-                </a:solidFill>
-                <a:latin typeface="Arial"/>
-                <a:ea typeface="Arial"/>
-                <a:cs typeface="Arial"/>
-                <a:sym typeface="Arial"/>
-              </a:endParaRPr>
-            </a:p>
-          </p:txBody>
-        </p:sp>
-        <p:sp>
-          <p:nvSpPr>
-            <p:cNvPr id="37" name="Google Shape;90;p4">
-              <a:extLst>
-                <a:ext uri="{FF2B5EF4-FFF2-40B4-BE49-F238E27FC236}">
-                  <a16:creationId xmlns:a16="http://schemas.microsoft.com/office/drawing/2014/main" id="{0AFA4C06-D341-434D-A5B7-97C283E48D43}"/>
-                </a:ext>
-              </a:extLst>
-            </p:cNvPr>
-            <p:cNvSpPr/>
-            <p:nvPr/>
-          </p:nvSpPr>
-          <p:spPr>
-            <a:xfrm>
-              <a:off x="4086875" y="559949"/>
-              <a:ext cx="969900" cy="497400"/>
-            </a:xfrm>
-            <a:prstGeom prst="roundRect">
-              <a:avLst>
-                <a:gd name="adj" fmla="val 16667"/>
-              </a:avLst>
-            </a:prstGeom>
-            <a:solidFill>
-              <a:schemeClr val="lt2"/>
-            </a:solidFill>
-            <a:ln w="9525" cap="flat" cmpd="sng">
-              <a:solidFill>
-                <a:schemeClr val="dk2"/>
-              </a:solidFill>
-              <a:prstDash val="solid"/>
-              <a:round/>
-              <a:headEnd type="none" w="sm" len="sm"/>
-              <a:tailEnd type="none" w="sm" len="sm"/>
-            </a:ln>
-          </p:spPr>
-          <p:txBody>
-            <a:bodyPr spcFirstLastPara="1" wrap="square" lIns="91425" tIns="91425" rIns="91425" bIns="91425" anchor="ctr" anchorCtr="0">
-              <a:noAutofit/>
-            </a:bodyPr>
-            <a:lstStyle/>
-            <a:p>
-              <a:pPr marL="0" marR="0" lvl="0" indent="0" algn="l" rtl="0">
-                <a:lnSpc>
-                  <a:spcPct val="100000"/>
-                </a:lnSpc>
-                <a:spcBef>
-                  <a:spcPts val="0"/>
-                </a:spcBef>
-                <a:spcAft>
-                  <a:spcPts val="0"/>
-                </a:spcAft>
-                <a:buClr>
-                  <a:srgbClr val="000000"/>
-                </a:buClr>
-                <a:buSzPts val="1400"/>
-                <a:buFont typeface="Arial"/>
-                <a:buNone/>
-              </a:pPr>
-              <a:r>
-                <a:rPr lang="en-US" sz="1400" b="0" i="0" u="none" strike="noStrike" cap="none" dirty="0">
-                  <a:solidFill>
-                    <a:srgbClr val="000000"/>
-                  </a:solidFill>
-                  <a:latin typeface="Arial"/>
-                  <a:ea typeface="Arial"/>
-                  <a:cs typeface="Arial"/>
-                  <a:sym typeface="Arial"/>
-                </a:rPr>
-                <a:t>Ready</a:t>
-              </a:r>
-              <a:endParaRPr sz="1400" b="0" i="0" u="none" strike="noStrike" cap="none" dirty="0">
-                <a:solidFill>
-                  <a:srgbClr val="000000"/>
-                </a:solidFill>
-                <a:latin typeface="Arial"/>
-                <a:ea typeface="Arial"/>
-                <a:cs typeface="Arial"/>
-                <a:sym typeface="Arial"/>
-              </a:endParaRPr>
-            </a:p>
-            <a:p>
-              <a:pPr marL="0" marR="0" lvl="0" indent="0" algn="l" rtl="0">
-                <a:lnSpc>
-                  <a:spcPct val="100000"/>
-                </a:lnSpc>
-                <a:spcBef>
-                  <a:spcPts val="0"/>
-                </a:spcBef>
-                <a:spcAft>
-                  <a:spcPts val="0"/>
-                </a:spcAft>
-                <a:buClr>
-                  <a:srgbClr val="000000"/>
-                </a:buClr>
-                <a:buSzPts val="1400"/>
-                <a:buFont typeface="Arial"/>
-                <a:buNone/>
-              </a:pPr>
-              <a:r>
-                <a:rPr lang="en-US" sz="1400" b="0" i="0" u="none" strike="noStrike" cap="none" dirty="0">
-                  <a:solidFill>
-                    <a:srgbClr val="000000"/>
-                  </a:solidFill>
-                  <a:latin typeface="Arial"/>
-                  <a:ea typeface="Arial"/>
-                  <a:cs typeface="Arial"/>
-                  <a:sym typeface="Arial"/>
-                </a:rPr>
-                <a:t>Interface</a:t>
-              </a:r>
-              <a:endParaRPr sz="1400" b="0" i="0" u="none" strike="noStrike" cap="none" dirty="0">
-                <a:solidFill>
-                  <a:srgbClr val="000000"/>
-                </a:solidFill>
-                <a:latin typeface="Arial"/>
-                <a:ea typeface="Arial"/>
-                <a:cs typeface="Arial"/>
-                <a:sym typeface="Arial"/>
-              </a:endParaRPr>
-            </a:p>
-          </p:txBody>
-        </p:sp>
-        <p:sp>
-          <p:nvSpPr>
-            <p:cNvPr id="55" name="Google Shape;90;p4">
-              <a:extLst>
-                <a:ext uri="{FF2B5EF4-FFF2-40B4-BE49-F238E27FC236}">
-                  <a16:creationId xmlns:a16="http://schemas.microsoft.com/office/drawing/2014/main" id="{004B3840-3A13-4018-BA14-C47829323125}"/>
-                </a:ext>
-              </a:extLst>
-            </p:cNvPr>
-            <p:cNvSpPr/>
-            <p:nvPr/>
-          </p:nvSpPr>
-          <p:spPr>
-            <a:xfrm>
-              <a:off x="8117975" y="891405"/>
-              <a:ext cx="969900" cy="497400"/>
-            </a:xfrm>
-            <a:prstGeom prst="roundRect">
-              <a:avLst>
-                <a:gd name="adj" fmla="val 16667"/>
-              </a:avLst>
-            </a:prstGeom>
-            <a:solidFill>
-              <a:srgbClr val="FFC000"/>
-            </a:solidFill>
-            <a:ln w="9525" cap="flat" cmpd="sng">
-              <a:solidFill>
-                <a:schemeClr val="dk2"/>
-              </a:solidFill>
-              <a:prstDash val="solid"/>
-              <a:round/>
-              <a:headEnd type="none" w="sm" len="sm"/>
-              <a:tailEnd type="none" w="sm" len="sm"/>
-            </a:ln>
-          </p:spPr>
-          <p:txBody>
-            <a:bodyPr spcFirstLastPara="1" wrap="square" lIns="91425" tIns="91425" rIns="91425" bIns="91425" anchor="ctr" anchorCtr="0">
-              <a:noAutofit/>
-            </a:bodyPr>
-            <a:lstStyle/>
-            <a:p>
-              <a:pPr marL="0" marR="0" lvl="0" indent="0" algn="l" rtl="0">
-                <a:lnSpc>
-                  <a:spcPct val="100000"/>
-                </a:lnSpc>
-                <a:spcBef>
-                  <a:spcPts val="0"/>
-                </a:spcBef>
-                <a:spcAft>
-                  <a:spcPts val="0"/>
-                </a:spcAft>
-                <a:buClr>
-                  <a:srgbClr val="000000"/>
-                </a:buClr>
-                <a:buSzPts val="1400"/>
-                <a:buFont typeface="Arial"/>
-                <a:buNone/>
-              </a:pPr>
-              <a:r>
-                <a:rPr lang="en-US" sz="1400" b="0" i="0" u="none" strike="noStrike" cap="none" dirty="0">
-                  <a:solidFill>
-                    <a:srgbClr val="000000"/>
-                  </a:solidFill>
-                  <a:latin typeface="Arial"/>
-                  <a:ea typeface="Arial"/>
-                  <a:cs typeface="Arial"/>
-                  <a:sym typeface="Arial"/>
-                </a:rPr>
-                <a:t>Error</a:t>
-              </a:r>
-              <a:endParaRPr sz="1400" b="0" i="0" u="none" strike="noStrike" cap="none" dirty="0">
-                <a:solidFill>
-                  <a:srgbClr val="000000"/>
-                </a:solidFill>
-                <a:latin typeface="Arial"/>
-                <a:ea typeface="Arial"/>
-                <a:cs typeface="Arial"/>
-                <a:sym typeface="Arial"/>
-              </a:endParaRPr>
-            </a:p>
-            <a:p>
-              <a:pPr marL="0" marR="0" lvl="0" indent="0" algn="l" rtl="0">
-                <a:lnSpc>
-                  <a:spcPct val="100000"/>
-                </a:lnSpc>
-                <a:spcBef>
-                  <a:spcPts val="0"/>
-                </a:spcBef>
-                <a:spcAft>
-                  <a:spcPts val="0"/>
-                </a:spcAft>
-                <a:buClr>
-                  <a:srgbClr val="000000"/>
-                </a:buClr>
-                <a:buSzPts val="1400"/>
-                <a:buFont typeface="Arial"/>
-                <a:buNone/>
-              </a:pPr>
-              <a:r>
-                <a:rPr lang="en-US" sz="1400" b="0" i="0" u="none" strike="noStrike" cap="none" dirty="0">
-                  <a:solidFill>
-                    <a:srgbClr val="000000"/>
-                  </a:solidFill>
-                  <a:latin typeface="Arial"/>
-                  <a:ea typeface="Arial"/>
-                  <a:cs typeface="Arial"/>
-                  <a:sym typeface="Arial"/>
-                </a:rPr>
-                <a:t>Interface</a:t>
-              </a:r>
-              <a:endParaRPr sz="1400" b="0" i="0" u="none" strike="noStrike" cap="none" dirty="0">
-                <a:solidFill>
-                  <a:srgbClr val="000000"/>
-                </a:solidFill>
-                <a:latin typeface="Arial"/>
-                <a:ea typeface="Arial"/>
-                <a:cs typeface="Arial"/>
-                <a:sym typeface="Arial"/>
-              </a:endParaRPr>
-            </a:p>
-          </p:txBody>
-        </p:sp>
-        <p:cxnSp>
-          <p:nvCxnSpPr>
-            <p:cNvPr id="32" name="Connector: Elbow 31">
-              <a:extLst>
-                <a:ext uri="{FF2B5EF4-FFF2-40B4-BE49-F238E27FC236}">
-                  <a16:creationId xmlns:a16="http://schemas.microsoft.com/office/drawing/2014/main" id="{3B7AD163-412E-4AA9-9B17-5E208DE15A65}"/>
-                </a:ext>
-              </a:extLst>
-            </p:cNvPr>
-            <p:cNvCxnSpPr>
-              <a:stCxn id="99" idx="0"/>
-              <a:endCxn id="55" idx="0"/>
-            </p:cNvCxnSpPr>
-            <p:nvPr/>
-          </p:nvCxnSpPr>
-          <p:spPr>
-            <a:xfrm rot="16200000" flipH="1">
-              <a:off x="7316340" y="-395180"/>
-              <a:ext cx="377257" cy="2195912"/>
-            </a:xfrm>
-            <a:prstGeom prst="bentConnector3">
-              <a:avLst>
-                <a:gd name="adj1" fmla="val -60595"/>
-              </a:avLst>
-            </a:prstGeom>
-            <a:ln>
-              <a:tailEnd type="triangle"/>
-            </a:ln>
-          </p:spPr>
-          <p:style>
-            <a:lnRef idx="1">
-              <a:schemeClr val="dk1"/>
-            </a:lnRef>
-            <a:fillRef idx="0">
-              <a:schemeClr val="dk1"/>
-            </a:fillRef>
-            <a:effectRef idx="0">
-              <a:schemeClr val="dk1"/>
-            </a:effectRef>
-            <a:fontRef idx="minor">
-              <a:schemeClr val="tx1"/>
-            </a:fontRef>
-          </p:style>
-        </p:cxnSp>
-        <p:sp>
-          <p:nvSpPr>
-            <p:cNvPr id="63" name="Google Shape;99;p4">
-              <a:extLst>
-                <a:ext uri="{FF2B5EF4-FFF2-40B4-BE49-F238E27FC236}">
-                  <a16:creationId xmlns:a16="http://schemas.microsoft.com/office/drawing/2014/main" id="{12F9CA5A-6375-4895-847A-B480813EA95D}"/>
-                </a:ext>
-              </a:extLst>
-            </p:cNvPr>
-            <p:cNvSpPr/>
-            <p:nvPr/>
-          </p:nvSpPr>
-          <p:spPr>
-            <a:xfrm>
-              <a:off x="5502351" y="1649037"/>
-              <a:ext cx="1829823" cy="614425"/>
-            </a:xfrm>
-            <a:prstGeom prst="flowChartDecision">
-              <a:avLst/>
-            </a:prstGeom>
-            <a:solidFill>
-              <a:schemeClr val="lt1"/>
-            </a:solidFill>
-            <a:ln w="9525" cap="flat" cmpd="sng">
-              <a:solidFill>
-                <a:schemeClr val="dk2"/>
-              </a:solidFill>
-              <a:prstDash val="solid"/>
-              <a:round/>
-              <a:headEnd type="none" w="sm" len="sm"/>
-              <a:tailEnd type="none" w="sm" len="sm"/>
-            </a:ln>
-          </p:spPr>
-          <p:txBody>
-            <a:bodyPr spcFirstLastPara="1" wrap="square" lIns="91425" tIns="91425" rIns="91425" bIns="91425" anchor="ctr" anchorCtr="0">
-              <a:noAutofit/>
-            </a:bodyPr>
-            <a:lstStyle/>
-            <a:p>
-              <a:pPr marL="0" marR="0" lvl="0" indent="0" algn="l" rtl="0">
-                <a:lnSpc>
-                  <a:spcPct val="100000"/>
-                </a:lnSpc>
-                <a:spcBef>
-                  <a:spcPts val="0"/>
-                </a:spcBef>
-                <a:spcAft>
-                  <a:spcPts val="0"/>
-                </a:spcAft>
-                <a:buClr>
-                  <a:srgbClr val="000000"/>
-                </a:buClr>
-                <a:buSzPts val="1200"/>
-                <a:buFont typeface="Arial"/>
-                <a:buNone/>
-              </a:pPr>
-              <a:r>
-                <a:rPr lang="en-US" sz="1200" i="0" u="none" strike="noStrike" cap="none" dirty="0">
-                  <a:solidFill>
-                    <a:srgbClr val="000000"/>
-                  </a:solidFill>
-                  <a:latin typeface="Arial"/>
-                  <a:ea typeface="Arial"/>
-                  <a:cs typeface="Arial"/>
-                  <a:sym typeface="Arial"/>
-                </a:rPr>
-                <a:t>Overdue Reach Time</a:t>
-              </a:r>
-              <a:endParaRPr sz="1200" i="0" u="none" strike="noStrike" cap="none" dirty="0">
-                <a:solidFill>
-                  <a:srgbClr val="000000"/>
-                </a:solidFill>
-                <a:latin typeface="Arial"/>
-                <a:ea typeface="Arial"/>
-                <a:cs typeface="Arial"/>
-                <a:sym typeface="Arial"/>
-              </a:endParaRPr>
-            </a:p>
-          </p:txBody>
-        </p:sp>
-        <p:cxnSp>
-          <p:nvCxnSpPr>
-            <p:cNvPr id="34" name="Straight Arrow Connector 33">
-              <a:extLst>
-                <a:ext uri="{FF2B5EF4-FFF2-40B4-BE49-F238E27FC236}">
-                  <a16:creationId xmlns:a16="http://schemas.microsoft.com/office/drawing/2014/main" id="{DFFCA59B-C6AE-42E7-91BE-7D19060098D7}"/>
-                </a:ext>
-              </a:extLst>
-            </p:cNvPr>
-            <p:cNvCxnSpPr>
-              <a:stCxn id="99" idx="2"/>
-              <a:endCxn id="63" idx="0"/>
-            </p:cNvCxnSpPr>
-            <p:nvPr/>
-          </p:nvCxnSpPr>
-          <p:spPr>
-            <a:xfrm>
-              <a:off x="6407013" y="1128573"/>
-              <a:ext cx="10250" cy="520464"/>
-            </a:xfrm>
-            <a:prstGeom prst="straightConnector1">
-              <a:avLst/>
-            </a:prstGeom>
-            <a:ln>
-              <a:tailEnd type="triangle"/>
-            </a:ln>
-          </p:spPr>
-          <p:style>
-            <a:lnRef idx="1">
-              <a:schemeClr val="dk1"/>
-            </a:lnRef>
-            <a:fillRef idx="0">
-              <a:schemeClr val="dk1"/>
-            </a:fillRef>
-            <a:effectRef idx="0">
-              <a:schemeClr val="dk1"/>
-            </a:effectRef>
-            <a:fontRef idx="minor">
-              <a:schemeClr val="tx1"/>
-            </a:fontRef>
-          </p:style>
-        </p:cxnSp>
-        <p:sp>
-          <p:nvSpPr>
-            <p:cNvPr id="67" name="Google Shape;98;p4">
-              <a:extLst>
-                <a:ext uri="{FF2B5EF4-FFF2-40B4-BE49-F238E27FC236}">
-                  <a16:creationId xmlns:a16="http://schemas.microsoft.com/office/drawing/2014/main" id="{1F1AB223-0B39-4BAF-8D27-35F7688C1F0F}"/>
-                </a:ext>
-              </a:extLst>
-            </p:cNvPr>
-            <p:cNvSpPr txBox="1"/>
-            <p:nvPr/>
-          </p:nvSpPr>
-          <p:spPr>
-            <a:xfrm>
-              <a:off x="6370095" y="1129325"/>
-              <a:ext cx="650700" cy="300900"/>
-            </a:xfrm>
-            <a:prstGeom prst="rect">
-              <a:avLst/>
-            </a:prstGeom>
-            <a:noFill/>
-            <a:ln>
-              <a:noFill/>
-            </a:ln>
-          </p:spPr>
-          <p:txBody>
-            <a:bodyPr spcFirstLastPara="1" wrap="square" lIns="91425" tIns="91425" rIns="91425" bIns="91425" anchor="t" anchorCtr="0">
-              <a:noAutofit/>
-            </a:bodyPr>
-            <a:lstStyle/>
-            <a:p>
-              <a:pPr marL="0" marR="0" lvl="0" indent="0" algn="l" rtl="0">
-                <a:lnSpc>
-                  <a:spcPct val="100000"/>
-                </a:lnSpc>
-                <a:spcBef>
-                  <a:spcPts val="0"/>
-                </a:spcBef>
-                <a:spcAft>
-                  <a:spcPts val="0"/>
-                </a:spcAft>
-                <a:buClr>
-                  <a:srgbClr val="000000"/>
-                </a:buClr>
-                <a:buSzPts val="1400"/>
-                <a:buFont typeface="Arial"/>
-                <a:buNone/>
-              </a:pPr>
-              <a:r>
-                <a:rPr lang="en-US" sz="1200" b="0" i="0" u="none" strike="noStrike" cap="none" dirty="0">
-                  <a:solidFill>
-                    <a:srgbClr val="000000"/>
-                  </a:solidFill>
-                  <a:latin typeface="Arial"/>
-                  <a:ea typeface="Arial"/>
-                  <a:cs typeface="Arial"/>
-                  <a:sym typeface="Arial"/>
-                </a:rPr>
-                <a:t>NO</a:t>
-              </a:r>
-              <a:endParaRPr sz="1200" b="0" i="0" u="none" strike="noStrike" cap="none" dirty="0">
-                <a:solidFill>
-                  <a:srgbClr val="000000"/>
-                </a:solidFill>
-                <a:latin typeface="Arial"/>
-                <a:ea typeface="Arial"/>
-                <a:cs typeface="Arial"/>
-                <a:sym typeface="Arial"/>
-              </a:endParaRPr>
-            </a:p>
-          </p:txBody>
-        </p:sp>
-        <p:cxnSp>
-          <p:nvCxnSpPr>
-            <p:cNvPr id="40" name="Connector: Elbow 39">
-              <a:extLst>
-                <a:ext uri="{FF2B5EF4-FFF2-40B4-BE49-F238E27FC236}">
-                  <a16:creationId xmlns:a16="http://schemas.microsoft.com/office/drawing/2014/main" id="{C85D66A8-2B1B-4230-8FD6-3021401860EF}"/>
-                </a:ext>
-              </a:extLst>
-            </p:cNvPr>
-            <p:cNvCxnSpPr>
-              <a:stCxn id="63" idx="3"/>
-              <a:endCxn id="55" idx="2"/>
-            </p:cNvCxnSpPr>
-            <p:nvPr/>
-          </p:nvCxnSpPr>
-          <p:spPr>
-            <a:xfrm flipV="1">
-              <a:off x="7332174" y="1388805"/>
-              <a:ext cx="1270751" cy="567445"/>
-            </a:xfrm>
-            <a:prstGeom prst="bentConnector2">
-              <a:avLst/>
-            </a:prstGeom>
-            <a:ln>
-              <a:tailEnd type="triangle"/>
-            </a:ln>
-          </p:spPr>
-          <p:style>
-            <a:lnRef idx="1">
-              <a:schemeClr val="dk1"/>
-            </a:lnRef>
-            <a:fillRef idx="0">
-              <a:schemeClr val="dk1"/>
-            </a:fillRef>
-            <a:effectRef idx="0">
-              <a:schemeClr val="dk1"/>
-            </a:effectRef>
-            <a:fontRef idx="minor">
-              <a:schemeClr val="tx1"/>
-            </a:fontRef>
-          </p:style>
-        </p:cxnSp>
-        <p:sp>
-          <p:nvSpPr>
-            <p:cNvPr id="72" name="Google Shape;104;p4">
-              <a:extLst>
-                <a:ext uri="{FF2B5EF4-FFF2-40B4-BE49-F238E27FC236}">
-                  <a16:creationId xmlns:a16="http://schemas.microsoft.com/office/drawing/2014/main" id="{FEEAB3F4-1E7A-4CA5-A8F2-72972013B863}"/>
-                </a:ext>
-              </a:extLst>
-            </p:cNvPr>
-            <p:cNvSpPr txBox="1"/>
-            <p:nvPr/>
-          </p:nvSpPr>
-          <p:spPr>
-            <a:xfrm>
-              <a:off x="7231119" y="1672527"/>
-              <a:ext cx="650700" cy="300900"/>
-            </a:xfrm>
-            <a:prstGeom prst="rect">
-              <a:avLst/>
-            </a:prstGeom>
-            <a:noFill/>
-            <a:ln>
-              <a:noFill/>
-            </a:ln>
-          </p:spPr>
-          <p:txBody>
-            <a:bodyPr spcFirstLastPara="1" wrap="square" lIns="91425" tIns="91425" rIns="91425" bIns="91425" anchor="t" anchorCtr="0">
-              <a:noAutofit/>
-            </a:bodyPr>
-            <a:lstStyle/>
-            <a:p>
-              <a:pPr marL="0" marR="0" lvl="0" indent="0" algn="l" rtl="0">
-                <a:lnSpc>
-                  <a:spcPct val="100000"/>
-                </a:lnSpc>
-                <a:spcBef>
-                  <a:spcPts val="0"/>
-                </a:spcBef>
-                <a:spcAft>
-                  <a:spcPts val="0"/>
-                </a:spcAft>
-                <a:buClr>
-                  <a:srgbClr val="000000"/>
-                </a:buClr>
-                <a:buSzPts val="1400"/>
-                <a:buFont typeface="Arial"/>
-                <a:buNone/>
-              </a:pPr>
-              <a:r>
-                <a:rPr lang="en-US" sz="1400" b="0" i="0" u="none" strike="noStrike" cap="none" dirty="0">
-                  <a:solidFill>
-                    <a:srgbClr val="000000"/>
-                  </a:solidFill>
-                  <a:latin typeface="Arial"/>
-                  <a:ea typeface="Arial"/>
-                  <a:cs typeface="Arial"/>
-                  <a:sym typeface="Arial"/>
-                </a:rPr>
-                <a:t>YES</a:t>
-              </a:r>
-              <a:endParaRPr sz="1400" b="0" i="0" u="none" strike="noStrike" cap="none" dirty="0">
-                <a:solidFill>
-                  <a:srgbClr val="000000"/>
-                </a:solidFill>
-                <a:latin typeface="Arial"/>
-                <a:ea typeface="Arial"/>
-                <a:cs typeface="Arial"/>
-                <a:sym typeface="Arial"/>
-              </a:endParaRPr>
-            </a:p>
-          </p:txBody>
-        </p:sp>
-        <p:sp>
-          <p:nvSpPr>
-            <p:cNvPr id="73" name="Google Shape;98;p4">
-              <a:extLst>
-                <a:ext uri="{FF2B5EF4-FFF2-40B4-BE49-F238E27FC236}">
-                  <a16:creationId xmlns:a16="http://schemas.microsoft.com/office/drawing/2014/main" id="{A7836F35-7606-4ED9-B652-A8559DC65BC0}"/>
-                </a:ext>
-              </a:extLst>
-            </p:cNvPr>
-            <p:cNvSpPr txBox="1"/>
-            <p:nvPr/>
-          </p:nvSpPr>
-          <p:spPr>
-            <a:xfrm>
-              <a:off x="5045391" y="1664531"/>
-              <a:ext cx="650700" cy="300900"/>
-            </a:xfrm>
-            <a:prstGeom prst="rect">
-              <a:avLst/>
-            </a:prstGeom>
-            <a:noFill/>
-            <a:ln>
-              <a:noFill/>
-            </a:ln>
-          </p:spPr>
-          <p:txBody>
-            <a:bodyPr spcFirstLastPara="1" wrap="square" lIns="91425" tIns="91425" rIns="91425" bIns="91425" anchor="t" anchorCtr="0">
-              <a:noAutofit/>
-            </a:bodyPr>
-            <a:lstStyle/>
-            <a:p>
-              <a:pPr marL="0" marR="0" lvl="0" indent="0" algn="l" rtl="0">
-                <a:lnSpc>
-                  <a:spcPct val="100000"/>
-                </a:lnSpc>
-                <a:spcBef>
-                  <a:spcPts val="0"/>
-                </a:spcBef>
-                <a:spcAft>
-                  <a:spcPts val="0"/>
-                </a:spcAft>
-                <a:buClr>
-                  <a:srgbClr val="000000"/>
-                </a:buClr>
-                <a:buSzPts val="1400"/>
-                <a:buFont typeface="Arial"/>
-                <a:buNone/>
-              </a:pPr>
-              <a:r>
-                <a:rPr lang="en-US" sz="1200" b="0" i="0" u="none" strike="noStrike" cap="none" dirty="0">
-                  <a:solidFill>
-                    <a:srgbClr val="000000"/>
-                  </a:solidFill>
-                  <a:latin typeface="Arial"/>
-                  <a:ea typeface="Arial"/>
-                  <a:cs typeface="Arial"/>
-                  <a:sym typeface="Arial"/>
-                </a:rPr>
-                <a:t>NO</a:t>
-              </a:r>
-              <a:endParaRPr sz="1200" b="0" i="0" u="none" strike="noStrike" cap="none" dirty="0">
-                <a:solidFill>
-                  <a:srgbClr val="000000"/>
-                </a:solidFill>
-                <a:latin typeface="Arial"/>
-                <a:ea typeface="Arial"/>
-                <a:cs typeface="Arial"/>
-                <a:sym typeface="Arial"/>
-              </a:endParaRPr>
-            </a:p>
-          </p:txBody>
-        </p:sp>
-        <p:sp>
-          <p:nvSpPr>
-            <p:cNvPr id="74" name="Google Shape;90;p4">
-              <a:extLst>
-                <a:ext uri="{FF2B5EF4-FFF2-40B4-BE49-F238E27FC236}">
-                  <a16:creationId xmlns:a16="http://schemas.microsoft.com/office/drawing/2014/main" id="{88412EEC-0113-45AC-98C6-4AF2B03844A8}"/>
-                </a:ext>
-              </a:extLst>
-            </p:cNvPr>
-            <p:cNvSpPr/>
-            <p:nvPr/>
-          </p:nvSpPr>
-          <p:spPr>
-            <a:xfrm>
-              <a:off x="3839335" y="1724727"/>
-              <a:ext cx="969900" cy="497400"/>
-            </a:xfrm>
-            <a:prstGeom prst="roundRect">
-              <a:avLst>
-                <a:gd name="adj" fmla="val 16667"/>
-              </a:avLst>
-            </a:prstGeom>
-            <a:solidFill>
-              <a:srgbClr val="92D050"/>
-            </a:solidFill>
-            <a:ln w="9525" cap="flat" cmpd="sng">
-              <a:solidFill>
-                <a:schemeClr val="dk2"/>
-              </a:solidFill>
-              <a:prstDash val="solid"/>
-              <a:round/>
-              <a:headEnd type="none" w="sm" len="sm"/>
-              <a:tailEnd type="none" w="sm" len="sm"/>
-            </a:ln>
-          </p:spPr>
-          <p:txBody>
-            <a:bodyPr spcFirstLastPara="1" wrap="square" lIns="91425" tIns="91425" rIns="91425" bIns="91425" anchor="ctr" anchorCtr="0">
-              <a:noAutofit/>
-            </a:bodyPr>
-            <a:lstStyle/>
-            <a:p>
-              <a:pPr marL="0" marR="0" lvl="0" indent="0" algn="l" rtl="0">
-                <a:lnSpc>
-                  <a:spcPct val="100000"/>
-                </a:lnSpc>
-                <a:spcBef>
-                  <a:spcPts val="0"/>
-                </a:spcBef>
-                <a:spcAft>
-                  <a:spcPts val="0"/>
-                </a:spcAft>
-                <a:buClr>
-                  <a:srgbClr val="000000"/>
-                </a:buClr>
-                <a:buSzPts val="1400"/>
-                <a:buFont typeface="Arial"/>
-                <a:buNone/>
-              </a:pPr>
-              <a:r>
-                <a:rPr lang="en-US" sz="1400" b="0" i="0" u="none" strike="noStrike" cap="none" dirty="0">
-                  <a:solidFill>
-                    <a:srgbClr val="000000"/>
-                  </a:solidFill>
-                  <a:latin typeface="Arial"/>
-                  <a:ea typeface="Arial"/>
-                  <a:cs typeface="Arial"/>
-                  <a:sym typeface="Arial"/>
-                </a:rPr>
-                <a:t>Correct</a:t>
-              </a:r>
-              <a:endParaRPr sz="1400" b="0" i="0" u="none" strike="noStrike" cap="none" dirty="0">
-                <a:solidFill>
-                  <a:srgbClr val="000000"/>
-                </a:solidFill>
-                <a:latin typeface="Arial"/>
-                <a:ea typeface="Arial"/>
-                <a:cs typeface="Arial"/>
-                <a:sym typeface="Arial"/>
-              </a:endParaRPr>
-            </a:p>
-            <a:p>
-              <a:pPr marL="0" marR="0" lvl="0" indent="0" algn="l" rtl="0">
-                <a:lnSpc>
-                  <a:spcPct val="100000"/>
-                </a:lnSpc>
-                <a:spcBef>
-                  <a:spcPts val="0"/>
-                </a:spcBef>
-                <a:spcAft>
-                  <a:spcPts val="0"/>
-                </a:spcAft>
-                <a:buClr>
-                  <a:srgbClr val="000000"/>
-                </a:buClr>
-                <a:buSzPts val="1400"/>
-                <a:buFont typeface="Arial"/>
-                <a:buNone/>
-              </a:pPr>
-              <a:r>
-                <a:rPr lang="en-US" sz="1400" b="0" i="0" u="none" strike="noStrike" cap="none" dirty="0">
-                  <a:solidFill>
-                    <a:srgbClr val="000000"/>
-                  </a:solidFill>
-                  <a:latin typeface="Arial"/>
-                  <a:ea typeface="Arial"/>
-                  <a:cs typeface="Arial"/>
-                  <a:sym typeface="Arial"/>
-                </a:rPr>
-                <a:t>Interface</a:t>
-              </a:r>
-              <a:endParaRPr sz="1400" b="0" i="0" u="none" strike="noStrike" cap="none" dirty="0">
-                <a:solidFill>
-                  <a:srgbClr val="000000"/>
-                </a:solidFill>
-                <a:latin typeface="Arial"/>
-                <a:ea typeface="Arial"/>
-                <a:cs typeface="Arial"/>
-                <a:sym typeface="Arial"/>
-              </a:endParaRPr>
-            </a:p>
-          </p:txBody>
-        </p:sp>
-        <p:cxnSp>
-          <p:nvCxnSpPr>
-            <p:cNvPr id="42" name="Straight Arrow Connector 41">
-              <a:extLst>
-                <a:ext uri="{FF2B5EF4-FFF2-40B4-BE49-F238E27FC236}">
-                  <a16:creationId xmlns:a16="http://schemas.microsoft.com/office/drawing/2014/main" id="{9378E09A-B249-46CE-BE5E-E60C2DCCF4D2}"/>
-                </a:ext>
-              </a:extLst>
-            </p:cNvPr>
-            <p:cNvCxnSpPr>
-              <a:stCxn id="63" idx="1"/>
-              <a:endCxn id="74" idx="3"/>
-            </p:cNvCxnSpPr>
-            <p:nvPr/>
-          </p:nvCxnSpPr>
-          <p:spPr>
-            <a:xfrm flipH="1">
-              <a:off x="4809235" y="1956250"/>
-              <a:ext cx="693116" cy="17177"/>
-            </a:xfrm>
-            <a:prstGeom prst="straightConnector1">
-              <a:avLst/>
-            </a:prstGeom>
-            <a:ln>
-              <a:tailEnd type="triangle"/>
-            </a:ln>
-          </p:spPr>
-          <p:style>
-            <a:lnRef idx="1">
-              <a:schemeClr val="dk1"/>
-            </a:lnRef>
-            <a:fillRef idx="0">
-              <a:schemeClr val="dk1"/>
-            </a:fillRef>
-            <a:effectRef idx="0">
-              <a:schemeClr val="dk1"/>
-            </a:effectRef>
-            <a:fontRef idx="minor">
-              <a:schemeClr val="tx1"/>
-            </a:fontRef>
-          </p:style>
-        </p:cxnSp>
-        <p:sp>
-          <p:nvSpPr>
-            <p:cNvPr id="77" name="Google Shape;90;p4">
-              <a:extLst>
-                <a:ext uri="{FF2B5EF4-FFF2-40B4-BE49-F238E27FC236}">
-                  <a16:creationId xmlns:a16="http://schemas.microsoft.com/office/drawing/2014/main" id="{C1B35D53-B603-4A29-BFAE-9BEB1C1DBCA5}"/>
-                </a:ext>
-              </a:extLst>
-            </p:cNvPr>
-            <p:cNvSpPr/>
-            <p:nvPr/>
-          </p:nvSpPr>
-          <p:spPr>
-            <a:xfrm>
-              <a:off x="1851973" y="1728230"/>
-              <a:ext cx="1180621" cy="497400"/>
-            </a:xfrm>
-            <a:prstGeom prst="roundRect">
-              <a:avLst>
-                <a:gd name="adj" fmla="val 16667"/>
-              </a:avLst>
-            </a:prstGeom>
-            <a:solidFill>
-              <a:schemeClr val="lt2"/>
-            </a:solidFill>
-            <a:ln w="9525" cap="flat" cmpd="sng">
-              <a:solidFill>
-                <a:schemeClr val="dk2"/>
-              </a:solidFill>
-              <a:prstDash val="solid"/>
-              <a:round/>
-              <a:headEnd type="none" w="sm" len="sm"/>
-              <a:tailEnd type="none" w="sm" len="sm"/>
-            </a:ln>
-          </p:spPr>
-          <p:txBody>
-            <a:bodyPr spcFirstLastPara="1" wrap="square" lIns="91425" tIns="91425" rIns="91425" bIns="91425" anchor="ctr" anchorCtr="0">
-              <a:noAutofit/>
-            </a:bodyPr>
-            <a:lstStyle/>
-            <a:p>
-              <a:pPr marL="0" marR="0" lvl="0" indent="0" algn="l" rtl="0">
-                <a:lnSpc>
-                  <a:spcPct val="100000"/>
-                </a:lnSpc>
-                <a:spcBef>
-                  <a:spcPts val="0"/>
-                </a:spcBef>
-                <a:spcAft>
-                  <a:spcPts val="0"/>
-                </a:spcAft>
-                <a:buClr>
-                  <a:srgbClr val="000000"/>
-                </a:buClr>
-                <a:buSzPts val="1400"/>
-                <a:buFont typeface="Arial"/>
-                <a:buNone/>
-              </a:pPr>
-              <a:r>
-                <a:rPr lang="en-US" sz="1400" b="0" i="0" u="none" strike="noStrike" cap="none" dirty="0">
-                  <a:solidFill>
-                    <a:srgbClr val="000000"/>
-                  </a:solidFill>
-                  <a:latin typeface="Arial"/>
-                  <a:ea typeface="Arial"/>
-                  <a:cs typeface="Arial"/>
-                  <a:sym typeface="Arial"/>
-                </a:rPr>
-                <a:t>Wait </a:t>
-              </a:r>
-              <a:r>
-                <a:rPr lang="en-US" sz="1400" b="0" i="0" u="none" strike="noStrike" cap="none" dirty="0" err="1">
-                  <a:solidFill>
-                    <a:srgbClr val="000000"/>
-                  </a:solidFill>
-                  <a:latin typeface="Arial"/>
-                  <a:ea typeface="Arial"/>
-                  <a:cs typeface="Arial"/>
-                  <a:sym typeface="Arial"/>
-                </a:rPr>
-                <a:t>t_interTrial</a:t>
-              </a:r>
-              <a:endParaRPr sz="1400" b="0" i="0" u="none" strike="noStrike" cap="none" dirty="0">
-                <a:solidFill>
-                  <a:srgbClr val="000000"/>
-                </a:solidFill>
-                <a:latin typeface="Arial"/>
-                <a:ea typeface="Arial"/>
-                <a:cs typeface="Arial"/>
-                <a:sym typeface="Arial"/>
-              </a:endParaRPr>
-            </a:p>
-          </p:txBody>
-        </p:sp>
-        <p:cxnSp>
-          <p:nvCxnSpPr>
-            <p:cNvPr id="46" name="Connector: Elbow 45">
-              <a:extLst>
-                <a:ext uri="{FF2B5EF4-FFF2-40B4-BE49-F238E27FC236}">
-                  <a16:creationId xmlns:a16="http://schemas.microsoft.com/office/drawing/2014/main" id="{A7B6C56C-0C2F-46E6-B55C-8BF3B168B312}"/>
-                </a:ext>
-              </a:extLst>
-            </p:cNvPr>
-            <p:cNvCxnSpPr>
-              <a:stCxn id="77" idx="1"/>
-              <a:endCxn id="90" idx="2"/>
-            </p:cNvCxnSpPr>
-            <p:nvPr/>
-          </p:nvCxnSpPr>
-          <p:spPr>
-            <a:xfrm rot="10800000">
-              <a:off x="617175" y="1068576"/>
-              <a:ext cx="1234798" cy="908355"/>
-            </a:xfrm>
-            <a:prstGeom prst="bentConnector2">
-              <a:avLst/>
-            </a:prstGeom>
-            <a:ln>
-              <a:tailEnd type="triangle"/>
-            </a:ln>
-          </p:spPr>
-          <p:style>
-            <a:lnRef idx="1">
-              <a:schemeClr val="dk1"/>
-            </a:lnRef>
-            <a:fillRef idx="0">
-              <a:schemeClr val="dk1"/>
-            </a:fillRef>
-            <a:effectRef idx="0">
-              <a:schemeClr val="dk1"/>
-            </a:effectRef>
-            <a:fontRef idx="minor">
-              <a:schemeClr val="tx1"/>
-            </a:fontRef>
-          </p:style>
-        </p:cxnSp>
-        <p:cxnSp>
-          <p:nvCxnSpPr>
-            <p:cNvPr id="48" name="Straight Arrow Connector 47">
-              <a:extLst>
-                <a:ext uri="{FF2B5EF4-FFF2-40B4-BE49-F238E27FC236}">
-                  <a16:creationId xmlns:a16="http://schemas.microsoft.com/office/drawing/2014/main" id="{A6DC4E46-8BFB-4490-9A35-8193CE3CE425}"/>
-                </a:ext>
-              </a:extLst>
-            </p:cNvPr>
-            <p:cNvCxnSpPr>
-              <a:stCxn id="74" idx="1"/>
-              <a:endCxn id="77" idx="3"/>
-            </p:cNvCxnSpPr>
-            <p:nvPr/>
-          </p:nvCxnSpPr>
-          <p:spPr>
-            <a:xfrm flipH="1">
-              <a:off x="3032594" y="1973427"/>
-              <a:ext cx="806741" cy="3503"/>
-            </a:xfrm>
-            <a:prstGeom prst="straightConnector1">
-              <a:avLst/>
-            </a:prstGeom>
-            <a:ln>
-              <a:tailEnd type="triangle"/>
-            </a:ln>
-          </p:spPr>
-          <p:style>
-            <a:lnRef idx="1">
-              <a:schemeClr val="dk1"/>
-            </a:lnRef>
-            <a:fillRef idx="0">
-              <a:schemeClr val="dk1"/>
-            </a:fillRef>
-            <a:effectRef idx="0">
-              <a:schemeClr val="dk1"/>
-            </a:effectRef>
-            <a:fontRef idx="minor">
-              <a:schemeClr val="tx1"/>
-            </a:fontRef>
-          </p:style>
-        </p:cxnSp>
-      </p:grpSp>
+              <a:latin typeface="Arial"/>
+              <a:ea typeface="Arial"/>
+              <a:cs typeface="Arial"/>
+              <a:sym typeface="Arial"/>
+            </a:endParaRPr>
+          </a:p>
+        </p:txBody>
+      </p:sp>
+      <p:cxnSp>
+        <p:nvCxnSpPr>
+          <p:cNvPr id="29" name="Connector: Elbow 28">
+            <a:extLst>
+              <a:ext uri="{FF2B5EF4-FFF2-40B4-BE49-F238E27FC236}">
+                <a16:creationId xmlns:a16="http://schemas.microsoft.com/office/drawing/2014/main" id="{943EB594-4FB5-4A2F-A00B-616632D66536}"/>
+              </a:ext>
+            </a:extLst>
+          </p:cNvPr>
+          <p:cNvCxnSpPr>
+            <a:cxnSpLocks/>
+            <a:stCxn id="38" idx="3"/>
+          </p:cNvCxnSpPr>
+          <p:nvPr/>
+        </p:nvCxnSpPr>
+        <p:spPr>
+          <a:xfrm flipH="1" flipV="1">
+            <a:off x="6418273" y="1407913"/>
+            <a:ext cx="926172" cy="533811"/>
+          </a:xfrm>
+          <a:prstGeom prst="bentConnector3">
+            <a:avLst>
+              <a:gd name="adj1" fmla="val -24682"/>
+            </a:avLst>
+          </a:prstGeom>
+          <a:ln>
+            <a:tailEnd type="triangle"/>
+          </a:ln>
+        </p:spPr>
+        <p:style>
+          <a:lnRef idx="1">
+            <a:schemeClr val="dk1"/>
+          </a:lnRef>
+          <a:fillRef idx="0">
+            <a:schemeClr val="dk1"/>
+          </a:fillRef>
+          <a:effectRef idx="0">
+            <a:schemeClr val="dk1"/>
+          </a:effectRef>
+          <a:fontRef idx="minor">
+            <a:schemeClr val="tx1"/>
+          </a:fontRef>
+        </p:style>
+      </p:cxnSp>
     </p:spTree>
   </p:cSld>
   <p:clrMapOvr>

--- a/docs/source/figures/Selfpaced.pptx
+++ b/docs/source/figures/Selfpaced.pptx
@@ -8335,1386 +8335,1969 @@
           <a:chExt cx="0" cy="0"/>
         </a:xfrm>
       </p:grpSpPr>
-      <p:sp>
-        <p:nvSpPr>
-          <p:cNvPr id="90" name="Google Shape;90;p4"/>
-          <p:cNvSpPr/>
-          <p:nvPr/>
-        </p:nvSpPr>
-        <p:spPr>
-          <a:xfrm>
-            <a:off x="132225" y="571175"/>
-            <a:ext cx="969900" cy="497400"/>
-          </a:xfrm>
-          <a:prstGeom prst="roundRect">
-            <a:avLst>
-              <a:gd name="adj" fmla="val 16667"/>
-            </a:avLst>
-          </a:prstGeom>
-          <a:solidFill>
-            <a:schemeClr val="lt2"/>
-          </a:solidFill>
-          <a:ln w="9525" cap="flat" cmpd="sng">
-            <a:solidFill>
-              <a:schemeClr val="dk2"/>
-            </a:solidFill>
-            <a:prstDash val="solid"/>
-            <a:round/>
-            <a:headEnd type="none" w="sm" len="sm"/>
-            <a:tailEnd type="none" w="sm" len="sm"/>
-          </a:ln>
-        </p:spPr>
-        <p:txBody>
-          <a:bodyPr spcFirstLastPara="1" wrap="square" lIns="91425" tIns="91425" rIns="91425" bIns="91425" anchor="ctr" anchorCtr="0">
-            <a:noAutofit/>
-          </a:bodyPr>
-          <a:lstStyle/>
-          <a:p>
-            <a:pPr marL="0" marR="0" lvl="0" indent="0" algn="l" rtl="0">
-              <a:lnSpc>
-                <a:spcPct val="100000"/>
-              </a:lnSpc>
-              <a:spcBef>
-                <a:spcPts val="0"/>
-              </a:spcBef>
-              <a:spcAft>
-                <a:spcPts val="0"/>
-              </a:spcAft>
-              <a:buClr>
-                <a:srgbClr val="000000"/>
-              </a:buClr>
-              <a:buSzPts val="1400"/>
-              <a:buFont typeface="Arial"/>
-              <a:buNone/>
-            </a:pPr>
-            <a:r>
-              <a:rPr lang="en-US" sz="1400" b="0" i="0" u="none" strike="noStrike" cap="none" dirty="0" err="1">
-                <a:solidFill>
-                  <a:srgbClr val="000000"/>
-                </a:solidFill>
-                <a:latin typeface="Arial"/>
-                <a:ea typeface="Arial"/>
-                <a:cs typeface="Arial"/>
-                <a:sym typeface="Arial"/>
-              </a:rPr>
-              <a:t>WaitStart</a:t>
-            </a:r>
-            <a:r>
-              <a:rPr lang="en-US" sz="1400" b="0" i="0" u="none" strike="noStrike" cap="none" dirty="0">
-                <a:solidFill>
-                  <a:srgbClr val="000000"/>
-                </a:solidFill>
-                <a:latin typeface="Arial"/>
-                <a:ea typeface="Arial"/>
-                <a:cs typeface="Arial"/>
-                <a:sym typeface="Arial"/>
-              </a:rPr>
-              <a:t> </a:t>
-            </a:r>
-            <a:endParaRPr sz="1400" b="0" i="0" u="none" strike="noStrike" cap="none" dirty="0">
-              <a:solidFill>
-                <a:srgbClr val="000000"/>
-              </a:solidFill>
-              <a:latin typeface="Arial"/>
-              <a:ea typeface="Arial"/>
-              <a:cs typeface="Arial"/>
-              <a:sym typeface="Arial"/>
-            </a:endParaRPr>
-          </a:p>
-          <a:p>
-            <a:pPr marL="0" marR="0" lvl="0" indent="0" algn="l" rtl="0">
-              <a:lnSpc>
-                <a:spcPct val="100000"/>
-              </a:lnSpc>
-              <a:spcBef>
-                <a:spcPts val="0"/>
-              </a:spcBef>
-              <a:spcAft>
-                <a:spcPts val="0"/>
-              </a:spcAft>
-              <a:buClr>
-                <a:srgbClr val="000000"/>
-              </a:buClr>
-              <a:buSzPts val="1400"/>
-              <a:buFont typeface="Arial"/>
-              <a:buNone/>
-            </a:pPr>
-            <a:r>
-              <a:rPr lang="en-US" sz="1400" b="0" i="0" u="none" strike="noStrike" cap="none" dirty="0">
-                <a:solidFill>
-                  <a:srgbClr val="000000"/>
-                </a:solidFill>
-                <a:latin typeface="Arial"/>
-                <a:ea typeface="Arial"/>
-                <a:cs typeface="Arial"/>
-                <a:sym typeface="Arial"/>
-              </a:rPr>
-              <a:t>Interface</a:t>
-            </a:r>
-            <a:endParaRPr sz="1400" b="0" i="0" u="none" strike="noStrike" cap="none" dirty="0">
-              <a:solidFill>
-                <a:srgbClr val="000000"/>
-              </a:solidFill>
-              <a:latin typeface="Arial"/>
-              <a:ea typeface="Arial"/>
-              <a:cs typeface="Arial"/>
-              <a:sym typeface="Arial"/>
-            </a:endParaRPr>
-          </a:p>
-        </p:txBody>
-      </p:sp>
-      <p:sp>
-        <p:nvSpPr>
-          <p:cNvPr id="92" name="Google Shape;92;p4"/>
-          <p:cNvSpPr/>
-          <p:nvPr/>
-        </p:nvSpPr>
-        <p:spPr>
-          <a:xfrm>
-            <a:off x="1454300" y="595950"/>
-            <a:ext cx="2106100" cy="447850"/>
-          </a:xfrm>
-          <a:prstGeom prst="flowChartDecision">
-            <a:avLst/>
-          </a:prstGeom>
-          <a:solidFill>
-            <a:schemeClr val="lt1"/>
-          </a:solidFill>
-          <a:ln w="9525" cap="flat" cmpd="sng">
-            <a:solidFill>
-              <a:schemeClr val="dk2"/>
-            </a:solidFill>
-            <a:prstDash val="solid"/>
-            <a:round/>
-            <a:headEnd type="none" w="sm" len="sm"/>
-            <a:tailEnd type="none" w="sm" len="sm"/>
-          </a:ln>
-        </p:spPr>
-        <p:txBody>
-          <a:bodyPr spcFirstLastPara="1" wrap="square" lIns="91425" tIns="91425" rIns="91425" bIns="91425" anchor="ctr" anchorCtr="0">
-            <a:noAutofit/>
-          </a:bodyPr>
-          <a:lstStyle/>
-          <a:p>
-            <a:pPr marL="0" marR="0" lvl="0" indent="0" algn="l" rtl="0">
-              <a:lnSpc>
-                <a:spcPct val="100000"/>
-              </a:lnSpc>
-              <a:spcBef>
-                <a:spcPts val="0"/>
-              </a:spcBef>
-              <a:spcAft>
-                <a:spcPts val="0"/>
-              </a:spcAft>
-              <a:buClr>
-                <a:srgbClr val="000000"/>
-              </a:buClr>
-              <a:buSzPts val="1200"/>
-              <a:buFont typeface="Arial"/>
-              <a:buNone/>
-            </a:pPr>
-            <a:r>
-              <a:rPr lang="en-US" sz="1200" b="1" i="0" u="none" strike="noStrike" cap="none" dirty="0">
-                <a:solidFill>
-                  <a:srgbClr val="000000"/>
-                </a:solidFill>
-                <a:latin typeface="Arial"/>
-                <a:ea typeface="Arial"/>
-                <a:cs typeface="Arial"/>
-                <a:sym typeface="Arial"/>
-              </a:rPr>
-              <a:t>Touched </a:t>
-            </a:r>
-            <a:r>
-              <a:rPr lang="en-US" sz="1200" b="1" i="0" u="none" strike="noStrike" cap="none" dirty="0" err="1">
-                <a:solidFill>
-                  <a:srgbClr val="000000"/>
-                </a:solidFill>
-                <a:latin typeface="Arial"/>
-                <a:ea typeface="Arial"/>
-                <a:cs typeface="Arial"/>
-                <a:sym typeface="Arial"/>
-              </a:rPr>
-              <a:t>Startpad</a:t>
-            </a:r>
-            <a:endParaRPr sz="1200" b="1" i="0" u="none" strike="noStrike" cap="none" dirty="0">
-              <a:solidFill>
-                <a:srgbClr val="000000"/>
-              </a:solidFill>
-              <a:latin typeface="Arial"/>
-              <a:ea typeface="Arial"/>
-              <a:cs typeface="Arial"/>
-              <a:sym typeface="Arial"/>
-            </a:endParaRPr>
-          </a:p>
-        </p:txBody>
-      </p:sp>
-      <p:cxnSp>
-        <p:nvCxnSpPr>
-          <p:cNvPr id="93" name="Google Shape;93;p4"/>
-          <p:cNvCxnSpPr>
-            <a:cxnSpLocks/>
-            <a:stCxn id="90" idx="3"/>
-          </p:cNvCxnSpPr>
-          <p:nvPr/>
-        </p:nvCxnSpPr>
-        <p:spPr>
-          <a:xfrm>
-            <a:off x="1102125" y="819875"/>
-            <a:ext cx="333700" cy="0"/>
-          </a:xfrm>
-          <a:prstGeom prst="straightConnector1">
-            <a:avLst/>
-          </a:prstGeom>
-          <a:noFill/>
-          <a:ln w="9525" cap="flat" cmpd="sng">
-            <a:solidFill>
-              <a:schemeClr val="dk2"/>
-            </a:solidFill>
-            <a:prstDash val="solid"/>
-            <a:round/>
-            <a:headEnd type="none" w="sm" len="sm"/>
-            <a:tailEnd type="triangle" w="med" len="med"/>
-          </a:ln>
-        </p:spPr>
-      </p:cxnSp>
-      <p:cxnSp>
-        <p:nvCxnSpPr>
-          <p:cNvPr id="94" name="Google Shape;94;p4"/>
-          <p:cNvCxnSpPr>
-            <a:cxnSpLocks/>
-            <a:stCxn id="92" idx="3"/>
-            <a:endCxn id="37" idx="1"/>
-          </p:cNvCxnSpPr>
-          <p:nvPr/>
-        </p:nvCxnSpPr>
-        <p:spPr>
-          <a:xfrm flipV="1">
-            <a:off x="3560400" y="808649"/>
-            <a:ext cx="526475" cy="11226"/>
-          </a:xfrm>
-          <a:prstGeom prst="straightConnector1">
-            <a:avLst/>
-          </a:prstGeom>
-          <a:noFill/>
-          <a:ln w="9525" cap="flat" cmpd="sng">
-            <a:solidFill>
-              <a:schemeClr val="dk2"/>
-            </a:solidFill>
-            <a:prstDash val="solid"/>
-            <a:round/>
-            <a:headEnd type="none" w="sm" len="sm"/>
-            <a:tailEnd type="triangle" w="med" len="med"/>
-          </a:ln>
-        </p:spPr>
-      </p:cxnSp>
-      <p:sp>
-        <p:nvSpPr>
-          <p:cNvPr id="95" name="Google Shape;95;p4"/>
-          <p:cNvSpPr txBox="1"/>
-          <p:nvPr/>
-        </p:nvSpPr>
-        <p:spPr>
-          <a:xfrm>
-            <a:off x="3560400" y="518975"/>
-            <a:ext cx="650700" cy="300900"/>
-          </a:xfrm>
-          <a:prstGeom prst="rect">
-            <a:avLst/>
-          </a:prstGeom>
-          <a:noFill/>
-          <a:ln>
-            <a:noFill/>
-          </a:ln>
-        </p:spPr>
-        <p:txBody>
-          <a:bodyPr spcFirstLastPara="1" wrap="square" lIns="91425" tIns="91425" rIns="91425" bIns="91425" anchor="t" anchorCtr="0">
-            <a:noAutofit/>
-          </a:bodyPr>
-          <a:lstStyle/>
-          <a:p>
-            <a:pPr marL="0" marR="0" lvl="0" indent="0" algn="l" rtl="0">
-              <a:lnSpc>
-                <a:spcPct val="100000"/>
-              </a:lnSpc>
-              <a:spcBef>
-                <a:spcPts val="0"/>
-              </a:spcBef>
-              <a:spcAft>
-                <a:spcPts val="0"/>
-              </a:spcAft>
-              <a:buClr>
-                <a:srgbClr val="000000"/>
-              </a:buClr>
-              <a:buSzPts val="1400"/>
-              <a:buFont typeface="Arial"/>
-              <a:buNone/>
-            </a:pPr>
-            <a:r>
-              <a:rPr lang="en-US" sz="1200" i="0" u="none" strike="noStrike" cap="none" dirty="0">
-                <a:solidFill>
-                  <a:srgbClr val="000000"/>
-                </a:solidFill>
-                <a:latin typeface="Arial"/>
-                <a:ea typeface="Arial"/>
-                <a:cs typeface="Arial"/>
-                <a:sym typeface="Arial"/>
-              </a:rPr>
-              <a:t>YES</a:t>
-            </a:r>
-            <a:endParaRPr sz="1200" i="0" u="none" strike="noStrike" cap="none" dirty="0">
-              <a:solidFill>
-                <a:srgbClr val="000000"/>
-              </a:solidFill>
-              <a:latin typeface="Arial"/>
-              <a:ea typeface="Arial"/>
-              <a:cs typeface="Arial"/>
-              <a:sym typeface="Arial"/>
-            </a:endParaRPr>
-          </a:p>
-        </p:txBody>
-      </p:sp>
-      <p:cxnSp>
-        <p:nvCxnSpPr>
-          <p:cNvPr id="96" name="Google Shape;96;p4"/>
-          <p:cNvCxnSpPr>
-            <a:endCxn id="90" idx="0"/>
-          </p:cNvCxnSpPr>
-          <p:nvPr/>
-        </p:nvCxnSpPr>
-        <p:spPr>
-          <a:xfrm flipH="1">
-            <a:off x="617175" y="332975"/>
-            <a:ext cx="12000" cy="238200"/>
-          </a:xfrm>
-          <a:prstGeom prst="straightConnector1">
-            <a:avLst/>
-          </a:prstGeom>
-          <a:noFill/>
-          <a:ln w="9525" cap="flat" cmpd="sng">
-            <a:solidFill>
-              <a:schemeClr val="dk2"/>
-            </a:solidFill>
-            <a:prstDash val="solid"/>
-            <a:round/>
-            <a:headEnd type="none" w="sm" len="sm"/>
-            <a:tailEnd type="triangle" w="med" len="med"/>
-          </a:ln>
-        </p:spPr>
-      </p:cxnSp>
-      <p:cxnSp>
-        <p:nvCxnSpPr>
-          <p:cNvPr id="97" name="Google Shape;97;p4"/>
-          <p:cNvCxnSpPr>
-            <a:cxnSpLocks/>
-            <a:stCxn id="92" idx="0"/>
-            <a:endCxn id="90" idx="0"/>
-          </p:cNvCxnSpPr>
-          <p:nvPr/>
-        </p:nvCxnSpPr>
-        <p:spPr>
-          <a:xfrm rot="16200000" flipV="1">
-            <a:off x="1549876" y="-361525"/>
-            <a:ext cx="24775" cy="1890175"/>
-          </a:xfrm>
-          <a:prstGeom prst="bentConnector3">
-            <a:avLst>
-              <a:gd name="adj1" fmla="val 1022704"/>
-            </a:avLst>
-          </a:prstGeom>
-          <a:noFill/>
-          <a:ln w="9525" cap="flat" cmpd="sng">
-            <a:solidFill>
-              <a:schemeClr val="dk2"/>
-            </a:solidFill>
-            <a:prstDash val="solid"/>
-            <a:round/>
-            <a:headEnd type="none" w="sm" len="sm"/>
-            <a:tailEnd type="none" w="sm" len="sm"/>
-          </a:ln>
-        </p:spPr>
-      </p:cxnSp>
-      <p:sp>
-        <p:nvSpPr>
-          <p:cNvPr id="98" name="Google Shape;98;p4"/>
-          <p:cNvSpPr txBox="1"/>
-          <p:nvPr/>
-        </p:nvSpPr>
-        <p:spPr>
-          <a:xfrm>
-            <a:off x="1242913" y="46349"/>
-            <a:ext cx="650700" cy="300900"/>
-          </a:xfrm>
-          <a:prstGeom prst="rect">
-            <a:avLst/>
-          </a:prstGeom>
-          <a:noFill/>
-          <a:ln>
-            <a:noFill/>
-          </a:ln>
-        </p:spPr>
-        <p:txBody>
-          <a:bodyPr spcFirstLastPara="1" wrap="square" lIns="91425" tIns="91425" rIns="91425" bIns="91425" anchor="t" anchorCtr="0">
-            <a:noAutofit/>
-          </a:bodyPr>
-          <a:lstStyle/>
-          <a:p>
-            <a:pPr marL="0" marR="0" lvl="0" indent="0" algn="l" rtl="0">
-              <a:lnSpc>
-                <a:spcPct val="100000"/>
-              </a:lnSpc>
-              <a:spcBef>
-                <a:spcPts val="0"/>
-              </a:spcBef>
-              <a:spcAft>
-                <a:spcPts val="0"/>
-              </a:spcAft>
-              <a:buClr>
-                <a:srgbClr val="000000"/>
-              </a:buClr>
-              <a:buSzPts val="1400"/>
-              <a:buFont typeface="Arial"/>
-              <a:buNone/>
-            </a:pPr>
-            <a:r>
-              <a:rPr lang="en-US" sz="1200" b="0" i="0" u="none" strike="noStrike" cap="none" dirty="0">
-                <a:solidFill>
-                  <a:srgbClr val="000000"/>
-                </a:solidFill>
-                <a:latin typeface="Arial"/>
-                <a:ea typeface="Arial"/>
-                <a:cs typeface="Arial"/>
-                <a:sym typeface="Arial"/>
-              </a:rPr>
-              <a:t>NO</a:t>
-            </a:r>
-            <a:endParaRPr sz="1200" b="0" i="0" u="none" strike="noStrike" cap="none" dirty="0">
-              <a:solidFill>
-                <a:srgbClr val="000000"/>
-              </a:solidFill>
-              <a:latin typeface="Arial"/>
-              <a:ea typeface="Arial"/>
-              <a:cs typeface="Arial"/>
-              <a:sym typeface="Arial"/>
-            </a:endParaRPr>
-          </a:p>
-        </p:txBody>
-      </p:sp>
-      <p:sp>
-        <p:nvSpPr>
-          <p:cNvPr id="99" name="Google Shape;99;p4"/>
-          <p:cNvSpPr/>
-          <p:nvPr/>
-        </p:nvSpPr>
-        <p:spPr>
-          <a:xfrm>
-            <a:off x="5492101" y="514148"/>
-            <a:ext cx="1829823" cy="614425"/>
-          </a:xfrm>
-          <a:prstGeom prst="flowChartDecision">
-            <a:avLst/>
-          </a:prstGeom>
-          <a:solidFill>
-            <a:schemeClr val="lt1"/>
-          </a:solidFill>
-          <a:ln w="9525" cap="flat" cmpd="sng">
-            <a:solidFill>
-              <a:schemeClr val="dk2"/>
-            </a:solidFill>
-            <a:prstDash val="solid"/>
-            <a:round/>
-            <a:headEnd type="none" w="sm" len="sm"/>
-            <a:tailEnd type="none" w="sm" len="sm"/>
-          </a:ln>
-        </p:spPr>
-        <p:txBody>
-          <a:bodyPr spcFirstLastPara="1" wrap="square" lIns="91425" tIns="91425" rIns="91425" bIns="91425" anchor="ctr" anchorCtr="0">
-            <a:noAutofit/>
-          </a:bodyPr>
-          <a:lstStyle/>
-          <a:p>
-            <a:pPr marL="0" marR="0" lvl="0" indent="0" algn="l" rtl="0">
-              <a:lnSpc>
-                <a:spcPct val="100000"/>
-              </a:lnSpc>
-              <a:spcBef>
-                <a:spcPts val="0"/>
-              </a:spcBef>
-              <a:spcAft>
-                <a:spcPts val="0"/>
-              </a:spcAft>
-              <a:buClr>
-                <a:srgbClr val="000000"/>
-              </a:buClr>
-              <a:buSzPts val="1200"/>
-              <a:buFont typeface="Arial"/>
-              <a:buNone/>
-            </a:pPr>
-            <a:r>
-              <a:rPr lang="en-US" sz="1200" i="0" u="none" strike="noStrike" cap="none" dirty="0">
-                <a:solidFill>
-                  <a:srgbClr val="000000"/>
-                </a:solidFill>
-                <a:latin typeface="Arial"/>
-                <a:ea typeface="Arial"/>
-                <a:cs typeface="Arial"/>
-                <a:sym typeface="Arial"/>
-              </a:rPr>
-              <a:t>Not </a:t>
-            </a:r>
-            <a:r>
-              <a:rPr lang="en-US" sz="1200" dirty="0"/>
-              <a:t>Enough Hold </a:t>
-            </a:r>
-            <a:r>
-              <a:rPr lang="en-US" sz="1200" i="0" u="none" strike="noStrike" cap="none" dirty="0">
-                <a:solidFill>
-                  <a:srgbClr val="000000"/>
-                </a:solidFill>
-                <a:latin typeface="Arial"/>
-                <a:ea typeface="Arial"/>
-                <a:cs typeface="Arial"/>
-                <a:sym typeface="Arial"/>
-              </a:rPr>
-              <a:t>Time</a:t>
-            </a:r>
-            <a:endParaRPr sz="1200" i="0" u="none" strike="noStrike" cap="none" dirty="0">
-              <a:solidFill>
-                <a:srgbClr val="000000"/>
-              </a:solidFill>
-              <a:latin typeface="Arial"/>
-              <a:ea typeface="Arial"/>
-              <a:cs typeface="Arial"/>
-              <a:sym typeface="Arial"/>
-            </a:endParaRPr>
-          </a:p>
-        </p:txBody>
-      </p:sp>
-      <p:cxnSp>
-        <p:nvCxnSpPr>
-          <p:cNvPr id="100" name="Google Shape;100;p4"/>
-          <p:cNvCxnSpPr>
-            <a:cxnSpLocks/>
-            <a:stCxn id="37" idx="3"/>
-            <a:endCxn id="99" idx="1"/>
-          </p:cNvCxnSpPr>
-          <p:nvPr/>
-        </p:nvCxnSpPr>
-        <p:spPr>
-          <a:xfrm>
-            <a:off x="5056775" y="808649"/>
-            <a:ext cx="435326" cy="12712"/>
-          </a:xfrm>
-          <a:prstGeom prst="straightConnector1">
-            <a:avLst/>
-          </a:prstGeom>
-          <a:noFill/>
-          <a:ln w="9525" cap="flat" cmpd="sng">
-            <a:solidFill>
-              <a:schemeClr val="dk2"/>
-            </a:solidFill>
-            <a:prstDash val="solid"/>
-            <a:round/>
-            <a:headEnd type="none" w="sm" len="sm"/>
-            <a:tailEnd type="triangle" w="med" len="med"/>
-          </a:ln>
-        </p:spPr>
-      </p:cxnSp>
-      <p:sp>
-        <p:nvSpPr>
-          <p:cNvPr id="104" name="Google Shape;104;p4"/>
-          <p:cNvSpPr txBox="1"/>
-          <p:nvPr/>
-        </p:nvSpPr>
-        <p:spPr>
-          <a:xfrm>
-            <a:off x="7316849" y="-21811"/>
-            <a:ext cx="650700" cy="300900"/>
-          </a:xfrm>
-          <a:prstGeom prst="rect">
-            <a:avLst/>
-          </a:prstGeom>
-          <a:noFill/>
-          <a:ln>
-            <a:noFill/>
-          </a:ln>
-        </p:spPr>
-        <p:txBody>
-          <a:bodyPr spcFirstLastPara="1" wrap="square" lIns="91425" tIns="91425" rIns="91425" bIns="91425" anchor="t" anchorCtr="0">
-            <a:noAutofit/>
-          </a:bodyPr>
-          <a:lstStyle/>
-          <a:p>
-            <a:pPr marL="0" marR="0" lvl="0" indent="0" algn="l" rtl="0">
-              <a:lnSpc>
-                <a:spcPct val="100000"/>
-              </a:lnSpc>
-              <a:spcBef>
-                <a:spcPts val="0"/>
-              </a:spcBef>
-              <a:spcAft>
-                <a:spcPts val="0"/>
-              </a:spcAft>
-              <a:buClr>
-                <a:srgbClr val="000000"/>
-              </a:buClr>
-              <a:buSzPts val="1400"/>
-              <a:buFont typeface="Arial"/>
-              <a:buNone/>
-            </a:pPr>
-            <a:r>
-              <a:rPr lang="en-US" sz="1400" b="0" i="0" u="none" strike="noStrike" cap="none" dirty="0">
-                <a:solidFill>
-                  <a:srgbClr val="000000"/>
-                </a:solidFill>
-                <a:latin typeface="Arial"/>
-                <a:ea typeface="Arial"/>
-                <a:cs typeface="Arial"/>
-                <a:sym typeface="Arial"/>
-              </a:rPr>
-              <a:t>YES</a:t>
-            </a:r>
-            <a:endParaRPr sz="1400" b="0" i="0" u="none" strike="noStrike" cap="none" dirty="0">
-              <a:solidFill>
-                <a:srgbClr val="000000"/>
-              </a:solidFill>
-              <a:latin typeface="Arial"/>
-              <a:ea typeface="Arial"/>
-              <a:cs typeface="Arial"/>
-              <a:sym typeface="Arial"/>
-            </a:endParaRPr>
-          </a:p>
-        </p:txBody>
-      </p:sp>
-      <p:sp>
-        <p:nvSpPr>
-          <p:cNvPr id="37" name="Google Shape;90;p4">
+      <p:grpSp>
+        <p:nvGrpSpPr>
+          <p:cNvPr id="31" name="Group 30">
             <a:extLst>
               <a:ext uri="{FF2B5EF4-FFF2-40B4-BE49-F238E27FC236}">
-                <a16:creationId xmlns:a16="http://schemas.microsoft.com/office/drawing/2014/main" id="{0AFA4C06-D341-434D-A5B7-97C283E48D43}"/>
+                <a16:creationId xmlns:a16="http://schemas.microsoft.com/office/drawing/2014/main" id="{2695BBAE-034A-4768-98FD-8B498D63BD23}"/>
               </a:ext>
             </a:extLst>
           </p:cNvPr>
-          <p:cNvSpPr/>
+          <p:cNvGrpSpPr/>
           <p:nvPr/>
-        </p:nvSpPr>
-        <p:spPr>
+        </p:nvGrpSpPr>
+        <p:grpSpPr>
           <a:xfrm>
-            <a:off x="4086875" y="559949"/>
-            <a:ext cx="969900" cy="497400"/>
+            <a:off x="132225" y="-21811"/>
+            <a:ext cx="8955650" cy="3399966"/>
+            <a:chOff x="132225" y="-21811"/>
+            <a:chExt cx="8955650" cy="3399966"/>
           </a:xfrm>
-          <a:prstGeom prst="roundRect">
-            <a:avLst>
-              <a:gd name="adj" fmla="val 16667"/>
-            </a:avLst>
-          </a:prstGeom>
-          <a:solidFill>
-            <a:schemeClr val="lt2"/>
-          </a:solidFill>
-          <a:ln w="9525" cap="flat" cmpd="sng">
+        </p:grpSpPr>
+        <p:sp>
+          <p:nvSpPr>
+            <p:cNvPr id="90" name="Google Shape;90;p4"/>
+            <p:cNvSpPr/>
+            <p:nvPr/>
+          </p:nvSpPr>
+          <p:spPr>
+            <a:xfrm>
+              <a:off x="132225" y="571175"/>
+              <a:ext cx="969900" cy="497400"/>
+            </a:xfrm>
+            <a:prstGeom prst="roundRect">
+              <a:avLst>
+                <a:gd name="adj" fmla="val 16667"/>
+              </a:avLst>
+            </a:prstGeom>
             <a:solidFill>
-              <a:schemeClr val="dk2"/>
+              <a:schemeClr val="lt2"/>
             </a:solidFill>
-            <a:prstDash val="solid"/>
-            <a:round/>
-            <a:headEnd type="none" w="sm" len="sm"/>
-            <a:tailEnd type="none" w="sm" len="sm"/>
-          </a:ln>
-        </p:spPr>
-        <p:txBody>
-          <a:bodyPr spcFirstLastPara="1" wrap="square" lIns="91425" tIns="91425" rIns="91425" bIns="91425" anchor="ctr" anchorCtr="0">
-            <a:noAutofit/>
-          </a:bodyPr>
-          <a:lstStyle/>
-          <a:p>
-            <a:pPr marL="0" marR="0" lvl="0" indent="0" algn="l" rtl="0">
-              <a:lnSpc>
-                <a:spcPct val="100000"/>
-              </a:lnSpc>
-              <a:spcBef>
-                <a:spcPts val="0"/>
-              </a:spcBef>
-              <a:spcAft>
-                <a:spcPts val="0"/>
-              </a:spcAft>
-              <a:buClr>
-                <a:srgbClr val="000000"/>
-              </a:buClr>
-              <a:buSzPts val="1400"/>
-              <a:buFont typeface="Arial"/>
-              <a:buNone/>
-            </a:pPr>
-            <a:r>
-              <a:rPr lang="en-US" sz="1400" b="0" i="0" u="none" strike="noStrike" cap="none" dirty="0">
-                <a:solidFill>
+            <a:ln w="9525" cap="flat" cmpd="sng">
+              <a:solidFill>
+                <a:schemeClr val="dk2"/>
+              </a:solidFill>
+              <a:prstDash val="solid"/>
+              <a:round/>
+              <a:headEnd type="none" w="sm" len="sm"/>
+              <a:tailEnd type="none" w="sm" len="sm"/>
+            </a:ln>
+          </p:spPr>
+          <p:txBody>
+            <a:bodyPr spcFirstLastPara="1" wrap="square" lIns="91425" tIns="91425" rIns="91425" bIns="91425" anchor="ctr" anchorCtr="0">
+              <a:noAutofit/>
+            </a:bodyPr>
+            <a:lstStyle/>
+            <a:p>
+              <a:pPr marL="0" marR="0" lvl="0" indent="0" algn="l" rtl="0">
+                <a:lnSpc>
+                  <a:spcPct val="100000"/>
+                </a:lnSpc>
+                <a:spcBef>
+                  <a:spcPts val="0"/>
+                </a:spcBef>
+                <a:spcAft>
+                  <a:spcPts val="0"/>
+                </a:spcAft>
+                <a:buClr>
                   <a:srgbClr val="000000"/>
-                </a:solidFill>
-                <a:latin typeface="Arial"/>
-                <a:ea typeface="Arial"/>
-                <a:cs typeface="Arial"/>
-                <a:sym typeface="Arial"/>
-              </a:rPr>
-              <a:t>Ready</a:t>
-            </a:r>
-            <a:endParaRPr sz="1400" b="0" i="0" u="none" strike="noStrike" cap="none" dirty="0">
+                </a:buClr>
+                <a:buSzPts val="1400"/>
+                <a:buFont typeface="Arial"/>
+                <a:buNone/>
+              </a:pPr>
+              <a:r>
+                <a:rPr lang="en-US" sz="1400" b="0" i="0" u="none" strike="noStrike" cap="none" dirty="0" err="1">
+                  <a:solidFill>
+                    <a:srgbClr val="000000"/>
+                  </a:solidFill>
+                  <a:latin typeface="Arial"/>
+                  <a:ea typeface="Arial"/>
+                  <a:cs typeface="Arial"/>
+                  <a:sym typeface="Arial"/>
+                </a:rPr>
+                <a:t>WaitStart</a:t>
+              </a:r>
+              <a:r>
+                <a:rPr lang="en-US" sz="1400" b="0" i="0" u="none" strike="noStrike" cap="none" dirty="0">
+                  <a:solidFill>
+                    <a:srgbClr val="000000"/>
+                  </a:solidFill>
+                  <a:latin typeface="Arial"/>
+                  <a:ea typeface="Arial"/>
+                  <a:cs typeface="Arial"/>
+                  <a:sym typeface="Arial"/>
+                </a:rPr>
+                <a:t> </a:t>
+              </a:r>
+              <a:endParaRPr sz="1400" b="0" i="0" u="none" strike="noStrike" cap="none" dirty="0">
+                <a:solidFill>
+                  <a:srgbClr val="000000"/>
+                </a:solidFill>
+                <a:latin typeface="Arial"/>
+                <a:ea typeface="Arial"/>
+                <a:cs typeface="Arial"/>
+                <a:sym typeface="Arial"/>
+              </a:endParaRPr>
+            </a:p>
+            <a:p>
+              <a:pPr marL="0" marR="0" lvl="0" indent="0" algn="l" rtl="0">
+                <a:lnSpc>
+                  <a:spcPct val="100000"/>
+                </a:lnSpc>
+                <a:spcBef>
+                  <a:spcPts val="0"/>
+                </a:spcBef>
+                <a:spcAft>
+                  <a:spcPts val="0"/>
+                </a:spcAft>
+                <a:buClr>
+                  <a:srgbClr val="000000"/>
+                </a:buClr>
+                <a:buSzPts val="1400"/>
+                <a:buFont typeface="Arial"/>
+                <a:buNone/>
+              </a:pPr>
+              <a:r>
+                <a:rPr lang="en-US" sz="1400" b="0" i="0" u="none" strike="noStrike" cap="none" dirty="0">
+                  <a:solidFill>
+                    <a:srgbClr val="000000"/>
+                  </a:solidFill>
+                  <a:latin typeface="Arial"/>
+                  <a:ea typeface="Arial"/>
+                  <a:cs typeface="Arial"/>
+                  <a:sym typeface="Arial"/>
+                </a:rPr>
+                <a:t>Interface</a:t>
+              </a:r>
+              <a:endParaRPr sz="1400" b="0" i="0" u="none" strike="noStrike" cap="none" dirty="0">
+                <a:solidFill>
+                  <a:srgbClr val="000000"/>
+                </a:solidFill>
+                <a:latin typeface="Arial"/>
+                <a:ea typeface="Arial"/>
+                <a:cs typeface="Arial"/>
+                <a:sym typeface="Arial"/>
+              </a:endParaRPr>
+            </a:p>
+          </p:txBody>
+        </p:sp>
+        <p:sp>
+          <p:nvSpPr>
+            <p:cNvPr id="92" name="Google Shape;92;p4"/>
+            <p:cNvSpPr/>
+            <p:nvPr/>
+          </p:nvSpPr>
+          <p:spPr>
+            <a:xfrm>
+              <a:off x="1454300" y="595950"/>
+              <a:ext cx="2106100" cy="447850"/>
+            </a:xfrm>
+            <a:prstGeom prst="flowChartDecision">
+              <a:avLst/>
+            </a:prstGeom>
+            <a:solidFill>
+              <a:schemeClr val="lt1"/>
+            </a:solidFill>
+            <a:ln w="9525" cap="flat" cmpd="sng">
               <a:solidFill>
-                <a:srgbClr val="000000"/>
+                <a:schemeClr val="dk2"/>
               </a:solidFill>
-              <a:latin typeface="Arial"/>
-              <a:ea typeface="Arial"/>
-              <a:cs typeface="Arial"/>
-              <a:sym typeface="Arial"/>
-            </a:endParaRPr>
-          </a:p>
-          <a:p>
-            <a:pPr marL="0" marR="0" lvl="0" indent="0" algn="l" rtl="0">
-              <a:lnSpc>
-                <a:spcPct val="100000"/>
-              </a:lnSpc>
-              <a:spcBef>
-                <a:spcPts val="0"/>
-              </a:spcBef>
-              <a:spcAft>
-                <a:spcPts val="0"/>
-              </a:spcAft>
-              <a:buClr>
-                <a:srgbClr val="000000"/>
-              </a:buClr>
-              <a:buSzPts val="1400"/>
-              <a:buFont typeface="Arial"/>
-              <a:buNone/>
-            </a:pPr>
-            <a:r>
-              <a:rPr lang="en-US" sz="1400" b="0" i="0" u="none" strike="noStrike" cap="none" dirty="0">
-                <a:solidFill>
+              <a:prstDash val="solid"/>
+              <a:round/>
+              <a:headEnd type="none" w="sm" len="sm"/>
+              <a:tailEnd type="none" w="sm" len="sm"/>
+            </a:ln>
+          </p:spPr>
+          <p:txBody>
+            <a:bodyPr spcFirstLastPara="1" wrap="square" lIns="91425" tIns="91425" rIns="91425" bIns="91425" anchor="ctr" anchorCtr="0">
+              <a:noAutofit/>
+            </a:bodyPr>
+            <a:lstStyle/>
+            <a:p>
+              <a:pPr marL="0" marR="0" lvl="0" indent="0" algn="l" rtl="0">
+                <a:lnSpc>
+                  <a:spcPct val="100000"/>
+                </a:lnSpc>
+                <a:spcBef>
+                  <a:spcPts val="0"/>
+                </a:spcBef>
+                <a:spcAft>
+                  <a:spcPts val="0"/>
+                </a:spcAft>
+                <a:buClr>
                   <a:srgbClr val="000000"/>
-                </a:solidFill>
-                <a:latin typeface="Arial"/>
-                <a:ea typeface="Arial"/>
-                <a:cs typeface="Arial"/>
-                <a:sym typeface="Arial"/>
-              </a:rPr>
-              <a:t>Interface</a:t>
-            </a:r>
-            <a:endParaRPr sz="1400" b="0" i="0" u="none" strike="noStrike" cap="none" dirty="0">
+                </a:buClr>
+                <a:buSzPts val="1200"/>
+                <a:buFont typeface="Arial"/>
+                <a:buNone/>
+              </a:pPr>
+              <a:r>
+                <a:rPr lang="en-US" sz="1200" b="1" i="0" u="none" strike="noStrike" cap="none" dirty="0">
+                  <a:solidFill>
+                    <a:srgbClr val="000000"/>
+                  </a:solidFill>
+                  <a:latin typeface="Arial"/>
+                  <a:ea typeface="Arial"/>
+                  <a:cs typeface="Arial"/>
+                  <a:sym typeface="Arial"/>
+                </a:rPr>
+                <a:t>Touched </a:t>
+              </a:r>
+              <a:r>
+                <a:rPr lang="en-US" sz="1200" b="1" i="0" u="none" strike="noStrike" cap="none" dirty="0" err="1">
+                  <a:solidFill>
+                    <a:srgbClr val="000000"/>
+                  </a:solidFill>
+                  <a:latin typeface="Arial"/>
+                  <a:ea typeface="Arial"/>
+                  <a:cs typeface="Arial"/>
+                  <a:sym typeface="Arial"/>
+                </a:rPr>
+                <a:t>Startpad</a:t>
+              </a:r>
+              <a:endParaRPr sz="1200" b="1" i="0" u="none" strike="noStrike" cap="none" dirty="0">
+                <a:solidFill>
+                  <a:srgbClr val="000000"/>
+                </a:solidFill>
+                <a:latin typeface="Arial"/>
+                <a:ea typeface="Arial"/>
+                <a:cs typeface="Arial"/>
+                <a:sym typeface="Arial"/>
+              </a:endParaRPr>
+            </a:p>
+          </p:txBody>
+        </p:sp>
+        <p:cxnSp>
+          <p:nvCxnSpPr>
+            <p:cNvPr id="93" name="Google Shape;93;p4"/>
+            <p:cNvCxnSpPr>
+              <a:cxnSpLocks/>
+              <a:stCxn id="90" idx="3"/>
+            </p:cNvCxnSpPr>
+            <p:nvPr/>
+          </p:nvCxnSpPr>
+          <p:spPr>
+            <a:xfrm>
+              <a:off x="1102125" y="819875"/>
+              <a:ext cx="333700" cy="0"/>
+            </a:xfrm>
+            <a:prstGeom prst="straightConnector1">
+              <a:avLst/>
+            </a:prstGeom>
+            <a:noFill/>
+            <a:ln w="9525" cap="flat" cmpd="sng">
               <a:solidFill>
-                <a:srgbClr val="000000"/>
+                <a:schemeClr val="dk2"/>
               </a:solidFill>
-              <a:latin typeface="Arial"/>
-              <a:ea typeface="Arial"/>
-              <a:cs typeface="Arial"/>
-              <a:sym typeface="Arial"/>
-            </a:endParaRPr>
-          </a:p>
-        </p:txBody>
-      </p:sp>
-      <p:sp>
-        <p:nvSpPr>
-          <p:cNvPr id="55" name="Google Shape;90;p4">
-            <a:extLst>
-              <a:ext uri="{FF2B5EF4-FFF2-40B4-BE49-F238E27FC236}">
-                <a16:creationId xmlns:a16="http://schemas.microsoft.com/office/drawing/2014/main" id="{004B3840-3A13-4018-BA14-C47829323125}"/>
-              </a:ext>
-            </a:extLst>
-          </p:cNvPr>
-          <p:cNvSpPr/>
-          <p:nvPr/>
-        </p:nvSpPr>
-        <p:spPr>
-          <a:xfrm>
-            <a:off x="8117975" y="1455509"/>
-            <a:ext cx="969900" cy="497400"/>
-          </a:xfrm>
-          <a:prstGeom prst="roundRect">
-            <a:avLst>
-              <a:gd name="adj" fmla="val 16667"/>
-            </a:avLst>
-          </a:prstGeom>
-          <a:solidFill>
-            <a:srgbClr val="FFC000"/>
-          </a:solidFill>
-          <a:ln w="9525" cap="flat" cmpd="sng">
+              <a:prstDash val="solid"/>
+              <a:round/>
+              <a:headEnd type="none" w="sm" len="sm"/>
+              <a:tailEnd type="triangle" w="med" len="med"/>
+            </a:ln>
+          </p:spPr>
+        </p:cxnSp>
+        <p:cxnSp>
+          <p:nvCxnSpPr>
+            <p:cNvPr id="94" name="Google Shape;94;p4"/>
+            <p:cNvCxnSpPr>
+              <a:cxnSpLocks/>
+              <a:stCxn id="92" idx="3"/>
+              <a:endCxn id="37" idx="1"/>
+            </p:cNvCxnSpPr>
+            <p:nvPr/>
+          </p:nvCxnSpPr>
+          <p:spPr>
+            <a:xfrm flipV="1">
+              <a:off x="3560400" y="808649"/>
+              <a:ext cx="526475" cy="11226"/>
+            </a:xfrm>
+            <a:prstGeom prst="straightConnector1">
+              <a:avLst/>
+            </a:prstGeom>
+            <a:noFill/>
+            <a:ln w="9525" cap="flat" cmpd="sng">
+              <a:solidFill>
+                <a:schemeClr val="dk2"/>
+              </a:solidFill>
+              <a:prstDash val="solid"/>
+              <a:round/>
+              <a:headEnd type="none" w="sm" len="sm"/>
+              <a:tailEnd type="triangle" w="med" len="med"/>
+            </a:ln>
+          </p:spPr>
+        </p:cxnSp>
+        <p:sp>
+          <p:nvSpPr>
+            <p:cNvPr id="95" name="Google Shape;95;p4"/>
+            <p:cNvSpPr txBox="1"/>
+            <p:nvPr/>
+          </p:nvSpPr>
+          <p:spPr>
+            <a:xfrm>
+              <a:off x="3560400" y="518975"/>
+              <a:ext cx="650700" cy="300900"/>
+            </a:xfrm>
+            <a:prstGeom prst="rect">
+              <a:avLst/>
+            </a:prstGeom>
+            <a:noFill/>
+            <a:ln>
+              <a:noFill/>
+            </a:ln>
+          </p:spPr>
+          <p:txBody>
+            <a:bodyPr spcFirstLastPara="1" wrap="square" lIns="91425" tIns="91425" rIns="91425" bIns="91425" anchor="t" anchorCtr="0">
+              <a:noAutofit/>
+            </a:bodyPr>
+            <a:lstStyle/>
+            <a:p>
+              <a:pPr marL="0" marR="0" lvl="0" indent="0" algn="l" rtl="0">
+                <a:lnSpc>
+                  <a:spcPct val="100000"/>
+                </a:lnSpc>
+                <a:spcBef>
+                  <a:spcPts val="0"/>
+                </a:spcBef>
+                <a:spcAft>
+                  <a:spcPts val="0"/>
+                </a:spcAft>
+                <a:buClr>
+                  <a:srgbClr val="000000"/>
+                </a:buClr>
+                <a:buSzPts val="1400"/>
+                <a:buFont typeface="Arial"/>
+                <a:buNone/>
+              </a:pPr>
+              <a:r>
+                <a:rPr lang="en-US" sz="1200" i="0" u="none" strike="noStrike" cap="none" dirty="0">
+                  <a:solidFill>
+                    <a:srgbClr val="000000"/>
+                  </a:solidFill>
+                  <a:latin typeface="Arial"/>
+                  <a:ea typeface="Arial"/>
+                  <a:cs typeface="Arial"/>
+                  <a:sym typeface="Arial"/>
+                </a:rPr>
+                <a:t>YES</a:t>
+              </a:r>
+              <a:endParaRPr sz="1200" i="0" u="none" strike="noStrike" cap="none" dirty="0">
+                <a:solidFill>
+                  <a:srgbClr val="000000"/>
+                </a:solidFill>
+                <a:latin typeface="Arial"/>
+                <a:ea typeface="Arial"/>
+                <a:cs typeface="Arial"/>
+                <a:sym typeface="Arial"/>
+              </a:endParaRPr>
+            </a:p>
+          </p:txBody>
+        </p:sp>
+        <p:cxnSp>
+          <p:nvCxnSpPr>
+            <p:cNvPr id="96" name="Google Shape;96;p4"/>
+            <p:cNvCxnSpPr>
+              <a:endCxn id="90" idx="0"/>
+            </p:cNvCxnSpPr>
+            <p:nvPr/>
+          </p:nvCxnSpPr>
+          <p:spPr>
+            <a:xfrm flipH="1">
+              <a:off x="617175" y="332975"/>
+              <a:ext cx="12000" cy="238200"/>
+            </a:xfrm>
+            <a:prstGeom prst="straightConnector1">
+              <a:avLst/>
+            </a:prstGeom>
+            <a:noFill/>
+            <a:ln w="9525" cap="flat" cmpd="sng">
+              <a:solidFill>
+                <a:schemeClr val="dk2"/>
+              </a:solidFill>
+              <a:prstDash val="solid"/>
+              <a:round/>
+              <a:headEnd type="none" w="sm" len="sm"/>
+              <a:tailEnd type="triangle" w="med" len="med"/>
+            </a:ln>
+          </p:spPr>
+        </p:cxnSp>
+        <p:cxnSp>
+          <p:nvCxnSpPr>
+            <p:cNvPr id="97" name="Google Shape;97;p4"/>
+            <p:cNvCxnSpPr>
+              <a:cxnSpLocks/>
+              <a:stCxn id="92" idx="0"/>
+              <a:endCxn id="90" idx="0"/>
+            </p:cNvCxnSpPr>
+            <p:nvPr/>
+          </p:nvCxnSpPr>
+          <p:spPr>
+            <a:xfrm rot="16200000" flipV="1">
+              <a:off x="1549876" y="-361525"/>
+              <a:ext cx="24775" cy="1890175"/>
+            </a:xfrm>
+            <a:prstGeom prst="bentConnector3">
+              <a:avLst>
+                <a:gd name="adj1" fmla="val 1022704"/>
+              </a:avLst>
+            </a:prstGeom>
+            <a:noFill/>
+            <a:ln w="9525" cap="flat" cmpd="sng">
+              <a:solidFill>
+                <a:schemeClr val="dk2"/>
+              </a:solidFill>
+              <a:prstDash val="solid"/>
+              <a:round/>
+              <a:headEnd type="none" w="sm" len="sm"/>
+              <a:tailEnd type="none" w="sm" len="sm"/>
+            </a:ln>
+          </p:spPr>
+        </p:cxnSp>
+        <p:sp>
+          <p:nvSpPr>
+            <p:cNvPr id="98" name="Google Shape;98;p4"/>
+            <p:cNvSpPr txBox="1"/>
+            <p:nvPr/>
+          </p:nvSpPr>
+          <p:spPr>
+            <a:xfrm>
+              <a:off x="1242913" y="46349"/>
+              <a:ext cx="650700" cy="300900"/>
+            </a:xfrm>
+            <a:prstGeom prst="rect">
+              <a:avLst/>
+            </a:prstGeom>
+            <a:noFill/>
+            <a:ln>
+              <a:noFill/>
+            </a:ln>
+          </p:spPr>
+          <p:txBody>
+            <a:bodyPr spcFirstLastPara="1" wrap="square" lIns="91425" tIns="91425" rIns="91425" bIns="91425" anchor="t" anchorCtr="0">
+              <a:noAutofit/>
+            </a:bodyPr>
+            <a:lstStyle/>
+            <a:p>
+              <a:pPr marL="0" marR="0" lvl="0" indent="0" algn="l" rtl="0">
+                <a:lnSpc>
+                  <a:spcPct val="100000"/>
+                </a:lnSpc>
+                <a:spcBef>
+                  <a:spcPts val="0"/>
+                </a:spcBef>
+                <a:spcAft>
+                  <a:spcPts val="0"/>
+                </a:spcAft>
+                <a:buClr>
+                  <a:srgbClr val="000000"/>
+                </a:buClr>
+                <a:buSzPts val="1400"/>
+                <a:buFont typeface="Arial"/>
+                <a:buNone/>
+              </a:pPr>
+              <a:r>
+                <a:rPr lang="en-US" sz="1200" b="0" i="0" u="none" strike="noStrike" cap="none" dirty="0">
+                  <a:solidFill>
+                    <a:srgbClr val="000000"/>
+                  </a:solidFill>
+                  <a:latin typeface="Arial"/>
+                  <a:ea typeface="Arial"/>
+                  <a:cs typeface="Arial"/>
+                  <a:sym typeface="Arial"/>
+                </a:rPr>
+                <a:t>NO</a:t>
+              </a:r>
+              <a:endParaRPr sz="1200" b="0" i="0" u="none" strike="noStrike" cap="none" dirty="0">
+                <a:solidFill>
+                  <a:srgbClr val="000000"/>
+                </a:solidFill>
+                <a:latin typeface="Arial"/>
+                <a:ea typeface="Arial"/>
+                <a:cs typeface="Arial"/>
+                <a:sym typeface="Arial"/>
+              </a:endParaRPr>
+            </a:p>
+          </p:txBody>
+        </p:sp>
+        <p:sp>
+          <p:nvSpPr>
+            <p:cNvPr id="99" name="Google Shape;99;p4"/>
+            <p:cNvSpPr/>
+            <p:nvPr/>
+          </p:nvSpPr>
+          <p:spPr>
+            <a:xfrm>
+              <a:off x="5492101" y="514148"/>
+              <a:ext cx="1829823" cy="614425"/>
+            </a:xfrm>
+            <a:prstGeom prst="flowChartDecision">
+              <a:avLst/>
+            </a:prstGeom>
             <a:solidFill>
-              <a:schemeClr val="dk2"/>
+              <a:schemeClr val="lt1"/>
             </a:solidFill>
-            <a:prstDash val="solid"/>
-            <a:round/>
-            <a:headEnd type="none" w="sm" len="sm"/>
-            <a:tailEnd type="none" w="sm" len="sm"/>
-          </a:ln>
-        </p:spPr>
-        <p:txBody>
-          <a:bodyPr spcFirstLastPara="1" wrap="square" lIns="91425" tIns="91425" rIns="91425" bIns="91425" anchor="ctr" anchorCtr="0">
-            <a:noAutofit/>
-          </a:bodyPr>
-          <a:lstStyle/>
-          <a:p>
-            <a:pPr marL="0" marR="0" lvl="0" indent="0" algn="l" rtl="0">
-              <a:lnSpc>
-                <a:spcPct val="100000"/>
-              </a:lnSpc>
-              <a:spcBef>
-                <a:spcPts val="0"/>
-              </a:spcBef>
-              <a:spcAft>
-                <a:spcPts val="0"/>
-              </a:spcAft>
-              <a:buClr>
-                <a:srgbClr val="000000"/>
-              </a:buClr>
-              <a:buSzPts val="1400"/>
-              <a:buFont typeface="Arial"/>
-              <a:buNone/>
-            </a:pPr>
-            <a:r>
-              <a:rPr lang="en-US" sz="1400" b="0" i="0" u="none" strike="noStrike" cap="none" dirty="0">
-                <a:solidFill>
+            <a:ln w="9525" cap="flat" cmpd="sng">
+              <a:solidFill>
+                <a:schemeClr val="dk2"/>
+              </a:solidFill>
+              <a:prstDash val="solid"/>
+              <a:round/>
+              <a:headEnd type="none" w="sm" len="sm"/>
+              <a:tailEnd type="none" w="sm" len="sm"/>
+            </a:ln>
+          </p:spPr>
+          <p:txBody>
+            <a:bodyPr spcFirstLastPara="1" wrap="square" lIns="91425" tIns="91425" rIns="91425" bIns="91425" anchor="ctr" anchorCtr="0">
+              <a:noAutofit/>
+            </a:bodyPr>
+            <a:lstStyle/>
+            <a:p>
+              <a:pPr marL="0" marR="0" lvl="0" indent="0" algn="l" rtl="0">
+                <a:lnSpc>
+                  <a:spcPct val="100000"/>
+                </a:lnSpc>
+                <a:spcBef>
+                  <a:spcPts val="0"/>
+                </a:spcBef>
+                <a:spcAft>
+                  <a:spcPts val="0"/>
+                </a:spcAft>
+                <a:buClr>
                   <a:srgbClr val="000000"/>
-                </a:solidFill>
-                <a:latin typeface="Arial"/>
-                <a:ea typeface="Arial"/>
-                <a:cs typeface="Arial"/>
-                <a:sym typeface="Arial"/>
-              </a:rPr>
-              <a:t>Error</a:t>
-            </a:r>
-            <a:endParaRPr sz="1400" b="0" i="0" u="none" strike="noStrike" cap="none" dirty="0">
+                </a:buClr>
+                <a:buSzPts val="1200"/>
+                <a:buFont typeface="Arial"/>
+                <a:buNone/>
+              </a:pPr>
+              <a:r>
+                <a:rPr lang="en-US" sz="1200" i="0" u="none" strike="noStrike" cap="none" dirty="0">
+                  <a:solidFill>
+                    <a:srgbClr val="000000"/>
+                  </a:solidFill>
+                  <a:latin typeface="Arial"/>
+                  <a:ea typeface="Arial"/>
+                  <a:cs typeface="Arial"/>
+                  <a:sym typeface="Arial"/>
+                </a:rPr>
+                <a:t>Not </a:t>
+              </a:r>
+              <a:r>
+                <a:rPr lang="en-US" sz="1200" dirty="0"/>
+                <a:t>Enough Hold </a:t>
+              </a:r>
+              <a:r>
+                <a:rPr lang="en-US" sz="1200" i="0" u="none" strike="noStrike" cap="none" dirty="0">
+                  <a:solidFill>
+                    <a:srgbClr val="000000"/>
+                  </a:solidFill>
+                  <a:latin typeface="Arial"/>
+                  <a:ea typeface="Arial"/>
+                  <a:cs typeface="Arial"/>
+                  <a:sym typeface="Arial"/>
+                </a:rPr>
+                <a:t>Time</a:t>
+              </a:r>
+              <a:endParaRPr sz="1200" i="0" u="none" strike="noStrike" cap="none" dirty="0">
+                <a:solidFill>
+                  <a:srgbClr val="000000"/>
+                </a:solidFill>
+                <a:latin typeface="Arial"/>
+                <a:ea typeface="Arial"/>
+                <a:cs typeface="Arial"/>
+                <a:sym typeface="Arial"/>
+              </a:endParaRPr>
+            </a:p>
+          </p:txBody>
+        </p:sp>
+        <p:cxnSp>
+          <p:nvCxnSpPr>
+            <p:cNvPr id="100" name="Google Shape;100;p4"/>
+            <p:cNvCxnSpPr>
+              <a:cxnSpLocks/>
+              <a:stCxn id="37" idx="3"/>
+              <a:endCxn id="99" idx="1"/>
+            </p:cNvCxnSpPr>
+            <p:nvPr/>
+          </p:nvCxnSpPr>
+          <p:spPr>
+            <a:xfrm>
+              <a:off x="5056775" y="808649"/>
+              <a:ext cx="435326" cy="12712"/>
+            </a:xfrm>
+            <a:prstGeom prst="straightConnector1">
+              <a:avLst/>
+            </a:prstGeom>
+            <a:noFill/>
+            <a:ln w="9525" cap="flat" cmpd="sng">
               <a:solidFill>
-                <a:srgbClr val="000000"/>
+                <a:schemeClr val="dk2"/>
               </a:solidFill>
-              <a:latin typeface="Arial"/>
-              <a:ea typeface="Arial"/>
-              <a:cs typeface="Arial"/>
-              <a:sym typeface="Arial"/>
-            </a:endParaRPr>
-          </a:p>
-          <a:p>
-            <a:pPr marL="0" marR="0" lvl="0" indent="0" algn="l" rtl="0">
-              <a:lnSpc>
-                <a:spcPct val="100000"/>
-              </a:lnSpc>
-              <a:spcBef>
-                <a:spcPts val="0"/>
-              </a:spcBef>
-              <a:spcAft>
-                <a:spcPts val="0"/>
-              </a:spcAft>
-              <a:buClr>
-                <a:srgbClr val="000000"/>
-              </a:buClr>
-              <a:buSzPts val="1400"/>
-              <a:buFont typeface="Arial"/>
-              <a:buNone/>
-            </a:pPr>
-            <a:r>
-              <a:rPr lang="en-US" sz="1400" b="0" i="0" u="none" strike="noStrike" cap="none" dirty="0">
-                <a:solidFill>
+              <a:prstDash val="solid"/>
+              <a:round/>
+              <a:headEnd type="none" w="sm" len="sm"/>
+              <a:tailEnd type="triangle" w="med" len="med"/>
+            </a:ln>
+          </p:spPr>
+        </p:cxnSp>
+        <p:sp>
+          <p:nvSpPr>
+            <p:cNvPr id="104" name="Google Shape;104;p4"/>
+            <p:cNvSpPr txBox="1"/>
+            <p:nvPr/>
+          </p:nvSpPr>
+          <p:spPr>
+            <a:xfrm>
+              <a:off x="7316849" y="-21811"/>
+              <a:ext cx="650700" cy="300900"/>
+            </a:xfrm>
+            <a:prstGeom prst="rect">
+              <a:avLst/>
+            </a:prstGeom>
+            <a:noFill/>
+            <a:ln>
+              <a:noFill/>
+            </a:ln>
+          </p:spPr>
+          <p:txBody>
+            <a:bodyPr spcFirstLastPara="1" wrap="square" lIns="91425" tIns="91425" rIns="91425" bIns="91425" anchor="t" anchorCtr="0">
+              <a:noAutofit/>
+            </a:bodyPr>
+            <a:lstStyle/>
+            <a:p>
+              <a:pPr marL="0" marR="0" lvl="0" indent="0" algn="l" rtl="0">
+                <a:lnSpc>
+                  <a:spcPct val="100000"/>
+                </a:lnSpc>
+                <a:spcBef>
+                  <a:spcPts val="0"/>
+                </a:spcBef>
+                <a:spcAft>
+                  <a:spcPts val="0"/>
+                </a:spcAft>
+                <a:buClr>
                   <a:srgbClr val="000000"/>
-                </a:solidFill>
-                <a:latin typeface="Arial"/>
-                <a:ea typeface="Arial"/>
-                <a:cs typeface="Arial"/>
-                <a:sym typeface="Arial"/>
-              </a:rPr>
-              <a:t>Interface</a:t>
-            </a:r>
-            <a:endParaRPr sz="1400" b="0" i="0" u="none" strike="noStrike" cap="none" dirty="0">
+                </a:buClr>
+                <a:buSzPts val="1400"/>
+                <a:buFont typeface="Arial"/>
+                <a:buNone/>
+              </a:pPr>
+              <a:r>
+                <a:rPr lang="en-US" sz="1400" b="0" i="0" u="none" strike="noStrike" cap="none" dirty="0">
+                  <a:solidFill>
+                    <a:srgbClr val="000000"/>
+                  </a:solidFill>
+                  <a:latin typeface="Arial"/>
+                  <a:ea typeface="Arial"/>
+                  <a:cs typeface="Arial"/>
+                  <a:sym typeface="Arial"/>
+                </a:rPr>
+                <a:t>YES</a:t>
+              </a:r>
+              <a:endParaRPr sz="1400" b="0" i="0" u="none" strike="noStrike" cap="none" dirty="0">
+                <a:solidFill>
+                  <a:srgbClr val="000000"/>
+                </a:solidFill>
+                <a:latin typeface="Arial"/>
+                <a:ea typeface="Arial"/>
+                <a:cs typeface="Arial"/>
+                <a:sym typeface="Arial"/>
+              </a:endParaRPr>
+            </a:p>
+          </p:txBody>
+        </p:sp>
+        <p:sp>
+          <p:nvSpPr>
+            <p:cNvPr id="37" name="Google Shape;90;p4">
+              <a:extLst>
+                <a:ext uri="{FF2B5EF4-FFF2-40B4-BE49-F238E27FC236}">
+                  <a16:creationId xmlns:a16="http://schemas.microsoft.com/office/drawing/2014/main" id="{0AFA4C06-D341-434D-A5B7-97C283E48D43}"/>
+                </a:ext>
+              </a:extLst>
+            </p:cNvPr>
+            <p:cNvSpPr/>
+            <p:nvPr/>
+          </p:nvSpPr>
+          <p:spPr>
+            <a:xfrm>
+              <a:off x="4086875" y="559949"/>
+              <a:ext cx="969900" cy="497400"/>
+            </a:xfrm>
+            <a:prstGeom prst="roundRect">
+              <a:avLst>
+                <a:gd name="adj" fmla="val 16667"/>
+              </a:avLst>
+            </a:prstGeom>
+            <a:solidFill>
+              <a:schemeClr val="lt2"/>
+            </a:solidFill>
+            <a:ln w="9525" cap="flat" cmpd="sng">
               <a:solidFill>
-                <a:srgbClr val="000000"/>
+                <a:schemeClr val="dk2"/>
               </a:solidFill>
-              <a:latin typeface="Arial"/>
-              <a:ea typeface="Arial"/>
-              <a:cs typeface="Arial"/>
-              <a:sym typeface="Arial"/>
-            </a:endParaRPr>
-          </a:p>
-        </p:txBody>
-      </p:sp>
-      <p:cxnSp>
-        <p:nvCxnSpPr>
-          <p:cNvPr id="32" name="Connector: Elbow 31">
-            <a:extLst>
-              <a:ext uri="{FF2B5EF4-FFF2-40B4-BE49-F238E27FC236}">
-                <a16:creationId xmlns:a16="http://schemas.microsoft.com/office/drawing/2014/main" id="{3B7AD163-412E-4AA9-9B17-5E208DE15A65}"/>
-              </a:ext>
-            </a:extLst>
-          </p:cNvPr>
-          <p:cNvCxnSpPr>
-            <a:stCxn id="99" idx="0"/>
-            <a:endCxn id="55" idx="0"/>
-          </p:cNvCxnSpPr>
-          <p:nvPr/>
-        </p:nvCxnSpPr>
-        <p:spPr>
-          <a:xfrm rot="16200000" flipH="1">
-            <a:off x="7034288" y="-113128"/>
-            <a:ext cx="941361" cy="2195912"/>
-          </a:xfrm>
-          <a:prstGeom prst="bentConnector3">
-            <a:avLst>
-              <a:gd name="adj1" fmla="val -24284"/>
-            </a:avLst>
-          </a:prstGeom>
-          <a:ln>
-            <a:tailEnd type="triangle"/>
-          </a:ln>
-        </p:spPr>
-        <p:style>
-          <a:lnRef idx="1">
-            <a:schemeClr val="dk1"/>
-          </a:lnRef>
-          <a:fillRef idx="0">
-            <a:schemeClr val="dk1"/>
-          </a:fillRef>
-          <a:effectRef idx="0">
-            <a:schemeClr val="dk1"/>
-          </a:effectRef>
-          <a:fontRef idx="minor">
-            <a:schemeClr val="tx1"/>
-          </a:fontRef>
-        </p:style>
-      </p:cxnSp>
-      <p:sp>
-        <p:nvSpPr>
-          <p:cNvPr id="63" name="Google Shape;99;p4">
-            <a:extLst>
-              <a:ext uri="{FF2B5EF4-FFF2-40B4-BE49-F238E27FC236}">
-                <a16:creationId xmlns:a16="http://schemas.microsoft.com/office/drawing/2014/main" id="{12F9CA5A-6375-4895-847A-B480813EA95D}"/>
-              </a:ext>
-            </a:extLst>
-          </p:cNvPr>
-          <p:cNvSpPr/>
-          <p:nvPr/>
-        </p:nvSpPr>
-        <p:spPr>
-          <a:xfrm>
-            <a:off x="5515788" y="2763730"/>
-            <a:ext cx="1829823" cy="614425"/>
-          </a:xfrm>
-          <a:prstGeom prst="flowChartDecision">
-            <a:avLst/>
-          </a:prstGeom>
-          <a:solidFill>
-            <a:schemeClr val="lt1"/>
-          </a:solidFill>
-          <a:ln w="9525" cap="flat" cmpd="sng">
+              <a:prstDash val="solid"/>
+              <a:round/>
+              <a:headEnd type="none" w="sm" len="sm"/>
+              <a:tailEnd type="none" w="sm" len="sm"/>
+            </a:ln>
+          </p:spPr>
+          <p:txBody>
+            <a:bodyPr spcFirstLastPara="1" wrap="square" lIns="91425" tIns="91425" rIns="91425" bIns="91425" anchor="ctr" anchorCtr="0">
+              <a:noAutofit/>
+            </a:bodyPr>
+            <a:lstStyle/>
+            <a:p>
+              <a:pPr marL="0" marR="0" lvl="0" indent="0" algn="l" rtl="0">
+                <a:lnSpc>
+                  <a:spcPct val="100000"/>
+                </a:lnSpc>
+                <a:spcBef>
+                  <a:spcPts val="0"/>
+                </a:spcBef>
+                <a:spcAft>
+                  <a:spcPts val="0"/>
+                </a:spcAft>
+                <a:buClr>
+                  <a:srgbClr val="000000"/>
+                </a:buClr>
+                <a:buSzPts val="1400"/>
+                <a:buFont typeface="Arial"/>
+                <a:buNone/>
+              </a:pPr>
+              <a:r>
+                <a:rPr lang="en-US" sz="1400" b="0" i="0" u="none" strike="noStrike" cap="none" dirty="0">
+                  <a:solidFill>
+                    <a:srgbClr val="000000"/>
+                  </a:solidFill>
+                  <a:latin typeface="Arial"/>
+                  <a:ea typeface="Arial"/>
+                  <a:cs typeface="Arial"/>
+                  <a:sym typeface="Arial"/>
+                </a:rPr>
+                <a:t>Ready</a:t>
+              </a:r>
+              <a:endParaRPr sz="1400" b="0" i="0" u="none" strike="noStrike" cap="none" dirty="0">
+                <a:solidFill>
+                  <a:srgbClr val="000000"/>
+                </a:solidFill>
+                <a:latin typeface="Arial"/>
+                <a:ea typeface="Arial"/>
+                <a:cs typeface="Arial"/>
+                <a:sym typeface="Arial"/>
+              </a:endParaRPr>
+            </a:p>
+            <a:p>
+              <a:pPr marL="0" marR="0" lvl="0" indent="0" algn="l" rtl="0">
+                <a:lnSpc>
+                  <a:spcPct val="100000"/>
+                </a:lnSpc>
+                <a:spcBef>
+                  <a:spcPts val="0"/>
+                </a:spcBef>
+                <a:spcAft>
+                  <a:spcPts val="0"/>
+                </a:spcAft>
+                <a:buClr>
+                  <a:srgbClr val="000000"/>
+                </a:buClr>
+                <a:buSzPts val="1400"/>
+                <a:buFont typeface="Arial"/>
+                <a:buNone/>
+              </a:pPr>
+              <a:r>
+                <a:rPr lang="en-US" sz="1400" b="0" i="0" u="none" strike="noStrike" cap="none" dirty="0">
+                  <a:solidFill>
+                    <a:srgbClr val="000000"/>
+                  </a:solidFill>
+                  <a:latin typeface="Arial"/>
+                  <a:ea typeface="Arial"/>
+                  <a:cs typeface="Arial"/>
+                  <a:sym typeface="Arial"/>
+                </a:rPr>
+                <a:t>Interface</a:t>
+              </a:r>
+              <a:endParaRPr sz="1400" b="0" i="0" u="none" strike="noStrike" cap="none" dirty="0">
+                <a:solidFill>
+                  <a:srgbClr val="000000"/>
+                </a:solidFill>
+                <a:latin typeface="Arial"/>
+                <a:ea typeface="Arial"/>
+                <a:cs typeface="Arial"/>
+                <a:sym typeface="Arial"/>
+              </a:endParaRPr>
+            </a:p>
+          </p:txBody>
+        </p:sp>
+        <p:sp>
+          <p:nvSpPr>
+            <p:cNvPr id="55" name="Google Shape;90;p4">
+              <a:extLst>
+                <a:ext uri="{FF2B5EF4-FFF2-40B4-BE49-F238E27FC236}">
+                  <a16:creationId xmlns:a16="http://schemas.microsoft.com/office/drawing/2014/main" id="{004B3840-3A13-4018-BA14-C47829323125}"/>
+                </a:ext>
+              </a:extLst>
+            </p:cNvPr>
+            <p:cNvSpPr/>
+            <p:nvPr/>
+          </p:nvSpPr>
+          <p:spPr>
+            <a:xfrm>
+              <a:off x="8117975" y="1455509"/>
+              <a:ext cx="969900" cy="497400"/>
+            </a:xfrm>
+            <a:prstGeom prst="roundRect">
+              <a:avLst>
+                <a:gd name="adj" fmla="val 16667"/>
+              </a:avLst>
+            </a:prstGeom>
             <a:solidFill>
-              <a:schemeClr val="dk2"/>
+              <a:srgbClr val="FFC000"/>
             </a:solidFill>
-            <a:prstDash val="solid"/>
-            <a:round/>
-            <a:headEnd type="none" w="sm" len="sm"/>
-            <a:tailEnd type="none" w="sm" len="sm"/>
-          </a:ln>
-        </p:spPr>
-        <p:txBody>
-          <a:bodyPr spcFirstLastPara="1" wrap="square" lIns="91425" tIns="91425" rIns="91425" bIns="91425" anchor="ctr" anchorCtr="0">
-            <a:noAutofit/>
-          </a:bodyPr>
-          <a:lstStyle/>
-          <a:p>
-            <a:pPr marL="0" marR="0" lvl="0" indent="0" algn="l" rtl="0">
-              <a:lnSpc>
-                <a:spcPct val="100000"/>
-              </a:lnSpc>
-              <a:spcBef>
-                <a:spcPts val="0"/>
-              </a:spcBef>
-              <a:spcAft>
-                <a:spcPts val="0"/>
-              </a:spcAft>
-              <a:buClr>
-                <a:srgbClr val="000000"/>
-              </a:buClr>
-              <a:buSzPts val="1200"/>
-              <a:buFont typeface="Arial"/>
-              <a:buNone/>
-            </a:pPr>
-            <a:r>
-              <a:rPr lang="en-US" sz="1200" i="0" u="none" strike="noStrike" cap="none" dirty="0">
-                <a:solidFill>
+            <a:ln w="9525" cap="flat" cmpd="sng">
+              <a:solidFill>
+                <a:schemeClr val="dk2"/>
+              </a:solidFill>
+              <a:prstDash val="solid"/>
+              <a:round/>
+              <a:headEnd type="none" w="sm" len="sm"/>
+              <a:tailEnd type="none" w="sm" len="sm"/>
+            </a:ln>
+          </p:spPr>
+          <p:txBody>
+            <a:bodyPr spcFirstLastPara="1" wrap="square" lIns="91425" tIns="91425" rIns="91425" bIns="91425" anchor="ctr" anchorCtr="0">
+              <a:noAutofit/>
+            </a:bodyPr>
+            <a:lstStyle/>
+            <a:p>
+              <a:pPr marL="0" marR="0" lvl="0" indent="0" algn="l" rtl="0">
+                <a:lnSpc>
+                  <a:spcPct val="100000"/>
+                </a:lnSpc>
+                <a:spcBef>
+                  <a:spcPts val="0"/>
+                </a:spcBef>
+                <a:spcAft>
+                  <a:spcPts val="0"/>
+                </a:spcAft>
+                <a:buClr>
                   <a:srgbClr val="000000"/>
-                </a:solidFill>
-                <a:latin typeface="Arial"/>
-                <a:ea typeface="Arial"/>
-                <a:cs typeface="Arial"/>
-                <a:sym typeface="Arial"/>
-              </a:rPr>
-              <a:t>Overdue Reach Time</a:t>
-            </a:r>
-            <a:endParaRPr sz="1200" i="0" u="none" strike="noStrike" cap="none" dirty="0">
+                </a:buClr>
+                <a:buSzPts val="1400"/>
+                <a:buFont typeface="Arial"/>
+                <a:buNone/>
+              </a:pPr>
+              <a:r>
+                <a:rPr lang="en-US" sz="1400" b="0" i="0" u="none" strike="noStrike" cap="none" dirty="0">
+                  <a:solidFill>
+                    <a:srgbClr val="000000"/>
+                  </a:solidFill>
+                  <a:latin typeface="Arial"/>
+                  <a:ea typeface="Arial"/>
+                  <a:cs typeface="Arial"/>
+                  <a:sym typeface="Arial"/>
+                </a:rPr>
+                <a:t>Error</a:t>
+              </a:r>
+              <a:endParaRPr sz="1400" b="0" i="0" u="none" strike="noStrike" cap="none" dirty="0">
+                <a:solidFill>
+                  <a:srgbClr val="000000"/>
+                </a:solidFill>
+                <a:latin typeface="Arial"/>
+                <a:ea typeface="Arial"/>
+                <a:cs typeface="Arial"/>
+                <a:sym typeface="Arial"/>
+              </a:endParaRPr>
+            </a:p>
+            <a:p>
+              <a:pPr marL="0" marR="0" lvl="0" indent="0" algn="l" rtl="0">
+                <a:lnSpc>
+                  <a:spcPct val="100000"/>
+                </a:lnSpc>
+                <a:spcBef>
+                  <a:spcPts val="0"/>
+                </a:spcBef>
+                <a:spcAft>
+                  <a:spcPts val="0"/>
+                </a:spcAft>
+                <a:buClr>
+                  <a:srgbClr val="000000"/>
+                </a:buClr>
+                <a:buSzPts val="1400"/>
+                <a:buFont typeface="Arial"/>
+                <a:buNone/>
+              </a:pPr>
+              <a:r>
+                <a:rPr lang="en-US" sz="1400" b="0" i="0" u="none" strike="noStrike" cap="none" dirty="0">
+                  <a:solidFill>
+                    <a:srgbClr val="000000"/>
+                  </a:solidFill>
+                  <a:latin typeface="Arial"/>
+                  <a:ea typeface="Arial"/>
+                  <a:cs typeface="Arial"/>
+                  <a:sym typeface="Arial"/>
+                </a:rPr>
+                <a:t>Interface</a:t>
+              </a:r>
+              <a:endParaRPr sz="1400" b="0" i="0" u="none" strike="noStrike" cap="none" dirty="0">
+                <a:solidFill>
+                  <a:srgbClr val="000000"/>
+                </a:solidFill>
+                <a:latin typeface="Arial"/>
+                <a:ea typeface="Arial"/>
+                <a:cs typeface="Arial"/>
+                <a:sym typeface="Arial"/>
+              </a:endParaRPr>
+            </a:p>
+          </p:txBody>
+        </p:sp>
+        <p:cxnSp>
+          <p:nvCxnSpPr>
+            <p:cNvPr id="32" name="Connector: Elbow 31">
+              <a:extLst>
+                <a:ext uri="{FF2B5EF4-FFF2-40B4-BE49-F238E27FC236}">
+                  <a16:creationId xmlns:a16="http://schemas.microsoft.com/office/drawing/2014/main" id="{3B7AD163-412E-4AA9-9B17-5E208DE15A65}"/>
+                </a:ext>
+              </a:extLst>
+            </p:cNvPr>
+            <p:cNvCxnSpPr>
+              <a:stCxn id="99" idx="0"/>
+              <a:endCxn id="55" idx="0"/>
+            </p:cNvCxnSpPr>
+            <p:nvPr/>
+          </p:nvCxnSpPr>
+          <p:spPr>
+            <a:xfrm rot="16200000" flipH="1">
+              <a:off x="7034288" y="-113128"/>
+              <a:ext cx="941361" cy="2195912"/>
+            </a:xfrm>
+            <a:prstGeom prst="bentConnector3">
+              <a:avLst>
+                <a:gd name="adj1" fmla="val -24284"/>
+              </a:avLst>
+            </a:prstGeom>
+            <a:ln>
+              <a:tailEnd type="triangle"/>
+            </a:ln>
+          </p:spPr>
+          <p:style>
+            <a:lnRef idx="1">
+              <a:schemeClr val="dk1"/>
+            </a:lnRef>
+            <a:fillRef idx="0">
+              <a:schemeClr val="dk1"/>
+            </a:fillRef>
+            <a:effectRef idx="0">
+              <a:schemeClr val="dk1"/>
+            </a:effectRef>
+            <a:fontRef idx="minor">
+              <a:schemeClr val="tx1"/>
+            </a:fontRef>
+          </p:style>
+        </p:cxnSp>
+        <p:sp>
+          <p:nvSpPr>
+            <p:cNvPr id="63" name="Google Shape;99;p4">
+              <a:extLst>
+                <a:ext uri="{FF2B5EF4-FFF2-40B4-BE49-F238E27FC236}">
+                  <a16:creationId xmlns:a16="http://schemas.microsoft.com/office/drawing/2014/main" id="{12F9CA5A-6375-4895-847A-B480813EA95D}"/>
+                </a:ext>
+              </a:extLst>
+            </p:cNvPr>
+            <p:cNvSpPr/>
+            <p:nvPr/>
+          </p:nvSpPr>
+          <p:spPr>
+            <a:xfrm>
+              <a:off x="5515788" y="2763730"/>
+              <a:ext cx="1829823" cy="614425"/>
+            </a:xfrm>
+            <a:prstGeom prst="flowChartDecision">
+              <a:avLst/>
+            </a:prstGeom>
+            <a:solidFill>
+              <a:schemeClr val="lt1"/>
+            </a:solidFill>
+            <a:ln w="9525" cap="flat" cmpd="sng">
               <a:solidFill>
-                <a:srgbClr val="000000"/>
+                <a:schemeClr val="dk2"/>
               </a:solidFill>
-              <a:latin typeface="Arial"/>
-              <a:ea typeface="Arial"/>
-              <a:cs typeface="Arial"/>
-              <a:sym typeface="Arial"/>
-            </a:endParaRPr>
-          </a:p>
-        </p:txBody>
-      </p:sp>
-      <p:cxnSp>
-        <p:nvCxnSpPr>
-          <p:cNvPr id="34" name="Straight Arrow Connector 33">
-            <a:extLst>
-              <a:ext uri="{FF2B5EF4-FFF2-40B4-BE49-F238E27FC236}">
-                <a16:creationId xmlns:a16="http://schemas.microsoft.com/office/drawing/2014/main" id="{DFFCA59B-C6AE-42E7-91BE-7D19060098D7}"/>
-              </a:ext>
-            </a:extLst>
-          </p:cNvPr>
-          <p:cNvCxnSpPr>
-            <a:cxnSpLocks/>
-            <a:stCxn id="99" idx="2"/>
-          </p:cNvCxnSpPr>
-          <p:nvPr/>
-        </p:nvCxnSpPr>
-        <p:spPr>
-          <a:xfrm>
-            <a:off x="6407013" y="1128573"/>
-            <a:ext cx="22521" cy="503158"/>
-          </a:xfrm>
-          <a:prstGeom prst="straightConnector1">
-            <a:avLst/>
-          </a:prstGeom>
-          <a:ln>
-            <a:tailEnd type="triangle"/>
-          </a:ln>
-        </p:spPr>
-        <p:style>
-          <a:lnRef idx="1">
-            <a:schemeClr val="dk1"/>
-          </a:lnRef>
-          <a:fillRef idx="0">
-            <a:schemeClr val="dk1"/>
-          </a:fillRef>
-          <a:effectRef idx="0">
-            <a:schemeClr val="dk1"/>
-          </a:effectRef>
-          <a:fontRef idx="minor">
-            <a:schemeClr val="tx1"/>
-          </a:fontRef>
-        </p:style>
-      </p:cxnSp>
-      <p:sp>
-        <p:nvSpPr>
-          <p:cNvPr id="67" name="Google Shape;98;p4">
-            <a:extLst>
-              <a:ext uri="{FF2B5EF4-FFF2-40B4-BE49-F238E27FC236}">
-                <a16:creationId xmlns:a16="http://schemas.microsoft.com/office/drawing/2014/main" id="{1F1AB223-0B39-4BAF-8D27-35F7688C1F0F}"/>
-              </a:ext>
-            </a:extLst>
-          </p:cNvPr>
-          <p:cNvSpPr txBox="1"/>
-          <p:nvPr/>
-        </p:nvSpPr>
-        <p:spPr>
-          <a:xfrm>
-            <a:off x="6370095" y="1129325"/>
-            <a:ext cx="650700" cy="300900"/>
-          </a:xfrm>
-          <a:prstGeom prst="rect">
-            <a:avLst/>
-          </a:prstGeom>
-          <a:noFill/>
-          <a:ln>
+              <a:prstDash val="solid"/>
+              <a:round/>
+              <a:headEnd type="none" w="sm" len="sm"/>
+              <a:tailEnd type="none" w="sm" len="sm"/>
+            </a:ln>
+          </p:spPr>
+          <p:txBody>
+            <a:bodyPr spcFirstLastPara="1" wrap="square" lIns="91425" tIns="91425" rIns="91425" bIns="91425" anchor="ctr" anchorCtr="0">
+              <a:noAutofit/>
+            </a:bodyPr>
+            <a:lstStyle/>
+            <a:p>
+              <a:pPr marL="0" marR="0" lvl="0" indent="0" algn="l" rtl="0">
+                <a:lnSpc>
+                  <a:spcPct val="100000"/>
+                </a:lnSpc>
+                <a:spcBef>
+                  <a:spcPts val="0"/>
+                </a:spcBef>
+                <a:spcAft>
+                  <a:spcPts val="0"/>
+                </a:spcAft>
+                <a:buClr>
+                  <a:srgbClr val="000000"/>
+                </a:buClr>
+                <a:buSzPts val="1200"/>
+                <a:buFont typeface="Arial"/>
+                <a:buNone/>
+              </a:pPr>
+              <a:r>
+                <a:rPr lang="en-US" sz="1200" i="0" u="none" strike="noStrike" cap="none" dirty="0">
+                  <a:solidFill>
+                    <a:srgbClr val="000000"/>
+                  </a:solidFill>
+                  <a:latin typeface="Arial"/>
+                  <a:ea typeface="Arial"/>
+                  <a:cs typeface="Arial"/>
+                  <a:sym typeface="Arial"/>
+                </a:rPr>
+                <a:t>Overdue Reach Time</a:t>
+              </a:r>
+              <a:endParaRPr sz="1200" i="0" u="none" strike="noStrike" cap="none" dirty="0">
+                <a:solidFill>
+                  <a:srgbClr val="000000"/>
+                </a:solidFill>
+                <a:latin typeface="Arial"/>
+                <a:ea typeface="Arial"/>
+                <a:cs typeface="Arial"/>
+                <a:sym typeface="Arial"/>
+              </a:endParaRPr>
+            </a:p>
+          </p:txBody>
+        </p:sp>
+        <p:cxnSp>
+          <p:nvCxnSpPr>
+            <p:cNvPr id="34" name="Straight Arrow Connector 33">
+              <a:extLst>
+                <a:ext uri="{FF2B5EF4-FFF2-40B4-BE49-F238E27FC236}">
+                  <a16:creationId xmlns:a16="http://schemas.microsoft.com/office/drawing/2014/main" id="{DFFCA59B-C6AE-42E7-91BE-7D19060098D7}"/>
+                </a:ext>
+              </a:extLst>
+            </p:cNvPr>
+            <p:cNvCxnSpPr>
+              <a:cxnSpLocks/>
+              <a:stCxn id="99" idx="2"/>
+            </p:cNvCxnSpPr>
+            <p:nvPr/>
+          </p:nvCxnSpPr>
+          <p:spPr>
+            <a:xfrm>
+              <a:off x="6407013" y="1128573"/>
+              <a:ext cx="22521" cy="503158"/>
+            </a:xfrm>
+            <a:prstGeom prst="straightConnector1">
+              <a:avLst/>
+            </a:prstGeom>
+            <a:ln>
+              <a:tailEnd type="triangle"/>
+            </a:ln>
+          </p:spPr>
+          <p:style>
+            <a:lnRef idx="1">
+              <a:schemeClr val="dk1"/>
+            </a:lnRef>
+            <a:fillRef idx="0">
+              <a:schemeClr val="dk1"/>
+            </a:fillRef>
+            <a:effectRef idx="0">
+              <a:schemeClr val="dk1"/>
+            </a:effectRef>
+            <a:fontRef idx="minor">
+              <a:schemeClr val="tx1"/>
+            </a:fontRef>
+          </p:style>
+        </p:cxnSp>
+        <p:sp>
+          <p:nvSpPr>
+            <p:cNvPr id="67" name="Google Shape;98;p4">
+              <a:extLst>
+                <a:ext uri="{FF2B5EF4-FFF2-40B4-BE49-F238E27FC236}">
+                  <a16:creationId xmlns:a16="http://schemas.microsoft.com/office/drawing/2014/main" id="{1F1AB223-0B39-4BAF-8D27-35F7688C1F0F}"/>
+                </a:ext>
+              </a:extLst>
+            </p:cNvPr>
+            <p:cNvSpPr txBox="1"/>
+            <p:nvPr/>
+          </p:nvSpPr>
+          <p:spPr>
+            <a:xfrm>
+              <a:off x="6370095" y="1129325"/>
+              <a:ext cx="650700" cy="300900"/>
+            </a:xfrm>
+            <a:prstGeom prst="rect">
+              <a:avLst/>
+            </a:prstGeom>
             <a:noFill/>
-          </a:ln>
-        </p:spPr>
-        <p:txBody>
-          <a:bodyPr spcFirstLastPara="1" wrap="square" lIns="91425" tIns="91425" rIns="91425" bIns="91425" anchor="t" anchorCtr="0">
-            <a:noAutofit/>
-          </a:bodyPr>
-          <a:lstStyle/>
-          <a:p>
-            <a:pPr marL="0" marR="0" lvl="0" indent="0" algn="l" rtl="0">
-              <a:lnSpc>
-                <a:spcPct val="100000"/>
-              </a:lnSpc>
-              <a:spcBef>
-                <a:spcPts val="0"/>
-              </a:spcBef>
-              <a:spcAft>
-                <a:spcPts val="0"/>
-              </a:spcAft>
-              <a:buClr>
-                <a:srgbClr val="000000"/>
-              </a:buClr>
-              <a:buSzPts val="1400"/>
-              <a:buFont typeface="Arial"/>
-              <a:buNone/>
-            </a:pPr>
-            <a:r>
-              <a:rPr lang="en-US" sz="1200" b="0" i="0" u="none" strike="noStrike" cap="none" dirty="0">
-                <a:solidFill>
+            <a:ln>
+              <a:noFill/>
+            </a:ln>
+          </p:spPr>
+          <p:txBody>
+            <a:bodyPr spcFirstLastPara="1" wrap="square" lIns="91425" tIns="91425" rIns="91425" bIns="91425" anchor="t" anchorCtr="0">
+              <a:noAutofit/>
+            </a:bodyPr>
+            <a:lstStyle/>
+            <a:p>
+              <a:pPr marL="0" marR="0" lvl="0" indent="0" algn="l" rtl="0">
+                <a:lnSpc>
+                  <a:spcPct val="100000"/>
+                </a:lnSpc>
+                <a:spcBef>
+                  <a:spcPts val="0"/>
+                </a:spcBef>
+                <a:spcAft>
+                  <a:spcPts val="0"/>
+                </a:spcAft>
+                <a:buClr>
                   <a:srgbClr val="000000"/>
-                </a:solidFill>
-                <a:latin typeface="Arial"/>
-                <a:ea typeface="Arial"/>
-                <a:cs typeface="Arial"/>
-                <a:sym typeface="Arial"/>
-              </a:rPr>
-              <a:t>NO</a:t>
-            </a:r>
-            <a:endParaRPr sz="1200" b="0" i="0" u="none" strike="noStrike" cap="none" dirty="0">
+                </a:buClr>
+                <a:buSzPts val="1400"/>
+                <a:buFont typeface="Arial"/>
+                <a:buNone/>
+              </a:pPr>
+              <a:r>
+                <a:rPr lang="en-US" sz="1200" b="0" i="0" u="none" strike="noStrike" cap="none" dirty="0">
+                  <a:solidFill>
+                    <a:srgbClr val="000000"/>
+                  </a:solidFill>
+                  <a:latin typeface="Arial"/>
+                  <a:ea typeface="Arial"/>
+                  <a:cs typeface="Arial"/>
+                  <a:sym typeface="Arial"/>
+                </a:rPr>
+                <a:t>NO</a:t>
+              </a:r>
+              <a:endParaRPr sz="1200" b="0" i="0" u="none" strike="noStrike" cap="none" dirty="0">
+                <a:solidFill>
+                  <a:srgbClr val="000000"/>
+                </a:solidFill>
+                <a:latin typeface="Arial"/>
+                <a:ea typeface="Arial"/>
+                <a:cs typeface="Arial"/>
+                <a:sym typeface="Arial"/>
+              </a:endParaRPr>
+            </a:p>
+          </p:txBody>
+        </p:sp>
+        <p:cxnSp>
+          <p:nvCxnSpPr>
+            <p:cNvPr id="40" name="Connector: Elbow 39">
+              <a:extLst>
+                <a:ext uri="{FF2B5EF4-FFF2-40B4-BE49-F238E27FC236}">
+                  <a16:creationId xmlns:a16="http://schemas.microsoft.com/office/drawing/2014/main" id="{C85D66A8-2B1B-4230-8FD6-3021401860EF}"/>
+                </a:ext>
+              </a:extLst>
+            </p:cNvPr>
+            <p:cNvCxnSpPr>
+              <a:cxnSpLocks/>
+              <a:stCxn id="63" idx="3"/>
+              <a:endCxn id="55" idx="2"/>
+            </p:cNvCxnSpPr>
+            <p:nvPr/>
+          </p:nvCxnSpPr>
+          <p:spPr>
+            <a:xfrm flipV="1">
+              <a:off x="7345611" y="1952909"/>
+              <a:ext cx="1257314" cy="1118034"/>
+            </a:xfrm>
+            <a:prstGeom prst="bentConnector2">
+              <a:avLst/>
+            </a:prstGeom>
+            <a:ln>
+              <a:tailEnd type="triangle"/>
+            </a:ln>
+          </p:spPr>
+          <p:style>
+            <a:lnRef idx="1">
+              <a:schemeClr val="dk1"/>
+            </a:lnRef>
+            <a:fillRef idx="0">
+              <a:schemeClr val="dk1"/>
+            </a:fillRef>
+            <a:effectRef idx="0">
+              <a:schemeClr val="dk1"/>
+            </a:effectRef>
+            <a:fontRef idx="minor">
+              <a:schemeClr val="tx1"/>
+            </a:fontRef>
+          </p:style>
+        </p:cxnSp>
+        <p:sp>
+          <p:nvSpPr>
+            <p:cNvPr id="72" name="Google Shape;104;p4">
+              <a:extLst>
+                <a:ext uri="{FF2B5EF4-FFF2-40B4-BE49-F238E27FC236}">
+                  <a16:creationId xmlns:a16="http://schemas.microsoft.com/office/drawing/2014/main" id="{FEEAB3F4-1E7A-4CA5-A8F2-72972013B863}"/>
+                </a:ext>
+              </a:extLst>
+            </p:cNvPr>
+            <p:cNvSpPr txBox="1"/>
+            <p:nvPr/>
+          </p:nvSpPr>
+          <p:spPr>
+            <a:xfrm>
+              <a:off x="7287553" y="2752865"/>
+              <a:ext cx="650700" cy="300900"/>
+            </a:xfrm>
+            <a:prstGeom prst="rect">
+              <a:avLst/>
+            </a:prstGeom>
+            <a:noFill/>
+            <a:ln>
+              <a:noFill/>
+            </a:ln>
+          </p:spPr>
+          <p:txBody>
+            <a:bodyPr spcFirstLastPara="1" wrap="square" lIns="91425" tIns="91425" rIns="91425" bIns="91425" anchor="t" anchorCtr="0">
+              <a:noAutofit/>
+            </a:bodyPr>
+            <a:lstStyle/>
+            <a:p>
+              <a:pPr marL="0" marR="0" lvl="0" indent="0" algn="l" rtl="0">
+                <a:lnSpc>
+                  <a:spcPct val="100000"/>
+                </a:lnSpc>
+                <a:spcBef>
+                  <a:spcPts val="0"/>
+                </a:spcBef>
+                <a:spcAft>
+                  <a:spcPts val="0"/>
+                </a:spcAft>
+                <a:buClr>
+                  <a:srgbClr val="000000"/>
+                </a:buClr>
+                <a:buSzPts val="1400"/>
+                <a:buFont typeface="Arial"/>
+                <a:buNone/>
+              </a:pPr>
+              <a:r>
+                <a:rPr lang="en-US" sz="1400" b="0" i="0" u="none" strike="noStrike" cap="none" dirty="0">
+                  <a:solidFill>
+                    <a:srgbClr val="000000"/>
+                  </a:solidFill>
+                  <a:latin typeface="Arial"/>
+                  <a:ea typeface="Arial"/>
+                  <a:cs typeface="Arial"/>
+                  <a:sym typeface="Arial"/>
+                </a:rPr>
+                <a:t>YES</a:t>
+              </a:r>
+              <a:endParaRPr sz="1400" b="0" i="0" u="none" strike="noStrike" cap="none" dirty="0">
+                <a:solidFill>
+                  <a:srgbClr val="000000"/>
+                </a:solidFill>
+                <a:latin typeface="Arial"/>
+                <a:ea typeface="Arial"/>
+                <a:cs typeface="Arial"/>
+                <a:sym typeface="Arial"/>
+              </a:endParaRPr>
+            </a:p>
+          </p:txBody>
+        </p:sp>
+        <p:sp>
+          <p:nvSpPr>
+            <p:cNvPr id="73" name="Google Shape;98;p4">
+              <a:extLst>
+                <a:ext uri="{FF2B5EF4-FFF2-40B4-BE49-F238E27FC236}">
+                  <a16:creationId xmlns:a16="http://schemas.microsoft.com/office/drawing/2014/main" id="{A7836F35-7606-4ED9-B652-A8559DC65BC0}"/>
+                </a:ext>
+              </a:extLst>
+            </p:cNvPr>
+            <p:cNvSpPr txBox="1"/>
+            <p:nvPr/>
+          </p:nvSpPr>
+          <p:spPr>
+            <a:xfrm>
+              <a:off x="5004685" y="2752865"/>
+              <a:ext cx="650700" cy="300900"/>
+            </a:xfrm>
+            <a:prstGeom prst="rect">
+              <a:avLst/>
+            </a:prstGeom>
+            <a:noFill/>
+            <a:ln>
+              <a:noFill/>
+            </a:ln>
+          </p:spPr>
+          <p:txBody>
+            <a:bodyPr spcFirstLastPara="1" wrap="square" lIns="91425" tIns="91425" rIns="91425" bIns="91425" anchor="t" anchorCtr="0">
+              <a:noAutofit/>
+            </a:bodyPr>
+            <a:lstStyle/>
+            <a:p>
+              <a:pPr marL="0" marR="0" lvl="0" indent="0" algn="l" rtl="0">
+                <a:lnSpc>
+                  <a:spcPct val="100000"/>
+                </a:lnSpc>
+                <a:spcBef>
+                  <a:spcPts val="0"/>
+                </a:spcBef>
+                <a:spcAft>
+                  <a:spcPts val="0"/>
+                </a:spcAft>
+                <a:buClr>
+                  <a:srgbClr val="000000"/>
+                </a:buClr>
+                <a:buSzPts val="1400"/>
+                <a:buFont typeface="Arial"/>
+                <a:buNone/>
+              </a:pPr>
+              <a:r>
+                <a:rPr lang="en-US" sz="1200" b="0" i="0" u="none" strike="noStrike" cap="none" dirty="0">
+                  <a:solidFill>
+                    <a:srgbClr val="000000"/>
+                  </a:solidFill>
+                  <a:latin typeface="Arial"/>
+                  <a:ea typeface="Arial"/>
+                  <a:cs typeface="Arial"/>
+                  <a:sym typeface="Arial"/>
+                </a:rPr>
+                <a:t>NO</a:t>
+              </a:r>
+              <a:endParaRPr sz="1200" b="0" i="0" u="none" strike="noStrike" cap="none" dirty="0">
+                <a:solidFill>
+                  <a:srgbClr val="000000"/>
+                </a:solidFill>
+                <a:latin typeface="Arial"/>
+                <a:ea typeface="Arial"/>
+                <a:cs typeface="Arial"/>
+                <a:sym typeface="Arial"/>
+              </a:endParaRPr>
+            </a:p>
+          </p:txBody>
+        </p:sp>
+        <p:sp>
+          <p:nvSpPr>
+            <p:cNvPr id="74" name="Google Shape;90;p4">
+              <a:extLst>
+                <a:ext uri="{FF2B5EF4-FFF2-40B4-BE49-F238E27FC236}">
+                  <a16:creationId xmlns:a16="http://schemas.microsoft.com/office/drawing/2014/main" id="{88412EEC-0113-45AC-98C6-4AF2B03844A8}"/>
+                </a:ext>
+              </a:extLst>
+            </p:cNvPr>
+            <p:cNvSpPr/>
+            <p:nvPr/>
+          </p:nvSpPr>
+          <p:spPr>
+            <a:xfrm>
+              <a:off x="3824010" y="2822243"/>
+              <a:ext cx="969900" cy="497400"/>
+            </a:xfrm>
+            <a:prstGeom prst="roundRect">
+              <a:avLst>
+                <a:gd name="adj" fmla="val 16667"/>
+              </a:avLst>
+            </a:prstGeom>
+            <a:solidFill>
+              <a:srgbClr val="92D050"/>
+            </a:solidFill>
+            <a:ln w="9525" cap="flat" cmpd="sng">
               <a:solidFill>
-                <a:srgbClr val="000000"/>
+                <a:schemeClr val="dk2"/>
               </a:solidFill>
-              <a:latin typeface="Arial"/>
-              <a:ea typeface="Arial"/>
-              <a:cs typeface="Arial"/>
-              <a:sym typeface="Arial"/>
-            </a:endParaRPr>
-          </a:p>
-        </p:txBody>
-      </p:sp>
-      <p:cxnSp>
-        <p:nvCxnSpPr>
-          <p:cNvPr id="40" name="Connector: Elbow 39">
-            <a:extLst>
-              <a:ext uri="{FF2B5EF4-FFF2-40B4-BE49-F238E27FC236}">
-                <a16:creationId xmlns:a16="http://schemas.microsoft.com/office/drawing/2014/main" id="{C85D66A8-2B1B-4230-8FD6-3021401860EF}"/>
-              </a:ext>
-            </a:extLst>
-          </p:cNvPr>
-          <p:cNvCxnSpPr>
-            <a:cxnSpLocks/>
-            <a:stCxn id="63" idx="3"/>
-            <a:endCxn id="55" idx="2"/>
-          </p:cNvCxnSpPr>
-          <p:nvPr/>
-        </p:nvCxnSpPr>
-        <p:spPr>
-          <a:xfrm flipV="1">
-            <a:off x="7345611" y="1952909"/>
-            <a:ext cx="1257314" cy="1118034"/>
-          </a:xfrm>
-          <a:prstGeom prst="bentConnector2">
-            <a:avLst/>
-          </a:prstGeom>
-          <a:ln>
-            <a:tailEnd type="triangle"/>
-          </a:ln>
-        </p:spPr>
-        <p:style>
-          <a:lnRef idx="1">
-            <a:schemeClr val="dk1"/>
-          </a:lnRef>
-          <a:fillRef idx="0">
-            <a:schemeClr val="dk1"/>
-          </a:fillRef>
-          <a:effectRef idx="0">
-            <a:schemeClr val="dk1"/>
-          </a:effectRef>
-          <a:fontRef idx="minor">
-            <a:schemeClr val="tx1"/>
-          </a:fontRef>
-        </p:style>
-      </p:cxnSp>
-      <p:sp>
-        <p:nvSpPr>
-          <p:cNvPr id="72" name="Google Shape;104;p4">
-            <a:extLst>
-              <a:ext uri="{FF2B5EF4-FFF2-40B4-BE49-F238E27FC236}">
-                <a16:creationId xmlns:a16="http://schemas.microsoft.com/office/drawing/2014/main" id="{FEEAB3F4-1E7A-4CA5-A8F2-72972013B863}"/>
-              </a:ext>
-            </a:extLst>
-          </p:cNvPr>
-          <p:cNvSpPr txBox="1"/>
-          <p:nvPr/>
-        </p:nvSpPr>
-        <p:spPr>
-          <a:xfrm>
-            <a:off x="7287553" y="2752865"/>
-            <a:ext cx="650700" cy="300900"/>
-          </a:xfrm>
-          <a:prstGeom prst="rect">
-            <a:avLst/>
-          </a:prstGeom>
-          <a:noFill/>
-          <a:ln>
+              <a:prstDash val="solid"/>
+              <a:round/>
+              <a:headEnd type="none" w="sm" len="sm"/>
+              <a:tailEnd type="none" w="sm" len="sm"/>
+            </a:ln>
+          </p:spPr>
+          <p:txBody>
+            <a:bodyPr spcFirstLastPara="1" wrap="square" lIns="91425" tIns="91425" rIns="91425" bIns="91425" anchor="ctr" anchorCtr="0">
+              <a:noAutofit/>
+            </a:bodyPr>
+            <a:lstStyle/>
+            <a:p>
+              <a:pPr marL="0" marR="0" lvl="0" indent="0" algn="l" rtl="0">
+                <a:lnSpc>
+                  <a:spcPct val="100000"/>
+                </a:lnSpc>
+                <a:spcBef>
+                  <a:spcPts val="0"/>
+                </a:spcBef>
+                <a:spcAft>
+                  <a:spcPts val="0"/>
+                </a:spcAft>
+                <a:buClr>
+                  <a:srgbClr val="000000"/>
+                </a:buClr>
+                <a:buSzPts val="1400"/>
+                <a:buFont typeface="Arial"/>
+                <a:buNone/>
+              </a:pPr>
+              <a:r>
+                <a:rPr lang="en-US" sz="1400" b="0" i="0" u="none" strike="noStrike" cap="none" dirty="0">
+                  <a:solidFill>
+                    <a:srgbClr val="000000"/>
+                  </a:solidFill>
+                  <a:latin typeface="Arial"/>
+                  <a:ea typeface="Arial"/>
+                  <a:cs typeface="Arial"/>
+                  <a:sym typeface="Arial"/>
+                </a:rPr>
+                <a:t>Correct</a:t>
+              </a:r>
+              <a:endParaRPr sz="1400" b="0" i="0" u="none" strike="noStrike" cap="none" dirty="0">
+                <a:solidFill>
+                  <a:srgbClr val="000000"/>
+                </a:solidFill>
+                <a:latin typeface="Arial"/>
+                <a:ea typeface="Arial"/>
+                <a:cs typeface="Arial"/>
+                <a:sym typeface="Arial"/>
+              </a:endParaRPr>
+            </a:p>
+            <a:p>
+              <a:pPr marL="0" marR="0" lvl="0" indent="0" algn="l" rtl="0">
+                <a:lnSpc>
+                  <a:spcPct val="100000"/>
+                </a:lnSpc>
+                <a:spcBef>
+                  <a:spcPts val="0"/>
+                </a:spcBef>
+                <a:spcAft>
+                  <a:spcPts val="0"/>
+                </a:spcAft>
+                <a:buClr>
+                  <a:srgbClr val="000000"/>
+                </a:buClr>
+                <a:buSzPts val="1400"/>
+                <a:buFont typeface="Arial"/>
+                <a:buNone/>
+              </a:pPr>
+              <a:r>
+                <a:rPr lang="en-US" sz="1400" b="0" i="0" u="none" strike="noStrike" cap="none" dirty="0">
+                  <a:solidFill>
+                    <a:srgbClr val="000000"/>
+                  </a:solidFill>
+                  <a:latin typeface="Arial"/>
+                  <a:ea typeface="Arial"/>
+                  <a:cs typeface="Arial"/>
+                  <a:sym typeface="Arial"/>
+                </a:rPr>
+                <a:t>Interface</a:t>
+              </a:r>
+              <a:endParaRPr sz="1400" b="0" i="0" u="none" strike="noStrike" cap="none" dirty="0">
+                <a:solidFill>
+                  <a:srgbClr val="000000"/>
+                </a:solidFill>
+                <a:latin typeface="Arial"/>
+                <a:ea typeface="Arial"/>
+                <a:cs typeface="Arial"/>
+                <a:sym typeface="Arial"/>
+              </a:endParaRPr>
+            </a:p>
+          </p:txBody>
+        </p:sp>
+        <p:cxnSp>
+          <p:nvCxnSpPr>
+            <p:cNvPr id="42" name="Straight Arrow Connector 41">
+              <a:extLst>
+                <a:ext uri="{FF2B5EF4-FFF2-40B4-BE49-F238E27FC236}">
+                  <a16:creationId xmlns:a16="http://schemas.microsoft.com/office/drawing/2014/main" id="{9378E09A-B249-46CE-BE5E-E60C2DCCF4D2}"/>
+                </a:ext>
+              </a:extLst>
+            </p:cNvPr>
+            <p:cNvCxnSpPr>
+              <a:stCxn id="63" idx="1"/>
+              <a:endCxn id="74" idx="3"/>
+            </p:cNvCxnSpPr>
+            <p:nvPr/>
+          </p:nvCxnSpPr>
+          <p:spPr>
+            <a:xfrm flipH="1">
+              <a:off x="4793910" y="3070943"/>
+              <a:ext cx="721878" cy="0"/>
+            </a:xfrm>
+            <a:prstGeom prst="straightConnector1">
+              <a:avLst/>
+            </a:prstGeom>
+            <a:ln>
+              <a:tailEnd type="triangle"/>
+            </a:ln>
+          </p:spPr>
+          <p:style>
+            <a:lnRef idx="1">
+              <a:schemeClr val="dk1"/>
+            </a:lnRef>
+            <a:fillRef idx="0">
+              <a:schemeClr val="dk1"/>
+            </a:fillRef>
+            <a:effectRef idx="0">
+              <a:schemeClr val="dk1"/>
+            </a:effectRef>
+            <a:fontRef idx="minor">
+              <a:schemeClr val="tx1"/>
+            </a:fontRef>
+          </p:style>
+        </p:cxnSp>
+        <p:sp>
+          <p:nvSpPr>
+            <p:cNvPr id="77" name="Google Shape;90;p4">
+              <a:extLst>
+                <a:ext uri="{FF2B5EF4-FFF2-40B4-BE49-F238E27FC236}">
+                  <a16:creationId xmlns:a16="http://schemas.microsoft.com/office/drawing/2014/main" id="{C1B35D53-B603-4A29-BFAE-9BEB1C1DBCA5}"/>
+                </a:ext>
+              </a:extLst>
+            </p:cNvPr>
+            <p:cNvSpPr/>
+            <p:nvPr/>
+          </p:nvSpPr>
+          <p:spPr>
+            <a:xfrm>
+              <a:off x="1836648" y="2825746"/>
+              <a:ext cx="1180621" cy="497400"/>
+            </a:xfrm>
+            <a:prstGeom prst="roundRect">
+              <a:avLst>
+                <a:gd name="adj" fmla="val 16667"/>
+              </a:avLst>
+            </a:prstGeom>
+            <a:solidFill>
+              <a:schemeClr val="lt2"/>
+            </a:solidFill>
+            <a:ln w="9525" cap="flat" cmpd="sng">
+              <a:solidFill>
+                <a:schemeClr val="dk2"/>
+              </a:solidFill>
+              <a:prstDash val="solid"/>
+              <a:round/>
+              <a:headEnd type="none" w="sm" len="sm"/>
+              <a:tailEnd type="none" w="sm" len="sm"/>
+            </a:ln>
+          </p:spPr>
+          <p:txBody>
+            <a:bodyPr spcFirstLastPara="1" wrap="square" lIns="91425" tIns="91425" rIns="91425" bIns="91425" anchor="ctr" anchorCtr="0">
+              <a:noAutofit/>
+            </a:bodyPr>
+            <a:lstStyle/>
+            <a:p>
+              <a:pPr marL="0" marR="0" lvl="0" indent="0" algn="l" rtl="0">
+                <a:lnSpc>
+                  <a:spcPct val="100000"/>
+                </a:lnSpc>
+                <a:spcBef>
+                  <a:spcPts val="0"/>
+                </a:spcBef>
+                <a:spcAft>
+                  <a:spcPts val="0"/>
+                </a:spcAft>
+                <a:buClr>
+                  <a:srgbClr val="000000"/>
+                </a:buClr>
+                <a:buSzPts val="1400"/>
+                <a:buFont typeface="Arial"/>
+                <a:buNone/>
+              </a:pPr>
+              <a:r>
+                <a:rPr lang="en-US" sz="1400" b="0" i="0" u="none" strike="noStrike" cap="none" dirty="0">
+                  <a:solidFill>
+                    <a:srgbClr val="000000"/>
+                  </a:solidFill>
+                  <a:latin typeface="Arial"/>
+                  <a:ea typeface="Arial"/>
+                  <a:cs typeface="Arial"/>
+                  <a:sym typeface="Arial"/>
+                </a:rPr>
+                <a:t>Wait </a:t>
+              </a:r>
+              <a:r>
+                <a:rPr lang="en-US" sz="1400" b="0" i="0" u="none" strike="noStrike" cap="none" dirty="0" err="1">
+                  <a:solidFill>
+                    <a:srgbClr val="000000"/>
+                  </a:solidFill>
+                  <a:latin typeface="Arial"/>
+                  <a:ea typeface="Arial"/>
+                  <a:cs typeface="Arial"/>
+                  <a:sym typeface="Arial"/>
+                </a:rPr>
+                <a:t>t_interTrial</a:t>
+              </a:r>
+              <a:endParaRPr sz="1400" b="0" i="0" u="none" strike="noStrike" cap="none" dirty="0">
+                <a:solidFill>
+                  <a:srgbClr val="000000"/>
+                </a:solidFill>
+                <a:latin typeface="Arial"/>
+                <a:ea typeface="Arial"/>
+                <a:cs typeface="Arial"/>
+                <a:sym typeface="Arial"/>
+              </a:endParaRPr>
+            </a:p>
+          </p:txBody>
+        </p:sp>
+        <p:cxnSp>
+          <p:nvCxnSpPr>
+            <p:cNvPr id="46" name="Connector: Elbow 45">
+              <a:extLst>
+                <a:ext uri="{FF2B5EF4-FFF2-40B4-BE49-F238E27FC236}">
+                  <a16:creationId xmlns:a16="http://schemas.microsoft.com/office/drawing/2014/main" id="{A7B6C56C-0C2F-46E6-B55C-8BF3B168B312}"/>
+                </a:ext>
+              </a:extLst>
+            </p:cNvPr>
+            <p:cNvCxnSpPr>
+              <a:cxnSpLocks/>
+              <a:stCxn id="77" idx="1"/>
+              <a:endCxn id="90" idx="2"/>
+            </p:cNvCxnSpPr>
+            <p:nvPr/>
+          </p:nvCxnSpPr>
+          <p:spPr>
+            <a:xfrm rot="10800000">
+              <a:off x="617176" y="1068576"/>
+              <a:ext cx="1219473" cy="2005871"/>
+            </a:xfrm>
+            <a:prstGeom prst="bentConnector2">
+              <a:avLst/>
+            </a:prstGeom>
+            <a:ln>
+              <a:tailEnd type="triangle"/>
+            </a:ln>
+          </p:spPr>
+          <p:style>
+            <a:lnRef idx="1">
+              <a:schemeClr val="dk1"/>
+            </a:lnRef>
+            <a:fillRef idx="0">
+              <a:schemeClr val="dk1"/>
+            </a:fillRef>
+            <a:effectRef idx="0">
+              <a:schemeClr val="dk1"/>
+            </a:effectRef>
+            <a:fontRef idx="minor">
+              <a:schemeClr val="tx1"/>
+            </a:fontRef>
+          </p:style>
+        </p:cxnSp>
+        <p:cxnSp>
+          <p:nvCxnSpPr>
+            <p:cNvPr id="48" name="Straight Arrow Connector 47">
+              <a:extLst>
+                <a:ext uri="{FF2B5EF4-FFF2-40B4-BE49-F238E27FC236}">
+                  <a16:creationId xmlns:a16="http://schemas.microsoft.com/office/drawing/2014/main" id="{A6DC4E46-8BFB-4490-9A35-8193CE3CE425}"/>
+                </a:ext>
+              </a:extLst>
+            </p:cNvPr>
+            <p:cNvCxnSpPr>
+              <a:stCxn id="74" idx="1"/>
+              <a:endCxn id="77" idx="3"/>
+            </p:cNvCxnSpPr>
+            <p:nvPr/>
+          </p:nvCxnSpPr>
+          <p:spPr>
+            <a:xfrm flipH="1">
+              <a:off x="3017269" y="3070943"/>
+              <a:ext cx="806741" cy="3503"/>
+            </a:xfrm>
+            <a:prstGeom prst="straightConnector1">
+              <a:avLst/>
+            </a:prstGeom>
+            <a:ln>
+              <a:tailEnd type="triangle"/>
+            </a:ln>
+          </p:spPr>
+          <p:style>
+            <a:lnRef idx="1">
+              <a:schemeClr val="dk1"/>
+            </a:lnRef>
+            <a:fillRef idx="0">
+              <a:schemeClr val="dk1"/>
+            </a:fillRef>
+            <a:effectRef idx="0">
+              <a:schemeClr val="dk1"/>
+            </a:effectRef>
+            <a:fontRef idx="minor">
+              <a:schemeClr val="tx1"/>
+            </a:fontRef>
+          </p:style>
+        </p:cxnSp>
+        <p:sp>
+          <p:nvSpPr>
+            <p:cNvPr id="38" name="Google Shape;99;p4">
+              <a:extLst>
+                <a:ext uri="{FF2B5EF4-FFF2-40B4-BE49-F238E27FC236}">
+                  <a16:creationId xmlns:a16="http://schemas.microsoft.com/office/drawing/2014/main" id="{B01713AF-C188-41A4-8DD5-BA145BE630F8}"/>
+                </a:ext>
+              </a:extLst>
+            </p:cNvPr>
+            <p:cNvSpPr/>
+            <p:nvPr/>
+          </p:nvSpPr>
+          <p:spPr>
+            <a:xfrm>
+              <a:off x="5514622" y="1634511"/>
+              <a:ext cx="1829823" cy="614425"/>
+            </a:xfrm>
+            <a:prstGeom prst="flowChartDecision">
+              <a:avLst/>
+            </a:prstGeom>
+            <a:solidFill>
+              <a:schemeClr val="lt1"/>
+            </a:solidFill>
+            <a:ln w="9525" cap="flat" cmpd="sng">
+              <a:solidFill>
+                <a:schemeClr val="dk2"/>
+              </a:solidFill>
+              <a:prstDash val="solid"/>
+              <a:round/>
+              <a:headEnd type="none" w="sm" len="sm"/>
+              <a:tailEnd type="none" w="sm" len="sm"/>
+            </a:ln>
+          </p:spPr>
+          <p:txBody>
+            <a:bodyPr spcFirstLastPara="1" wrap="square" lIns="91425" tIns="91425" rIns="91425" bIns="91425" anchor="ctr" anchorCtr="0">
+              <a:noAutofit/>
+            </a:bodyPr>
+            <a:lstStyle/>
+            <a:p>
+              <a:pPr marL="0" marR="0" lvl="0" indent="0" algn="l" rtl="0">
+                <a:lnSpc>
+                  <a:spcPct val="100000"/>
+                </a:lnSpc>
+                <a:spcBef>
+                  <a:spcPts val="0"/>
+                </a:spcBef>
+                <a:spcAft>
+                  <a:spcPts val="0"/>
+                </a:spcAft>
+                <a:buClr>
+                  <a:srgbClr val="000000"/>
+                </a:buClr>
+                <a:buSzPts val="1200"/>
+                <a:buFont typeface="Arial"/>
+                <a:buNone/>
+              </a:pPr>
+              <a:r>
+                <a:rPr lang="en-US" sz="1200" i="0" u="none" strike="noStrike" cap="none" dirty="0">
+                  <a:solidFill>
+                    <a:srgbClr val="000000"/>
+                  </a:solidFill>
+                  <a:latin typeface="Arial"/>
+                  <a:ea typeface="Arial"/>
+                  <a:cs typeface="Arial"/>
+                  <a:sym typeface="Arial"/>
+                </a:rPr>
+                <a:t>Leave </a:t>
+              </a:r>
+              <a:r>
+                <a:rPr lang="en-US" sz="1200" i="0" u="none" strike="noStrike" cap="none" dirty="0" err="1">
+                  <a:solidFill>
+                    <a:srgbClr val="000000"/>
+                  </a:solidFill>
+                  <a:latin typeface="Arial"/>
+                  <a:ea typeface="Arial"/>
+                  <a:cs typeface="Arial"/>
+                  <a:sym typeface="Arial"/>
+                </a:rPr>
+                <a:t>Startpad</a:t>
+              </a:r>
+              <a:r>
+                <a:rPr lang="en-US" sz="1200" i="0" u="none" strike="noStrike" cap="none" dirty="0">
+                  <a:solidFill>
+                    <a:srgbClr val="000000"/>
+                  </a:solidFill>
+                  <a:latin typeface="Arial"/>
+                  <a:ea typeface="Arial"/>
+                  <a:cs typeface="Arial"/>
+                  <a:sym typeface="Arial"/>
+                </a:rPr>
+                <a:t> </a:t>
+              </a:r>
+              <a:endParaRPr sz="1200" i="0" u="none" strike="noStrike" cap="none" dirty="0">
+                <a:solidFill>
+                  <a:srgbClr val="000000"/>
+                </a:solidFill>
+                <a:latin typeface="Arial"/>
+                <a:ea typeface="Arial"/>
+                <a:cs typeface="Arial"/>
+                <a:sym typeface="Arial"/>
+              </a:endParaRPr>
+            </a:p>
+          </p:txBody>
+        </p:sp>
+        <p:cxnSp>
+          <p:nvCxnSpPr>
+            <p:cNvPr id="39" name="Straight Arrow Connector 38">
+              <a:extLst>
+                <a:ext uri="{FF2B5EF4-FFF2-40B4-BE49-F238E27FC236}">
+                  <a16:creationId xmlns:a16="http://schemas.microsoft.com/office/drawing/2014/main" id="{CEE4A9D2-340A-4984-A6CC-4A8F90706F94}"/>
+                </a:ext>
+              </a:extLst>
+            </p:cNvPr>
+            <p:cNvCxnSpPr>
+              <a:cxnSpLocks/>
+              <a:stCxn id="38" idx="2"/>
+              <a:endCxn id="63" idx="0"/>
+            </p:cNvCxnSpPr>
+            <p:nvPr/>
+          </p:nvCxnSpPr>
+          <p:spPr>
+            <a:xfrm>
+              <a:off x="6429534" y="2248936"/>
+              <a:ext cx="1166" cy="514794"/>
+            </a:xfrm>
+            <a:prstGeom prst="straightConnector1">
+              <a:avLst/>
+            </a:prstGeom>
+            <a:ln>
+              <a:tailEnd type="triangle"/>
+            </a:ln>
+          </p:spPr>
+          <p:style>
+            <a:lnRef idx="1">
+              <a:schemeClr val="dk1"/>
+            </a:lnRef>
+            <a:fillRef idx="0">
+              <a:schemeClr val="dk1"/>
+            </a:fillRef>
+            <a:effectRef idx="0">
+              <a:schemeClr val="dk1"/>
+            </a:effectRef>
+            <a:fontRef idx="minor">
+              <a:schemeClr val="tx1"/>
+            </a:fontRef>
+          </p:style>
+        </p:cxnSp>
+        <p:sp>
+          <p:nvSpPr>
+            <p:cNvPr id="56" name="Google Shape;104;p4">
+              <a:extLst>
+                <a:ext uri="{FF2B5EF4-FFF2-40B4-BE49-F238E27FC236}">
+                  <a16:creationId xmlns:a16="http://schemas.microsoft.com/office/drawing/2014/main" id="{37336FC4-CD19-4906-B55D-7E6BD713CCF0}"/>
+                </a:ext>
+              </a:extLst>
+            </p:cNvPr>
+            <p:cNvSpPr txBox="1"/>
+            <p:nvPr/>
+          </p:nvSpPr>
+          <p:spPr>
+            <a:xfrm>
+              <a:off x="6368978" y="2259663"/>
+              <a:ext cx="650700" cy="300900"/>
+            </a:xfrm>
+            <a:prstGeom prst="rect">
+              <a:avLst/>
+            </a:prstGeom>
             <a:noFill/>
-          </a:ln>
-        </p:spPr>
-        <p:txBody>
-          <a:bodyPr spcFirstLastPara="1" wrap="square" lIns="91425" tIns="91425" rIns="91425" bIns="91425" anchor="t" anchorCtr="0">
-            <a:noAutofit/>
-          </a:bodyPr>
-          <a:lstStyle/>
-          <a:p>
-            <a:pPr marL="0" marR="0" lvl="0" indent="0" algn="l" rtl="0">
-              <a:lnSpc>
-                <a:spcPct val="100000"/>
-              </a:lnSpc>
-              <a:spcBef>
-                <a:spcPts val="0"/>
-              </a:spcBef>
-              <a:spcAft>
-                <a:spcPts val="0"/>
-              </a:spcAft>
-              <a:buClr>
-                <a:srgbClr val="000000"/>
-              </a:buClr>
-              <a:buSzPts val="1400"/>
-              <a:buFont typeface="Arial"/>
-              <a:buNone/>
-            </a:pPr>
-            <a:r>
-              <a:rPr lang="en-US" sz="1400" b="0" i="0" u="none" strike="noStrike" cap="none" dirty="0">
-                <a:solidFill>
+            <a:ln>
+              <a:noFill/>
+            </a:ln>
+          </p:spPr>
+          <p:txBody>
+            <a:bodyPr spcFirstLastPara="1" wrap="square" lIns="91425" tIns="91425" rIns="91425" bIns="91425" anchor="t" anchorCtr="0">
+              <a:noAutofit/>
+            </a:bodyPr>
+            <a:lstStyle/>
+            <a:p>
+              <a:pPr marL="0" marR="0" lvl="0" indent="0" algn="l" rtl="0">
+                <a:lnSpc>
+                  <a:spcPct val="100000"/>
+                </a:lnSpc>
+                <a:spcBef>
+                  <a:spcPts val="0"/>
+                </a:spcBef>
+                <a:spcAft>
+                  <a:spcPts val="0"/>
+                </a:spcAft>
+                <a:buClr>
                   <a:srgbClr val="000000"/>
-                </a:solidFill>
-                <a:latin typeface="Arial"/>
-                <a:ea typeface="Arial"/>
-                <a:cs typeface="Arial"/>
-                <a:sym typeface="Arial"/>
-              </a:rPr>
-              <a:t>YES</a:t>
-            </a:r>
-            <a:endParaRPr sz="1400" b="0" i="0" u="none" strike="noStrike" cap="none" dirty="0">
-              <a:solidFill>
-                <a:srgbClr val="000000"/>
-              </a:solidFill>
-              <a:latin typeface="Arial"/>
-              <a:ea typeface="Arial"/>
-              <a:cs typeface="Arial"/>
-              <a:sym typeface="Arial"/>
-            </a:endParaRPr>
-          </a:p>
-        </p:txBody>
-      </p:sp>
-      <p:sp>
-        <p:nvSpPr>
-          <p:cNvPr id="73" name="Google Shape;98;p4">
-            <a:extLst>
-              <a:ext uri="{FF2B5EF4-FFF2-40B4-BE49-F238E27FC236}">
-                <a16:creationId xmlns:a16="http://schemas.microsoft.com/office/drawing/2014/main" id="{A7836F35-7606-4ED9-B652-A8559DC65BC0}"/>
-              </a:ext>
-            </a:extLst>
-          </p:cNvPr>
-          <p:cNvSpPr txBox="1"/>
-          <p:nvPr/>
-        </p:nvSpPr>
-        <p:spPr>
-          <a:xfrm>
-            <a:off x="5004685" y="2752865"/>
-            <a:ext cx="650700" cy="300900"/>
-          </a:xfrm>
-          <a:prstGeom prst="rect">
-            <a:avLst/>
-          </a:prstGeom>
-          <a:noFill/>
-          <a:ln>
+                </a:buClr>
+                <a:buSzPts val="1400"/>
+                <a:buFont typeface="Arial"/>
+                <a:buNone/>
+              </a:pPr>
+              <a:r>
+                <a:rPr lang="en-US" sz="1400" b="0" i="0" u="none" strike="noStrike" cap="none" dirty="0">
+                  <a:solidFill>
+                    <a:srgbClr val="000000"/>
+                  </a:solidFill>
+                  <a:latin typeface="Arial"/>
+                  <a:ea typeface="Arial"/>
+                  <a:cs typeface="Arial"/>
+                  <a:sym typeface="Arial"/>
+                </a:rPr>
+                <a:t>YES</a:t>
+              </a:r>
+              <a:endParaRPr sz="1400" b="0" i="0" u="none" strike="noStrike" cap="none" dirty="0">
+                <a:solidFill>
+                  <a:srgbClr val="000000"/>
+                </a:solidFill>
+                <a:latin typeface="Arial"/>
+                <a:ea typeface="Arial"/>
+                <a:cs typeface="Arial"/>
+                <a:sym typeface="Arial"/>
+              </a:endParaRPr>
+            </a:p>
+          </p:txBody>
+        </p:sp>
+        <p:sp>
+          <p:nvSpPr>
+            <p:cNvPr id="57" name="Google Shape;104;p4">
+              <a:extLst>
+                <a:ext uri="{FF2B5EF4-FFF2-40B4-BE49-F238E27FC236}">
+                  <a16:creationId xmlns:a16="http://schemas.microsoft.com/office/drawing/2014/main" id="{8D893643-A25A-4586-838B-DDAA99F87AF3}"/>
+                </a:ext>
+              </a:extLst>
+            </p:cNvPr>
+            <p:cNvSpPr txBox="1"/>
+            <p:nvPr/>
+          </p:nvSpPr>
+          <p:spPr>
+            <a:xfrm>
+              <a:off x="7260821" y="1485143"/>
+              <a:ext cx="650700" cy="300900"/>
+            </a:xfrm>
+            <a:prstGeom prst="rect">
+              <a:avLst/>
+            </a:prstGeom>
             <a:noFill/>
-          </a:ln>
-        </p:spPr>
-        <p:txBody>
-          <a:bodyPr spcFirstLastPara="1" wrap="square" lIns="91425" tIns="91425" rIns="91425" bIns="91425" anchor="t" anchorCtr="0">
-            <a:noAutofit/>
-          </a:bodyPr>
-          <a:lstStyle/>
-          <a:p>
-            <a:pPr marL="0" marR="0" lvl="0" indent="0" algn="l" rtl="0">
-              <a:lnSpc>
-                <a:spcPct val="100000"/>
-              </a:lnSpc>
-              <a:spcBef>
-                <a:spcPts val="0"/>
-              </a:spcBef>
-              <a:spcAft>
-                <a:spcPts val="0"/>
-              </a:spcAft>
-              <a:buClr>
-                <a:srgbClr val="000000"/>
-              </a:buClr>
-              <a:buSzPts val="1400"/>
-              <a:buFont typeface="Arial"/>
-              <a:buNone/>
-            </a:pPr>
-            <a:r>
-              <a:rPr lang="en-US" sz="1200" b="0" i="0" u="none" strike="noStrike" cap="none" dirty="0">
-                <a:solidFill>
+            <a:ln>
+              <a:noFill/>
+            </a:ln>
+          </p:spPr>
+          <p:txBody>
+            <a:bodyPr spcFirstLastPara="1" wrap="square" lIns="91425" tIns="91425" rIns="91425" bIns="91425" anchor="t" anchorCtr="0">
+              <a:noAutofit/>
+            </a:bodyPr>
+            <a:lstStyle/>
+            <a:p>
+              <a:pPr marL="0" marR="0" lvl="0" indent="0" algn="l" rtl="0">
+                <a:lnSpc>
+                  <a:spcPct val="100000"/>
+                </a:lnSpc>
+                <a:spcBef>
+                  <a:spcPts val="0"/>
+                </a:spcBef>
+                <a:spcAft>
+                  <a:spcPts val="0"/>
+                </a:spcAft>
+                <a:buClr>
                   <a:srgbClr val="000000"/>
-                </a:solidFill>
-                <a:latin typeface="Arial"/>
-                <a:ea typeface="Arial"/>
-                <a:cs typeface="Arial"/>
-                <a:sym typeface="Arial"/>
-              </a:rPr>
-              <a:t>NO</a:t>
-            </a:r>
-            <a:endParaRPr sz="1200" b="0" i="0" u="none" strike="noStrike" cap="none" dirty="0">
-              <a:solidFill>
-                <a:srgbClr val="000000"/>
-              </a:solidFill>
-              <a:latin typeface="Arial"/>
-              <a:ea typeface="Arial"/>
-              <a:cs typeface="Arial"/>
-              <a:sym typeface="Arial"/>
-            </a:endParaRPr>
-          </a:p>
-        </p:txBody>
-      </p:sp>
-      <p:sp>
-        <p:nvSpPr>
-          <p:cNvPr id="74" name="Google Shape;90;p4">
-            <a:extLst>
-              <a:ext uri="{FF2B5EF4-FFF2-40B4-BE49-F238E27FC236}">
-                <a16:creationId xmlns:a16="http://schemas.microsoft.com/office/drawing/2014/main" id="{88412EEC-0113-45AC-98C6-4AF2B03844A8}"/>
-              </a:ext>
-            </a:extLst>
-          </p:cNvPr>
-          <p:cNvSpPr/>
-          <p:nvPr/>
-        </p:nvSpPr>
-        <p:spPr>
-          <a:xfrm>
-            <a:off x="3824010" y="2822243"/>
-            <a:ext cx="969900" cy="497400"/>
-          </a:xfrm>
-          <a:prstGeom prst="roundRect">
-            <a:avLst>
-              <a:gd name="adj" fmla="val 16667"/>
-            </a:avLst>
-          </a:prstGeom>
-          <a:solidFill>
-            <a:srgbClr val="92D050"/>
-          </a:solidFill>
-          <a:ln w="9525" cap="flat" cmpd="sng">
-            <a:solidFill>
-              <a:schemeClr val="dk2"/>
-            </a:solidFill>
-            <a:prstDash val="solid"/>
-            <a:round/>
-            <a:headEnd type="none" w="sm" len="sm"/>
-            <a:tailEnd type="none" w="sm" len="sm"/>
-          </a:ln>
-        </p:spPr>
-        <p:txBody>
-          <a:bodyPr spcFirstLastPara="1" wrap="square" lIns="91425" tIns="91425" rIns="91425" bIns="91425" anchor="ctr" anchorCtr="0">
-            <a:noAutofit/>
-          </a:bodyPr>
-          <a:lstStyle/>
-          <a:p>
-            <a:pPr marL="0" marR="0" lvl="0" indent="0" algn="l" rtl="0">
-              <a:lnSpc>
-                <a:spcPct val="100000"/>
-              </a:lnSpc>
-              <a:spcBef>
-                <a:spcPts val="0"/>
-              </a:spcBef>
-              <a:spcAft>
-                <a:spcPts val="0"/>
-              </a:spcAft>
-              <a:buClr>
-                <a:srgbClr val="000000"/>
-              </a:buClr>
-              <a:buSzPts val="1400"/>
-              <a:buFont typeface="Arial"/>
-              <a:buNone/>
-            </a:pPr>
-            <a:r>
-              <a:rPr lang="en-US" sz="1400" b="0" i="0" u="none" strike="noStrike" cap="none" dirty="0">
+                </a:buClr>
+                <a:buSzPts val="1400"/>
+                <a:buFont typeface="Arial"/>
+                <a:buNone/>
+              </a:pPr>
+              <a:r>
+                <a:rPr lang="en-US" sz="1400" b="0" i="0" u="none" strike="noStrike" cap="none" dirty="0">
+                  <a:solidFill>
+                    <a:srgbClr val="000000"/>
+                  </a:solidFill>
+                  <a:latin typeface="Arial"/>
+                  <a:ea typeface="Arial"/>
+                  <a:cs typeface="Arial"/>
+                  <a:sym typeface="Arial"/>
+                </a:rPr>
+                <a:t>No</a:t>
+              </a:r>
+              <a:endParaRPr sz="1400" b="0" i="0" u="none" strike="noStrike" cap="none" dirty="0">
                 <a:solidFill>
                   <a:srgbClr val="000000"/>
                 </a:solidFill>
@@ -9722,617 +10305,55 @@
                 <a:ea typeface="Arial"/>
                 <a:cs typeface="Arial"/>
                 <a:sym typeface="Arial"/>
-              </a:rPr>
-              <a:t>Correct</a:t>
-            </a:r>
-            <a:endParaRPr sz="1400" b="0" i="0" u="none" strike="noStrike" cap="none" dirty="0">
-              <a:solidFill>
-                <a:srgbClr val="000000"/>
-              </a:solidFill>
-              <a:latin typeface="Arial"/>
-              <a:ea typeface="Arial"/>
-              <a:cs typeface="Arial"/>
-              <a:sym typeface="Arial"/>
-            </a:endParaRPr>
-          </a:p>
-          <a:p>
-            <a:pPr marL="0" marR="0" lvl="0" indent="0" algn="l" rtl="0">
-              <a:lnSpc>
-                <a:spcPct val="100000"/>
-              </a:lnSpc>
-              <a:spcBef>
-                <a:spcPts val="0"/>
-              </a:spcBef>
-              <a:spcAft>
-                <a:spcPts val="0"/>
-              </a:spcAft>
-              <a:buClr>
-                <a:srgbClr val="000000"/>
-              </a:buClr>
-              <a:buSzPts val="1400"/>
-              <a:buFont typeface="Arial"/>
-              <a:buNone/>
-            </a:pPr>
-            <a:r>
-              <a:rPr lang="en-US" sz="1400" b="0" i="0" u="none" strike="noStrike" cap="none" dirty="0">
-                <a:solidFill>
-                  <a:srgbClr val="000000"/>
-                </a:solidFill>
-                <a:latin typeface="Arial"/>
-                <a:ea typeface="Arial"/>
-                <a:cs typeface="Arial"/>
-                <a:sym typeface="Arial"/>
-              </a:rPr>
-              <a:t>Interface</a:t>
-            </a:r>
-            <a:endParaRPr sz="1400" b="0" i="0" u="none" strike="noStrike" cap="none" dirty="0">
-              <a:solidFill>
-                <a:srgbClr val="000000"/>
-              </a:solidFill>
-              <a:latin typeface="Arial"/>
-              <a:ea typeface="Arial"/>
-              <a:cs typeface="Arial"/>
-              <a:sym typeface="Arial"/>
-            </a:endParaRPr>
-          </a:p>
-        </p:txBody>
-      </p:sp>
-      <p:cxnSp>
-        <p:nvCxnSpPr>
-          <p:cNvPr id="42" name="Straight Arrow Connector 41">
-            <a:extLst>
-              <a:ext uri="{FF2B5EF4-FFF2-40B4-BE49-F238E27FC236}">
-                <a16:creationId xmlns:a16="http://schemas.microsoft.com/office/drawing/2014/main" id="{9378E09A-B249-46CE-BE5E-E60C2DCCF4D2}"/>
-              </a:ext>
-            </a:extLst>
-          </p:cNvPr>
-          <p:cNvCxnSpPr>
-            <a:stCxn id="63" idx="1"/>
-            <a:endCxn id="74" idx="3"/>
-          </p:cNvCxnSpPr>
-          <p:nvPr/>
-        </p:nvCxnSpPr>
-        <p:spPr>
-          <a:xfrm flipH="1">
-            <a:off x="4793910" y="3070943"/>
-            <a:ext cx="721878" cy="0"/>
-          </a:xfrm>
-          <a:prstGeom prst="straightConnector1">
-            <a:avLst/>
-          </a:prstGeom>
-          <a:ln>
-            <a:tailEnd type="triangle"/>
-          </a:ln>
-        </p:spPr>
-        <p:style>
-          <a:lnRef idx="1">
-            <a:schemeClr val="dk1"/>
-          </a:lnRef>
-          <a:fillRef idx="0">
-            <a:schemeClr val="dk1"/>
-          </a:fillRef>
-          <a:effectRef idx="0">
-            <a:schemeClr val="dk1"/>
-          </a:effectRef>
-          <a:fontRef idx="minor">
-            <a:schemeClr val="tx1"/>
-          </a:fontRef>
-        </p:style>
-      </p:cxnSp>
-      <p:sp>
-        <p:nvSpPr>
-          <p:cNvPr id="77" name="Google Shape;90;p4">
-            <a:extLst>
-              <a:ext uri="{FF2B5EF4-FFF2-40B4-BE49-F238E27FC236}">
-                <a16:creationId xmlns:a16="http://schemas.microsoft.com/office/drawing/2014/main" id="{C1B35D53-B603-4A29-BFAE-9BEB1C1DBCA5}"/>
-              </a:ext>
-            </a:extLst>
-          </p:cNvPr>
-          <p:cNvSpPr/>
-          <p:nvPr/>
-        </p:nvSpPr>
-        <p:spPr>
-          <a:xfrm>
-            <a:off x="1836648" y="2825746"/>
-            <a:ext cx="1180621" cy="497400"/>
-          </a:xfrm>
-          <a:prstGeom prst="roundRect">
-            <a:avLst>
-              <a:gd name="adj" fmla="val 16667"/>
-            </a:avLst>
-          </a:prstGeom>
-          <a:solidFill>
-            <a:schemeClr val="lt2"/>
-          </a:solidFill>
-          <a:ln w="9525" cap="flat" cmpd="sng">
-            <a:solidFill>
-              <a:schemeClr val="dk2"/>
-            </a:solidFill>
-            <a:prstDash val="solid"/>
-            <a:round/>
-            <a:headEnd type="none" w="sm" len="sm"/>
-            <a:tailEnd type="none" w="sm" len="sm"/>
-          </a:ln>
-        </p:spPr>
-        <p:txBody>
-          <a:bodyPr spcFirstLastPara="1" wrap="square" lIns="91425" tIns="91425" rIns="91425" bIns="91425" anchor="ctr" anchorCtr="0">
-            <a:noAutofit/>
-          </a:bodyPr>
-          <a:lstStyle/>
-          <a:p>
-            <a:pPr marL="0" marR="0" lvl="0" indent="0" algn="l" rtl="0">
-              <a:lnSpc>
-                <a:spcPct val="100000"/>
-              </a:lnSpc>
-              <a:spcBef>
-                <a:spcPts val="0"/>
-              </a:spcBef>
-              <a:spcAft>
-                <a:spcPts val="0"/>
-              </a:spcAft>
-              <a:buClr>
-                <a:srgbClr val="000000"/>
-              </a:buClr>
-              <a:buSzPts val="1400"/>
-              <a:buFont typeface="Arial"/>
-              <a:buNone/>
-            </a:pPr>
-            <a:r>
-              <a:rPr lang="en-US" sz="1400" b="0" i="0" u="none" strike="noStrike" cap="none" dirty="0">
-                <a:solidFill>
-                  <a:srgbClr val="000000"/>
-                </a:solidFill>
-                <a:latin typeface="Arial"/>
-                <a:ea typeface="Arial"/>
-                <a:cs typeface="Arial"/>
-                <a:sym typeface="Arial"/>
-              </a:rPr>
-              <a:t>Wait </a:t>
-            </a:r>
-            <a:r>
-              <a:rPr lang="en-US" sz="1400" b="0" i="0" u="none" strike="noStrike" cap="none" dirty="0" err="1">
-                <a:solidFill>
-                  <a:srgbClr val="000000"/>
-                </a:solidFill>
-                <a:latin typeface="Arial"/>
-                <a:ea typeface="Arial"/>
-                <a:cs typeface="Arial"/>
-                <a:sym typeface="Arial"/>
-              </a:rPr>
-              <a:t>t_interTrial</a:t>
-            </a:r>
-            <a:endParaRPr sz="1400" b="0" i="0" u="none" strike="noStrike" cap="none" dirty="0">
-              <a:solidFill>
-                <a:srgbClr val="000000"/>
-              </a:solidFill>
-              <a:latin typeface="Arial"/>
-              <a:ea typeface="Arial"/>
-              <a:cs typeface="Arial"/>
-              <a:sym typeface="Arial"/>
-            </a:endParaRPr>
-          </a:p>
-        </p:txBody>
-      </p:sp>
-      <p:cxnSp>
-        <p:nvCxnSpPr>
-          <p:cNvPr id="46" name="Connector: Elbow 45">
-            <a:extLst>
-              <a:ext uri="{FF2B5EF4-FFF2-40B4-BE49-F238E27FC236}">
-                <a16:creationId xmlns:a16="http://schemas.microsoft.com/office/drawing/2014/main" id="{A7B6C56C-0C2F-46E6-B55C-8BF3B168B312}"/>
-              </a:ext>
-            </a:extLst>
-          </p:cNvPr>
-          <p:cNvCxnSpPr>
-            <a:cxnSpLocks/>
-            <a:stCxn id="77" idx="1"/>
-            <a:endCxn id="90" idx="2"/>
-          </p:cNvCxnSpPr>
-          <p:nvPr/>
-        </p:nvCxnSpPr>
-        <p:spPr>
-          <a:xfrm rot="10800000">
-            <a:off x="617176" y="1068576"/>
-            <a:ext cx="1219473" cy="2005871"/>
-          </a:xfrm>
-          <a:prstGeom prst="bentConnector2">
-            <a:avLst/>
-          </a:prstGeom>
-          <a:ln>
-            <a:tailEnd type="triangle"/>
-          </a:ln>
-        </p:spPr>
-        <p:style>
-          <a:lnRef idx="1">
-            <a:schemeClr val="dk1"/>
-          </a:lnRef>
-          <a:fillRef idx="0">
-            <a:schemeClr val="dk1"/>
-          </a:fillRef>
-          <a:effectRef idx="0">
-            <a:schemeClr val="dk1"/>
-          </a:effectRef>
-          <a:fontRef idx="minor">
-            <a:schemeClr val="tx1"/>
-          </a:fontRef>
-        </p:style>
-      </p:cxnSp>
-      <p:cxnSp>
-        <p:nvCxnSpPr>
-          <p:cNvPr id="48" name="Straight Arrow Connector 47">
-            <a:extLst>
-              <a:ext uri="{FF2B5EF4-FFF2-40B4-BE49-F238E27FC236}">
-                <a16:creationId xmlns:a16="http://schemas.microsoft.com/office/drawing/2014/main" id="{A6DC4E46-8BFB-4490-9A35-8193CE3CE425}"/>
-              </a:ext>
-            </a:extLst>
-          </p:cNvPr>
-          <p:cNvCxnSpPr>
-            <a:stCxn id="74" idx="1"/>
-            <a:endCxn id="77" idx="3"/>
-          </p:cNvCxnSpPr>
-          <p:nvPr/>
-        </p:nvCxnSpPr>
-        <p:spPr>
-          <a:xfrm flipH="1">
-            <a:off x="3017269" y="3070943"/>
-            <a:ext cx="806741" cy="3503"/>
-          </a:xfrm>
-          <a:prstGeom prst="straightConnector1">
-            <a:avLst/>
-          </a:prstGeom>
-          <a:ln>
-            <a:tailEnd type="triangle"/>
-          </a:ln>
-        </p:spPr>
-        <p:style>
-          <a:lnRef idx="1">
-            <a:schemeClr val="dk1"/>
-          </a:lnRef>
-          <a:fillRef idx="0">
-            <a:schemeClr val="dk1"/>
-          </a:fillRef>
-          <a:effectRef idx="0">
-            <a:schemeClr val="dk1"/>
-          </a:effectRef>
-          <a:fontRef idx="minor">
-            <a:schemeClr val="tx1"/>
-          </a:fontRef>
-        </p:style>
-      </p:cxnSp>
-      <p:sp>
-        <p:nvSpPr>
-          <p:cNvPr id="38" name="Google Shape;99;p4">
-            <a:extLst>
-              <a:ext uri="{FF2B5EF4-FFF2-40B4-BE49-F238E27FC236}">
-                <a16:creationId xmlns:a16="http://schemas.microsoft.com/office/drawing/2014/main" id="{B01713AF-C188-41A4-8DD5-BA145BE630F8}"/>
-              </a:ext>
-            </a:extLst>
-          </p:cNvPr>
-          <p:cNvSpPr/>
-          <p:nvPr/>
-        </p:nvSpPr>
-        <p:spPr>
-          <a:xfrm>
-            <a:off x="5514622" y="1634511"/>
-            <a:ext cx="1829823" cy="614425"/>
-          </a:xfrm>
-          <a:prstGeom prst="flowChartDecision">
-            <a:avLst/>
-          </a:prstGeom>
-          <a:solidFill>
-            <a:schemeClr val="lt1"/>
-          </a:solidFill>
-          <a:ln w="9525" cap="flat" cmpd="sng">
-            <a:solidFill>
-              <a:schemeClr val="dk2"/>
-            </a:solidFill>
-            <a:prstDash val="solid"/>
-            <a:round/>
-            <a:headEnd type="none" w="sm" len="sm"/>
-            <a:tailEnd type="none" w="sm" len="sm"/>
-          </a:ln>
-        </p:spPr>
-        <p:txBody>
-          <a:bodyPr spcFirstLastPara="1" wrap="square" lIns="91425" tIns="91425" rIns="91425" bIns="91425" anchor="ctr" anchorCtr="0">
-            <a:noAutofit/>
-          </a:bodyPr>
-          <a:lstStyle/>
-          <a:p>
-            <a:pPr marL="0" marR="0" lvl="0" indent="0" algn="l" rtl="0">
-              <a:lnSpc>
-                <a:spcPct val="100000"/>
-              </a:lnSpc>
-              <a:spcBef>
-                <a:spcPts val="0"/>
-              </a:spcBef>
-              <a:spcAft>
-                <a:spcPts val="0"/>
-              </a:spcAft>
-              <a:buClr>
-                <a:srgbClr val="000000"/>
-              </a:buClr>
-              <a:buSzPts val="1200"/>
-              <a:buFont typeface="Arial"/>
-              <a:buNone/>
-            </a:pPr>
-            <a:r>
-              <a:rPr lang="en-US" sz="1200" i="0" u="none" strike="noStrike" cap="none" dirty="0">
-                <a:solidFill>
-                  <a:srgbClr val="000000"/>
-                </a:solidFill>
-                <a:latin typeface="Arial"/>
-                <a:ea typeface="Arial"/>
-                <a:cs typeface="Arial"/>
-                <a:sym typeface="Arial"/>
-              </a:rPr>
-              <a:t>Leave </a:t>
-            </a:r>
-            <a:r>
-              <a:rPr lang="en-US" sz="1200" i="0" u="none" strike="noStrike" cap="none" dirty="0" err="1">
-                <a:solidFill>
-                  <a:srgbClr val="000000"/>
-                </a:solidFill>
-                <a:latin typeface="Arial"/>
-                <a:ea typeface="Arial"/>
-                <a:cs typeface="Arial"/>
-                <a:sym typeface="Arial"/>
-              </a:rPr>
-              <a:t>Startpad</a:t>
-            </a:r>
-            <a:r>
-              <a:rPr lang="en-US" sz="1200" i="0" u="none" strike="noStrike" cap="none" dirty="0">
-                <a:solidFill>
-                  <a:srgbClr val="000000"/>
-                </a:solidFill>
-                <a:latin typeface="Arial"/>
-                <a:ea typeface="Arial"/>
-                <a:cs typeface="Arial"/>
-                <a:sym typeface="Arial"/>
-              </a:rPr>
-              <a:t> </a:t>
-            </a:r>
-            <a:endParaRPr sz="1200" i="0" u="none" strike="noStrike" cap="none" dirty="0">
-              <a:solidFill>
-                <a:srgbClr val="000000"/>
-              </a:solidFill>
-              <a:latin typeface="Arial"/>
-              <a:ea typeface="Arial"/>
-              <a:cs typeface="Arial"/>
-              <a:sym typeface="Arial"/>
-            </a:endParaRPr>
-          </a:p>
-        </p:txBody>
-      </p:sp>
-      <p:cxnSp>
-        <p:nvCxnSpPr>
-          <p:cNvPr id="39" name="Straight Arrow Connector 38">
-            <a:extLst>
-              <a:ext uri="{FF2B5EF4-FFF2-40B4-BE49-F238E27FC236}">
-                <a16:creationId xmlns:a16="http://schemas.microsoft.com/office/drawing/2014/main" id="{CEE4A9D2-340A-4984-A6CC-4A8F90706F94}"/>
-              </a:ext>
-            </a:extLst>
-          </p:cNvPr>
-          <p:cNvCxnSpPr>
-            <a:cxnSpLocks/>
-            <a:stCxn id="38" idx="2"/>
-            <a:endCxn id="63" idx="0"/>
-          </p:cNvCxnSpPr>
-          <p:nvPr/>
-        </p:nvCxnSpPr>
-        <p:spPr>
-          <a:xfrm>
-            <a:off x="6429534" y="2248936"/>
-            <a:ext cx="1166" cy="514794"/>
-          </a:xfrm>
-          <a:prstGeom prst="straightConnector1">
-            <a:avLst/>
-          </a:prstGeom>
-          <a:ln>
-            <a:tailEnd type="triangle"/>
-          </a:ln>
-        </p:spPr>
-        <p:style>
-          <a:lnRef idx="1">
-            <a:schemeClr val="dk1"/>
-          </a:lnRef>
-          <a:fillRef idx="0">
-            <a:schemeClr val="dk1"/>
-          </a:fillRef>
-          <a:effectRef idx="0">
-            <a:schemeClr val="dk1"/>
-          </a:effectRef>
-          <a:fontRef idx="minor">
-            <a:schemeClr val="tx1"/>
-          </a:fontRef>
-        </p:style>
-      </p:cxnSp>
-      <p:sp>
-        <p:nvSpPr>
-          <p:cNvPr id="56" name="Google Shape;104;p4">
-            <a:extLst>
-              <a:ext uri="{FF2B5EF4-FFF2-40B4-BE49-F238E27FC236}">
-                <a16:creationId xmlns:a16="http://schemas.microsoft.com/office/drawing/2014/main" id="{37336FC4-CD19-4906-B55D-7E6BD713CCF0}"/>
-              </a:ext>
-            </a:extLst>
-          </p:cNvPr>
-          <p:cNvSpPr txBox="1"/>
-          <p:nvPr/>
-        </p:nvSpPr>
-        <p:spPr>
-          <a:xfrm>
-            <a:off x="6368978" y="2259663"/>
-            <a:ext cx="650700" cy="300900"/>
-          </a:xfrm>
-          <a:prstGeom prst="rect">
-            <a:avLst/>
-          </a:prstGeom>
-          <a:noFill/>
-          <a:ln>
-            <a:noFill/>
-          </a:ln>
-        </p:spPr>
-        <p:txBody>
-          <a:bodyPr spcFirstLastPara="1" wrap="square" lIns="91425" tIns="91425" rIns="91425" bIns="91425" anchor="t" anchorCtr="0">
-            <a:noAutofit/>
-          </a:bodyPr>
-          <a:lstStyle/>
-          <a:p>
-            <a:pPr marL="0" marR="0" lvl="0" indent="0" algn="l" rtl="0">
-              <a:lnSpc>
-                <a:spcPct val="100000"/>
-              </a:lnSpc>
-              <a:spcBef>
-                <a:spcPts val="0"/>
-              </a:spcBef>
-              <a:spcAft>
-                <a:spcPts val="0"/>
-              </a:spcAft>
-              <a:buClr>
-                <a:srgbClr val="000000"/>
-              </a:buClr>
-              <a:buSzPts val="1400"/>
-              <a:buFont typeface="Arial"/>
-              <a:buNone/>
-            </a:pPr>
-            <a:r>
-              <a:rPr lang="en-US" sz="1400" b="0" i="0" u="none" strike="noStrike" cap="none" dirty="0">
-                <a:solidFill>
-                  <a:srgbClr val="000000"/>
-                </a:solidFill>
-                <a:latin typeface="Arial"/>
-                <a:ea typeface="Arial"/>
-                <a:cs typeface="Arial"/>
-                <a:sym typeface="Arial"/>
-              </a:rPr>
-              <a:t>YES</a:t>
-            </a:r>
-            <a:endParaRPr sz="1400" b="0" i="0" u="none" strike="noStrike" cap="none" dirty="0">
-              <a:solidFill>
-                <a:srgbClr val="000000"/>
-              </a:solidFill>
-              <a:latin typeface="Arial"/>
-              <a:ea typeface="Arial"/>
-              <a:cs typeface="Arial"/>
-              <a:sym typeface="Arial"/>
-            </a:endParaRPr>
-          </a:p>
-        </p:txBody>
-      </p:sp>
-      <p:sp>
-        <p:nvSpPr>
-          <p:cNvPr id="57" name="Google Shape;104;p4">
-            <a:extLst>
-              <a:ext uri="{FF2B5EF4-FFF2-40B4-BE49-F238E27FC236}">
-                <a16:creationId xmlns:a16="http://schemas.microsoft.com/office/drawing/2014/main" id="{8D893643-A25A-4586-838B-DDAA99F87AF3}"/>
-              </a:ext>
-            </a:extLst>
-          </p:cNvPr>
-          <p:cNvSpPr txBox="1"/>
-          <p:nvPr/>
-        </p:nvSpPr>
-        <p:spPr>
-          <a:xfrm>
-            <a:off x="7260821" y="1485143"/>
-            <a:ext cx="650700" cy="300900"/>
-          </a:xfrm>
-          <a:prstGeom prst="rect">
-            <a:avLst/>
-          </a:prstGeom>
-          <a:noFill/>
-          <a:ln>
-            <a:noFill/>
-          </a:ln>
-        </p:spPr>
-        <p:txBody>
-          <a:bodyPr spcFirstLastPara="1" wrap="square" lIns="91425" tIns="91425" rIns="91425" bIns="91425" anchor="t" anchorCtr="0">
-            <a:noAutofit/>
-          </a:bodyPr>
-          <a:lstStyle/>
-          <a:p>
-            <a:pPr marL="0" marR="0" lvl="0" indent="0" algn="l" rtl="0">
-              <a:lnSpc>
-                <a:spcPct val="100000"/>
-              </a:lnSpc>
-              <a:spcBef>
-                <a:spcPts val="0"/>
-              </a:spcBef>
-              <a:spcAft>
-                <a:spcPts val="0"/>
-              </a:spcAft>
-              <a:buClr>
-                <a:srgbClr val="000000"/>
-              </a:buClr>
-              <a:buSzPts val="1400"/>
-              <a:buFont typeface="Arial"/>
-              <a:buNone/>
-            </a:pPr>
-            <a:r>
-              <a:rPr lang="en-US" sz="1400" b="0" i="0" u="none" strike="noStrike" cap="none" dirty="0">
-                <a:solidFill>
-                  <a:srgbClr val="000000"/>
-                </a:solidFill>
-                <a:latin typeface="Arial"/>
-                <a:ea typeface="Arial"/>
-                <a:cs typeface="Arial"/>
-                <a:sym typeface="Arial"/>
-              </a:rPr>
-              <a:t>No</a:t>
-            </a:r>
-            <a:endParaRPr sz="1400" b="0" i="0" u="none" strike="noStrike" cap="none" dirty="0">
-              <a:solidFill>
-                <a:srgbClr val="000000"/>
-              </a:solidFill>
-              <a:latin typeface="Arial"/>
-              <a:ea typeface="Arial"/>
-              <a:cs typeface="Arial"/>
-              <a:sym typeface="Arial"/>
-            </a:endParaRPr>
-          </a:p>
-        </p:txBody>
-      </p:sp>
-      <p:cxnSp>
-        <p:nvCxnSpPr>
-          <p:cNvPr id="29" name="Connector: Elbow 28">
-            <a:extLst>
-              <a:ext uri="{FF2B5EF4-FFF2-40B4-BE49-F238E27FC236}">
-                <a16:creationId xmlns:a16="http://schemas.microsoft.com/office/drawing/2014/main" id="{943EB594-4FB5-4A2F-A00B-616632D66536}"/>
-              </a:ext>
-            </a:extLst>
-          </p:cNvPr>
-          <p:cNvCxnSpPr>
-            <a:cxnSpLocks/>
-            <a:stCxn id="38" idx="3"/>
-          </p:cNvCxnSpPr>
-          <p:nvPr/>
-        </p:nvCxnSpPr>
-        <p:spPr>
-          <a:xfrm flipH="1" flipV="1">
-            <a:off x="6418273" y="1407913"/>
-            <a:ext cx="926172" cy="533811"/>
-          </a:xfrm>
-          <a:prstGeom prst="bentConnector3">
-            <a:avLst>
-              <a:gd name="adj1" fmla="val -24682"/>
-            </a:avLst>
-          </a:prstGeom>
-          <a:ln>
-            <a:tailEnd type="triangle"/>
-          </a:ln>
-        </p:spPr>
-        <p:style>
-          <a:lnRef idx="1">
-            <a:schemeClr val="dk1"/>
-          </a:lnRef>
-          <a:fillRef idx="0">
-            <a:schemeClr val="dk1"/>
-          </a:fillRef>
-          <a:effectRef idx="0">
-            <a:schemeClr val="dk1"/>
-          </a:effectRef>
-          <a:fontRef idx="minor">
-            <a:schemeClr val="tx1"/>
-          </a:fontRef>
-        </p:style>
-      </p:cxnSp>
+              </a:endParaRPr>
+            </a:p>
+          </p:txBody>
+        </p:sp>
+        <p:cxnSp>
+          <p:nvCxnSpPr>
+            <p:cNvPr id="29" name="Connector: Elbow 28">
+              <a:extLst>
+                <a:ext uri="{FF2B5EF4-FFF2-40B4-BE49-F238E27FC236}">
+                  <a16:creationId xmlns:a16="http://schemas.microsoft.com/office/drawing/2014/main" id="{943EB594-4FB5-4A2F-A00B-616632D66536}"/>
+                </a:ext>
+              </a:extLst>
+            </p:cNvPr>
+            <p:cNvCxnSpPr>
+              <a:cxnSpLocks/>
+              <a:stCxn id="38" idx="3"/>
+            </p:cNvCxnSpPr>
+            <p:nvPr/>
+          </p:nvCxnSpPr>
+          <p:spPr>
+            <a:xfrm flipH="1" flipV="1">
+              <a:off x="6418273" y="1407913"/>
+              <a:ext cx="926172" cy="533811"/>
+            </a:xfrm>
+            <a:prstGeom prst="bentConnector3">
+              <a:avLst>
+                <a:gd name="adj1" fmla="val -24682"/>
+              </a:avLst>
+            </a:prstGeom>
+            <a:ln>
+              <a:tailEnd type="triangle"/>
+            </a:ln>
+          </p:spPr>
+          <p:style>
+            <a:lnRef idx="1">
+              <a:schemeClr val="dk1"/>
+            </a:lnRef>
+            <a:fillRef idx="0">
+              <a:schemeClr val="dk1"/>
+            </a:fillRef>
+            <a:effectRef idx="0">
+              <a:schemeClr val="dk1"/>
+            </a:effectRef>
+            <a:fontRef idx="minor">
+              <a:schemeClr val="tx1"/>
+            </a:fontRef>
+          </p:style>
+        </p:cxnSp>
+      </p:grpSp>
     </p:spTree>
   </p:cSld>
   <p:clrMapOvr>
